--- a/1.Java Execution/Java Execution.pptx
+++ b/1.Java Execution/Java Execution.pptx
@@ -265,7 +265,7 @@
           <a:p>
             <a:fld id="{89D73432-4D6F-43DD-A87A-F506CD3B0C63}" type="datetimeFigureOut">
               <a:rPr lang="en-US" smtClean="0"/>
-              <a:t>1/20/2023</a:t>
+              <a:t>1/24/2023</a:t>
             </a:fld>
             <a:endParaRPr lang="en-US"/>
           </a:p>
@@ -463,7 +463,7 @@
           <a:p>
             <a:fld id="{89D73432-4D6F-43DD-A87A-F506CD3B0C63}" type="datetimeFigureOut">
               <a:rPr lang="en-US" smtClean="0"/>
-              <a:t>1/20/2023</a:t>
+              <a:t>1/24/2023</a:t>
             </a:fld>
             <a:endParaRPr lang="en-US"/>
           </a:p>
@@ -671,7 +671,7 @@
           <a:p>
             <a:fld id="{89D73432-4D6F-43DD-A87A-F506CD3B0C63}" type="datetimeFigureOut">
               <a:rPr lang="en-US" smtClean="0"/>
-              <a:t>1/20/2023</a:t>
+              <a:t>1/24/2023</a:t>
             </a:fld>
             <a:endParaRPr lang="en-US"/>
           </a:p>
@@ -869,7 +869,7 @@
           <a:p>
             <a:fld id="{89D73432-4D6F-43DD-A87A-F506CD3B0C63}" type="datetimeFigureOut">
               <a:rPr lang="en-US" smtClean="0"/>
-              <a:t>1/20/2023</a:t>
+              <a:t>1/24/2023</a:t>
             </a:fld>
             <a:endParaRPr lang="en-US"/>
           </a:p>
@@ -1144,7 +1144,7 @@
           <a:p>
             <a:fld id="{89D73432-4D6F-43DD-A87A-F506CD3B0C63}" type="datetimeFigureOut">
               <a:rPr lang="en-US" smtClean="0"/>
-              <a:t>1/20/2023</a:t>
+              <a:t>1/24/2023</a:t>
             </a:fld>
             <a:endParaRPr lang="en-US"/>
           </a:p>
@@ -1409,7 +1409,7 @@
           <a:p>
             <a:fld id="{89D73432-4D6F-43DD-A87A-F506CD3B0C63}" type="datetimeFigureOut">
               <a:rPr lang="en-US" smtClean="0"/>
-              <a:t>1/20/2023</a:t>
+              <a:t>1/24/2023</a:t>
             </a:fld>
             <a:endParaRPr lang="en-US"/>
           </a:p>
@@ -1821,7 +1821,7 @@
           <a:p>
             <a:fld id="{89D73432-4D6F-43DD-A87A-F506CD3B0C63}" type="datetimeFigureOut">
               <a:rPr lang="en-US" smtClean="0"/>
-              <a:t>1/20/2023</a:t>
+              <a:t>1/24/2023</a:t>
             </a:fld>
             <a:endParaRPr lang="en-US"/>
           </a:p>
@@ -1962,7 +1962,7 @@
           <a:p>
             <a:fld id="{89D73432-4D6F-43DD-A87A-F506CD3B0C63}" type="datetimeFigureOut">
               <a:rPr lang="en-US" smtClean="0"/>
-              <a:t>1/20/2023</a:t>
+              <a:t>1/24/2023</a:t>
             </a:fld>
             <a:endParaRPr lang="en-US"/>
           </a:p>
@@ -2075,7 +2075,7 @@
           <a:p>
             <a:fld id="{89D73432-4D6F-43DD-A87A-F506CD3B0C63}" type="datetimeFigureOut">
               <a:rPr lang="en-US" smtClean="0"/>
-              <a:t>1/20/2023</a:t>
+              <a:t>1/24/2023</a:t>
             </a:fld>
             <a:endParaRPr lang="en-US"/>
           </a:p>
@@ -2386,7 +2386,7 @@
           <a:p>
             <a:fld id="{89D73432-4D6F-43DD-A87A-F506CD3B0C63}" type="datetimeFigureOut">
               <a:rPr lang="en-US" smtClean="0"/>
-              <a:t>1/20/2023</a:t>
+              <a:t>1/24/2023</a:t>
             </a:fld>
             <a:endParaRPr lang="en-US"/>
           </a:p>
@@ -2674,7 +2674,7 @@
           <a:p>
             <a:fld id="{89D73432-4D6F-43DD-A87A-F506CD3B0C63}" type="datetimeFigureOut">
               <a:rPr lang="en-US" smtClean="0"/>
-              <a:t>1/20/2023</a:t>
+              <a:t>1/24/2023</a:t>
             </a:fld>
             <a:endParaRPr lang="en-US"/>
           </a:p>
@@ -2915,7 +2915,7 @@
           <a:p>
             <a:fld id="{89D73432-4D6F-43DD-A87A-F506CD3B0C63}" type="datetimeFigureOut">
               <a:rPr lang="en-US" smtClean="0"/>
-              <a:t>1/20/2023</a:t>
+              <a:t>1/24/2023</a:t>
             </a:fld>
             <a:endParaRPr lang="en-US"/>
           </a:p>
@@ -3388,6 +3388,14 @@
 <file path=ppt/slides/slide2.xml><?xml version="1.0" encoding="utf-8"?>
 <p:sld xmlns:a="http://schemas.openxmlformats.org/drawingml/2006/main" xmlns:r="http://schemas.openxmlformats.org/officeDocument/2006/relationships" xmlns:p="http://schemas.openxmlformats.org/presentationml/2006/main">
   <p:cSld>
+    <p:bg>
+      <p:bgPr>
+        <a:solidFill>
+          <a:schemeClr val="bg1"/>
+        </a:solidFill>
+        <a:effectLst/>
+      </p:bgPr>
+    </p:bg>
     <p:spTree>
       <p:nvGrpSpPr>
         <p:cNvPr id="1" name=""/>
@@ -3402,6 +3410,628 @@
           <a:chExt cx="0" cy="0"/>
         </a:xfrm>
       </p:grpSpPr>
+      <p:sp useBgFill="1">
+        <p:nvSpPr>
+          <p:cNvPr id="23" name="Rectangle 7">
+            <a:extLst>
+              <a:ext uri="{FF2B5EF4-FFF2-40B4-BE49-F238E27FC236}">
+                <a16:creationId xmlns:a16="http://schemas.microsoft.com/office/drawing/2014/main" id="{09588DA8-065E-4F6F-8EFD-43104AB2E0CF}"/>
+              </a:ext>
+              <a:ext uri="{C183D7F6-B498-43B3-948B-1728B52AA6E4}">
+                <adec:decorative xmlns:adec="http://schemas.microsoft.com/office/drawing/2017/decorative" val="1"/>
+              </a:ext>
+            </a:extLst>
+          </p:cNvPr>
+          <p:cNvSpPr>
+            <a:spLocks noGrp="1" noRot="1" noChangeAspect="1" noMove="1" noResize="1" noEditPoints="1" noAdjustHandles="1" noChangeArrowheads="1" noChangeShapeType="1" noTextEdit="1"/>
+          </p:cNvSpPr>
+          <p:nvPr>
+            <p:extLst>
+              <p:ext uri="{386F3935-93C4-4BCD-93E2-E3B085C9AB24}">
+                <p16:designElem xmlns:p16="http://schemas.microsoft.com/office/powerpoint/2015/main" val="1"/>
+              </p:ext>
+            </p:extLst>
+          </p:nvPr>
+        </p:nvSpPr>
+        <p:spPr>
+          <a:xfrm>
+            <a:off x="0" y="0"/>
+            <a:ext cx="12192000" cy="6858000"/>
+          </a:xfrm>
+          <a:prstGeom prst="rect">
+            <a:avLst/>
+          </a:prstGeom>
+          <a:ln w="12700" cap="flat" cmpd="sng" algn="ctr">
+            <a:noFill/>
+            <a:prstDash val="solid"/>
+            <a:miter lim="800000"/>
+          </a:ln>
+          <a:effectLst/>
+          <a:extLst>
+            <a:ext uri="{91240B29-F687-4F45-9708-019B960494DF}">
+              <a14:hiddenLine xmlns:a14="http://schemas.microsoft.com/office/drawing/2010/main" w="12700" cap="flat" cmpd="sng" algn="ctr">
+                <a:solidFill>
+                  <a:schemeClr val="accent1">
+                    <a:shade val="50000"/>
+                  </a:schemeClr>
+                </a:solidFill>
+                <a:prstDash val="solid"/>
+                <a:miter lim="800000"/>
+              </a14:hiddenLine>
+            </a:ext>
+          </a:extLst>
+        </p:spPr>
+        <p:style>
+          <a:lnRef idx="2">
+            <a:schemeClr val="accent1">
+              <a:shade val="50000"/>
+            </a:schemeClr>
+          </a:lnRef>
+          <a:fillRef idx="1">
+            <a:schemeClr val="accent1"/>
+          </a:fillRef>
+          <a:effectRef idx="0">
+            <a:schemeClr val="accent1"/>
+          </a:effectRef>
+          <a:fontRef idx="minor">
+            <a:schemeClr val="lt1"/>
+          </a:fontRef>
+        </p:style>
+        <p:txBody>
+          <a:bodyPr rtlCol="0" anchor="ctr"/>
+          <a:lstStyle/>
+          <a:p>
+            <a:pPr algn="ctr"/>
+            <a:endParaRPr lang="en-US"/>
+          </a:p>
+        </p:txBody>
+      </p:sp>
+      <p:sp useBgFill="1">
+        <p:nvSpPr>
+          <p:cNvPr id="24" name="Rectangle 9">
+            <a:extLst>
+              <a:ext uri="{FF2B5EF4-FFF2-40B4-BE49-F238E27FC236}">
+                <a16:creationId xmlns:a16="http://schemas.microsoft.com/office/drawing/2014/main" id="{C4285719-470E-454C-AF62-8323075F1F5B}"/>
+              </a:ext>
+              <a:ext uri="{C183D7F6-B498-43B3-948B-1728B52AA6E4}">
+                <adec:decorative xmlns:adec="http://schemas.microsoft.com/office/drawing/2017/decorative" val="1"/>
+              </a:ext>
+            </a:extLst>
+          </p:cNvPr>
+          <p:cNvSpPr>
+            <a:spLocks noGrp="1" noRot="1" noChangeAspect="1" noMove="1" noResize="1" noEditPoints="1" noAdjustHandles="1" noChangeArrowheads="1" noChangeShapeType="1" noTextEdit="1"/>
+          </p:cNvSpPr>
+          <p:nvPr>
+            <p:extLst>
+              <p:ext uri="{386F3935-93C4-4BCD-93E2-E3B085C9AB24}">
+                <p16:designElem xmlns:p16="http://schemas.microsoft.com/office/powerpoint/2015/main" val="1"/>
+              </p:ext>
+            </p:extLst>
+          </p:nvPr>
+        </p:nvSpPr>
+        <p:spPr>
+          <a:xfrm>
+            <a:off x="0" y="0"/>
+            <a:ext cx="12188952" cy="6858000"/>
+          </a:xfrm>
+          <a:prstGeom prst="rect">
+            <a:avLst/>
+          </a:prstGeom>
+          <a:ln w="12700" cap="flat" cmpd="sng" algn="ctr">
+            <a:noFill/>
+            <a:prstDash val="solid"/>
+            <a:miter lim="800000"/>
+          </a:ln>
+          <a:effectLst/>
+          <a:extLst>
+            <a:ext uri="{91240B29-F687-4F45-9708-019B960494DF}">
+              <a14:hiddenLine xmlns:a14="http://schemas.microsoft.com/office/drawing/2010/main" w="12700" cap="flat" cmpd="sng" algn="ctr">
+                <a:solidFill>
+                  <a:schemeClr val="accent1">
+                    <a:shade val="50000"/>
+                  </a:schemeClr>
+                </a:solidFill>
+                <a:prstDash val="solid"/>
+                <a:miter lim="800000"/>
+              </a14:hiddenLine>
+            </a:ext>
+          </a:extLst>
+        </p:spPr>
+        <p:style>
+          <a:lnRef idx="2">
+            <a:schemeClr val="accent1">
+              <a:shade val="50000"/>
+            </a:schemeClr>
+          </a:lnRef>
+          <a:fillRef idx="1">
+            <a:schemeClr val="accent1"/>
+          </a:fillRef>
+          <a:effectRef idx="0">
+            <a:schemeClr val="accent1"/>
+          </a:effectRef>
+          <a:fontRef idx="minor">
+            <a:schemeClr val="lt1"/>
+          </a:fontRef>
+        </p:style>
+        <p:txBody>
+          <a:bodyPr rtlCol="0" anchor="ctr"/>
+          <a:lstStyle/>
+          <a:p>
+            <a:pPr algn="ctr"/>
+            <a:endParaRPr lang="en-US"/>
+          </a:p>
+        </p:txBody>
+      </p:sp>
+      <p:sp>
+        <p:nvSpPr>
+          <p:cNvPr id="12" name="Rectangle 11">
+            <a:extLst>
+              <a:ext uri="{FF2B5EF4-FFF2-40B4-BE49-F238E27FC236}">
+                <a16:creationId xmlns:a16="http://schemas.microsoft.com/office/drawing/2014/main" id="{CD9FE4EF-C4D8-49A0-B2FF-81D8DB7D8A24}"/>
+              </a:ext>
+              <a:ext uri="{C183D7F6-B498-43B3-948B-1728B52AA6E4}">
+                <adec:decorative xmlns:adec="http://schemas.microsoft.com/office/drawing/2017/decorative" val="1"/>
+              </a:ext>
+            </a:extLst>
+          </p:cNvPr>
+          <p:cNvSpPr>
+            <a:spLocks noGrp="1" noRot="1" noChangeAspect="1" noMove="1" noResize="1" noEditPoints="1" noAdjustHandles="1" noChangeArrowheads="1" noChangeShapeType="1" noTextEdit="1"/>
+          </p:cNvSpPr>
+          <p:nvPr>
+            <p:extLst>
+              <p:ext uri="{386F3935-93C4-4BCD-93E2-E3B085C9AB24}">
+                <p16:designElem xmlns:p16="http://schemas.microsoft.com/office/powerpoint/2015/main" val="1"/>
+              </p:ext>
+            </p:extLst>
+          </p:nvPr>
+        </p:nvSpPr>
+        <p:spPr>
+          <a:xfrm rot="5400000" flipH="1">
+            <a:off x="-1410084" y="1410082"/>
+            <a:ext cx="6858000" cy="4037836"/>
+          </a:xfrm>
+          <a:prstGeom prst="rect">
+            <a:avLst/>
+          </a:prstGeom>
+          <a:gradFill>
+            <a:gsLst>
+              <a:gs pos="8000">
+                <a:srgbClr val="000000"/>
+              </a:gs>
+              <a:gs pos="100000">
+                <a:schemeClr val="accent1">
+                  <a:lumMod val="75000"/>
+                </a:schemeClr>
+              </a:gs>
+            </a:gsLst>
+            <a:lin ang="3000000" scaled="0"/>
+          </a:gradFill>
+          <a:ln>
+            <a:noFill/>
+          </a:ln>
+        </p:spPr>
+        <p:style>
+          <a:lnRef idx="2">
+            <a:schemeClr val="accent1">
+              <a:shade val="50000"/>
+            </a:schemeClr>
+          </a:lnRef>
+          <a:fillRef idx="1">
+            <a:schemeClr val="accent1"/>
+          </a:fillRef>
+          <a:effectRef idx="0">
+            <a:schemeClr val="accent1"/>
+          </a:effectRef>
+          <a:fontRef idx="minor">
+            <a:schemeClr val="lt1"/>
+          </a:fontRef>
+        </p:style>
+        <p:txBody>
+          <a:bodyPr rtlCol="0" anchor="ctr"/>
+          <a:lstStyle/>
+          <a:p>
+            <a:pPr algn="ctr"/>
+            <a:endParaRPr lang="en-US"/>
+          </a:p>
+        </p:txBody>
+      </p:sp>
+      <p:sp>
+        <p:nvSpPr>
+          <p:cNvPr id="14" name="Rectangle 13">
+            <a:extLst>
+              <a:ext uri="{FF2B5EF4-FFF2-40B4-BE49-F238E27FC236}">
+                <a16:creationId xmlns:a16="http://schemas.microsoft.com/office/drawing/2014/main" id="{4300840D-0A0B-4512-BACA-B439D5B9C57C}"/>
+              </a:ext>
+              <a:ext uri="{C183D7F6-B498-43B3-948B-1728B52AA6E4}">
+                <adec:decorative xmlns:adec="http://schemas.microsoft.com/office/drawing/2017/decorative" val="1"/>
+              </a:ext>
+            </a:extLst>
+          </p:cNvPr>
+          <p:cNvSpPr>
+            <a:spLocks noGrp="1" noRot="1" noChangeAspect="1" noMove="1" noResize="1" noEditPoints="1" noAdjustHandles="1" noChangeArrowheads="1" noChangeShapeType="1" noTextEdit="1"/>
+          </p:cNvSpPr>
+          <p:nvPr>
+            <p:extLst>
+              <p:ext uri="{386F3935-93C4-4BCD-93E2-E3B085C9AB24}">
+                <p16:designElem xmlns:p16="http://schemas.microsoft.com/office/powerpoint/2015/main" val="1"/>
+              </p:ext>
+            </p:extLst>
+          </p:nvPr>
+        </p:nvSpPr>
+        <p:spPr>
+          <a:xfrm rot="5400000" flipH="1">
+            <a:off x="-1410085" y="1420219"/>
+            <a:ext cx="6857999" cy="4037839"/>
+          </a:xfrm>
+          <a:prstGeom prst="rect">
+            <a:avLst/>
+          </a:prstGeom>
+          <a:gradFill>
+            <a:gsLst>
+              <a:gs pos="0">
+                <a:srgbClr val="000000">
+                  <a:alpha val="0"/>
+                </a:srgbClr>
+              </a:gs>
+              <a:gs pos="99000">
+                <a:schemeClr val="accent1">
+                  <a:alpha val="46000"/>
+                </a:schemeClr>
+              </a:gs>
+            </a:gsLst>
+            <a:lin ang="1800000" scaled="0"/>
+          </a:gradFill>
+          <a:ln>
+            <a:noFill/>
+          </a:ln>
+        </p:spPr>
+        <p:style>
+          <a:lnRef idx="2">
+            <a:schemeClr val="accent1">
+              <a:shade val="50000"/>
+            </a:schemeClr>
+          </a:lnRef>
+          <a:fillRef idx="1">
+            <a:schemeClr val="accent1"/>
+          </a:fillRef>
+          <a:effectRef idx="0">
+            <a:schemeClr val="accent1"/>
+          </a:effectRef>
+          <a:fontRef idx="minor">
+            <a:schemeClr val="lt1"/>
+          </a:fontRef>
+        </p:style>
+        <p:txBody>
+          <a:bodyPr rtlCol="0" anchor="ctr"/>
+          <a:lstStyle/>
+          <a:p>
+            <a:pPr algn="ctr"/>
+            <a:endParaRPr lang="en-US"/>
+          </a:p>
+        </p:txBody>
+      </p:sp>
+      <p:sp>
+        <p:nvSpPr>
+          <p:cNvPr id="16" name="Rectangle 15">
+            <a:extLst>
+              <a:ext uri="{FF2B5EF4-FFF2-40B4-BE49-F238E27FC236}">
+                <a16:creationId xmlns:a16="http://schemas.microsoft.com/office/drawing/2014/main" id="{D2B78728-A580-49A7-84F9-6EF6F583ADE0}"/>
+              </a:ext>
+              <a:ext uri="{C183D7F6-B498-43B3-948B-1728B52AA6E4}">
+                <adec:decorative xmlns:adec="http://schemas.microsoft.com/office/drawing/2017/decorative" val="1"/>
+              </a:ext>
+            </a:extLst>
+          </p:cNvPr>
+          <p:cNvSpPr>
+            <a:spLocks noGrp="1" noRot="1" noChangeAspect="1" noMove="1" noResize="1" noEditPoints="1" noAdjustHandles="1" noChangeArrowheads="1" noChangeShapeType="1" noTextEdit="1"/>
+          </p:cNvSpPr>
+          <p:nvPr>
+            <p:extLst>
+              <p:ext uri="{386F3935-93C4-4BCD-93E2-E3B085C9AB24}">
+                <p16:designElem xmlns:p16="http://schemas.microsoft.com/office/powerpoint/2015/main" val="1"/>
+              </p:ext>
+            </p:extLst>
+          </p:nvPr>
+        </p:nvSpPr>
+        <p:spPr>
+          <a:xfrm rot="5400000" flipH="1">
+            <a:off x="767923" y="3588085"/>
+            <a:ext cx="2501979" cy="4037841"/>
+          </a:xfrm>
+          <a:prstGeom prst="rect">
+            <a:avLst/>
+          </a:prstGeom>
+          <a:gradFill>
+            <a:gsLst>
+              <a:gs pos="2000">
+                <a:schemeClr val="accent1">
+                  <a:alpha val="29000"/>
+                </a:schemeClr>
+              </a:gs>
+              <a:gs pos="100000">
+                <a:srgbClr val="000000">
+                  <a:alpha val="30000"/>
+                </a:srgbClr>
+              </a:gs>
+            </a:gsLst>
+            <a:lin ang="7800000" scaled="0"/>
+          </a:gradFill>
+          <a:ln>
+            <a:noFill/>
+          </a:ln>
+        </p:spPr>
+        <p:style>
+          <a:lnRef idx="2">
+            <a:schemeClr val="accent1">
+              <a:shade val="50000"/>
+            </a:schemeClr>
+          </a:lnRef>
+          <a:fillRef idx="1">
+            <a:schemeClr val="accent1"/>
+          </a:fillRef>
+          <a:effectRef idx="0">
+            <a:schemeClr val="accent1"/>
+          </a:effectRef>
+          <a:fontRef idx="minor">
+            <a:schemeClr val="lt1"/>
+          </a:fontRef>
+        </p:style>
+        <p:txBody>
+          <a:bodyPr rtlCol="0" anchor="ctr"/>
+          <a:lstStyle/>
+          <a:p>
+            <a:pPr algn="ctr"/>
+            <a:endParaRPr lang="en-US" dirty="0"/>
+          </a:p>
+        </p:txBody>
+      </p:sp>
+      <p:sp>
+        <p:nvSpPr>
+          <p:cNvPr id="18" name="Freeform: Shape 17">
+            <a:extLst>
+              <a:ext uri="{FF2B5EF4-FFF2-40B4-BE49-F238E27FC236}">
+                <a16:creationId xmlns:a16="http://schemas.microsoft.com/office/drawing/2014/main" id="{38FAA1A1-D861-433F-88FA-1E9D6FD31D11}"/>
+              </a:ext>
+              <a:ext uri="{C183D7F6-B498-43B3-948B-1728B52AA6E4}">
+                <adec:decorative xmlns:adec="http://schemas.microsoft.com/office/drawing/2017/decorative" val="1"/>
+              </a:ext>
+            </a:extLst>
+          </p:cNvPr>
+          <p:cNvSpPr>
+            <a:spLocks noGrp="1" noRot="1" noChangeAspect="1" noMove="1" noResize="1" noEditPoints="1" noAdjustHandles="1" noChangeArrowheads="1" noChangeShapeType="1" noTextEdit="1"/>
+          </p:cNvSpPr>
+          <p:nvPr>
+            <p:extLst>
+              <p:ext uri="{386F3935-93C4-4BCD-93E2-E3B085C9AB24}">
+                <p16:designElem xmlns:p16="http://schemas.microsoft.com/office/powerpoint/2015/main" val="1"/>
+              </p:ext>
+            </p:extLst>
+          </p:nvPr>
+        </p:nvSpPr>
+        <p:spPr>
+          <a:xfrm rot="20635413">
+            <a:off x="-501737" y="969718"/>
+            <a:ext cx="3900357" cy="4178958"/>
+          </a:xfrm>
+          <a:custGeom>
+            <a:avLst/>
+            <a:gdLst>
+              <a:gd name="connsiteX0" fmla="*/ 2432225 w 3900357"/>
+              <a:gd name="connsiteY0" fmla="*/ 93939 h 4178958"/>
+              <a:gd name="connsiteX1" fmla="*/ 3900357 w 3900357"/>
+              <a:gd name="connsiteY1" fmla="*/ 2089479 h 4178958"/>
+              <a:gd name="connsiteX2" fmla="*/ 1810878 w 3900357"/>
+              <a:gd name="connsiteY2" fmla="*/ 4178958 h 4178958"/>
+              <a:gd name="connsiteX3" fmla="*/ 78249 w 3900357"/>
+              <a:gd name="connsiteY3" fmla="*/ 3257727 h 4178958"/>
+              <a:gd name="connsiteX4" fmla="*/ 0 w 3900357"/>
+              <a:gd name="connsiteY4" fmla="*/ 3128923 h 4178958"/>
+              <a:gd name="connsiteX5" fmla="*/ 831324 w 3900357"/>
+              <a:gd name="connsiteY5" fmla="*/ 244281 h 4178958"/>
+              <a:gd name="connsiteX6" fmla="*/ 997559 w 3900357"/>
+              <a:gd name="connsiteY6" fmla="*/ 164202 h 4178958"/>
+              <a:gd name="connsiteX7" fmla="*/ 1810878 w 3900357"/>
+              <a:gd name="connsiteY7" fmla="*/ 0 h 4178958"/>
+              <a:gd name="connsiteX8" fmla="*/ 2432225 w 3900357"/>
+              <a:gd name="connsiteY8" fmla="*/ 93939 h 4178958"/>
+            </a:gdLst>
+            <a:ahLst/>
+            <a:cxnLst>
+              <a:cxn ang="0">
+                <a:pos x="connsiteX0" y="connsiteY0"/>
+              </a:cxn>
+              <a:cxn ang="0">
+                <a:pos x="connsiteX1" y="connsiteY1"/>
+              </a:cxn>
+              <a:cxn ang="0">
+                <a:pos x="connsiteX2" y="connsiteY2"/>
+              </a:cxn>
+              <a:cxn ang="0">
+                <a:pos x="connsiteX3" y="connsiteY3"/>
+              </a:cxn>
+              <a:cxn ang="0">
+                <a:pos x="connsiteX4" y="connsiteY4"/>
+              </a:cxn>
+              <a:cxn ang="0">
+                <a:pos x="connsiteX5" y="connsiteY5"/>
+              </a:cxn>
+              <a:cxn ang="0">
+                <a:pos x="connsiteX6" y="connsiteY6"/>
+              </a:cxn>
+              <a:cxn ang="0">
+                <a:pos x="connsiteX7" y="connsiteY7"/>
+              </a:cxn>
+              <a:cxn ang="0">
+                <a:pos x="connsiteX8" y="connsiteY8"/>
+              </a:cxn>
+            </a:cxnLst>
+            <a:rect l="l" t="t" r="r" b="b"/>
+            <a:pathLst>
+              <a:path w="3900357" h="4178958">
+                <a:moveTo>
+                  <a:pt x="2432225" y="93939"/>
+                </a:moveTo>
+                <a:cubicBezTo>
+                  <a:pt x="3282786" y="358491"/>
+                  <a:pt x="3900357" y="1151865"/>
+                  <a:pt x="3900357" y="2089479"/>
+                </a:cubicBezTo>
+                <a:cubicBezTo>
+                  <a:pt x="3900357" y="3243466"/>
+                  <a:pt x="2964865" y="4178958"/>
+                  <a:pt x="1810878" y="4178958"/>
+                </a:cubicBezTo>
+                <a:cubicBezTo>
+                  <a:pt x="1089636" y="4178958"/>
+                  <a:pt x="453744" y="3813531"/>
+                  <a:pt x="78249" y="3257727"/>
+                </a:cubicBezTo>
+                <a:lnTo>
+                  <a:pt x="0" y="3128923"/>
+                </a:lnTo>
+                <a:lnTo>
+                  <a:pt x="831324" y="244281"/>
+                </a:lnTo>
+                <a:lnTo>
+                  <a:pt x="997559" y="164202"/>
+                </a:lnTo>
+                <a:cubicBezTo>
+                  <a:pt x="1247540" y="58468"/>
+                  <a:pt x="1522381" y="0"/>
+                  <a:pt x="1810878" y="0"/>
+                </a:cubicBezTo>
+                <a:cubicBezTo>
+                  <a:pt x="2027251" y="0"/>
+                  <a:pt x="2235942" y="32888"/>
+                  <a:pt x="2432225" y="93939"/>
+                </a:cubicBezTo>
+                <a:close/>
+              </a:path>
+            </a:pathLst>
+          </a:custGeom>
+          <a:gradFill>
+            <a:gsLst>
+              <a:gs pos="29000">
+                <a:srgbClr val="000000">
+                  <a:alpha val="0"/>
+                </a:srgbClr>
+              </a:gs>
+              <a:gs pos="100000">
+                <a:schemeClr val="accent1">
+                  <a:alpha val="43000"/>
+                </a:schemeClr>
+              </a:gs>
+            </a:gsLst>
+            <a:lin ang="1800000" scaled="0"/>
+          </a:gradFill>
+          <a:ln>
+            <a:noFill/>
+          </a:ln>
+        </p:spPr>
+        <p:style>
+          <a:lnRef idx="2">
+            <a:schemeClr val="accent1">
+              <a:shade val="50000"/>
+            </a:schemeClr>
+          </a:lnRef>
+          <a:fillRef idx="1">
+            <a:schemeClr val="accent1"/>
+          </a:fillRef>
+          <a:effectRef idx="0">
+            <a:schemeClr val="accent1"/>
+          </a:effectRef>
+          <a:fontRef idx="minor">
+            <a:schemeClr val="lt1"/>
+          </a:fontRef>
+        </p:style>
+        <p:txBody>
+          <a:bodyPr wrap="square" rtlCol="0" anchor="ctr">
+            <a:noAutofit/>
+          </a:bodyPr>
+          <a:lstStyle/>
+          <a:p>
+            <a:pPr algn="ctr"/>
+            <a:endParaRPr lang="en-US" dirty="0"/>
+          </a:p>
+        </p:txBody>
+      </p:sp>
+      <p:sp>
+        <p:nvSpPr>
+          <p:cNvPr id="25" name="Rectangle 19">
+            <a:extLst>
+              <a:ext uri="{FF2B5EF4-FFF2-40B4-BE49-F238E27FC236}">
+                <a16:creationId xmlns:a16="http://schemas.microsoft.com/office/drawing/2014/main" id="{8D71EDA1-87BF-4D5D-AB79-F346FD19278A}"/>
+              </a:ext>
+              <a:ext uri="{C183D7F6-B498-43B3-948B-1728B52AA6E4}">
+                <adec:decorative xmlns:adec="http://schemas.microsoft.com/office/drawing/2017/decorative" val="1"/>
+              </a:ext>
+            </a:extLst>
+          </p:cNvPr>
+          <p:cNvSpPr>
+            <a:spLocks noGrp="1" noRot="1" noChangeAspect="1" noMove="1" noResize="1" noEditPoints="1" noAdjustHandles="1" noChangeArrowheads="1" noChangeShapeType="1" noTextEdit="1"/>
+          </p:cNvSpPr>
+          <p:nvPr>
+            <p:extLst>
+              <p:ext uri="{386F3935-93C4-4BCD-93E2-E3B085C9AB24}">
+                <p16:designElem xmlns:p16="http://schemas.microsoft.com/office/powerpoint/2015/main" val="1"/>
+              </p:ext>
+            </p:extLst>
+          </p:nvPr>
+        </p:nvSpPr>
+        <p:spPr>
+          <a:xfrm rot="5400000" flipH="1">
+            <a:off x="-1410093" y="1399943"/>
+            <a:ext cx="6858003" cy="4037835"/>
+          </a:xfrm>
+          <a:prstGeom prst="rect">
+            <a:avLst/>
+          </a:prstGeom>
+          <a:gradFill>
+            <a:gsLst>
+              <a:gs pos="0">
+                <a:srgbClr val="000000">
+                  <a:alpha val="0"/>
+                </a:srgbClr>
+              </a:gs>
+              <a:gs pos="99000">
+                <a:schemeClr val="accent1">
+                  <a:lumMod val="60000"/>
+                  <a:lumOff val="40000"/>
+                  <a:alpha val="11000"/>
+                </a:schemeClr>
+              </a:gs>
+            </a:gsLst>
+            <a:lin ang="7200000" scaled="0"/>
+          </a:gradFill>
+          <a:ln>
+            <a:noFill/>
+          </a:ln>
+        </p:spPr>
+        <p:style>
+          <a:lnRef idx="2">
+            <a:schemeClr val="accent1">
+              <a:shade val="50000"/>
+            </a:schemeClr>
+          </a:lnRef>
+          <a:fillRef idx="1">
+            <a:schemeClr val="accent1"/>
+          </a:fillRef>
+          <a:effectRef idx="0">
+            <a:schemeClr val="accent1"/>
+          </a:effectRef>
+          <a:fontRef idx="minor">
+            <a:schemeClr val="lt1"/>
+          </a:fontRef>
+        </p:style>
+        <p:txBody>
+          <a:bodyPr rtlCol="0" anchor="ctr"/>
+          <a:lstStyle/>
+          <a:p>
+            <a:pPr algn="ctr"/>
+            <a:endParaRPr lang="en-US"/>
+          </a:p>
+        </p:txBody>
+      </p:sp>
       <p:sp>
         <p:nvSpPr>
           <p:cNvPr id="2" name="Title 1">
@@ -3418,22 +4048,29 @@
             <p:ph type="title"/>
           </p:nvPr>
         </p:nvSpPr>
-        <p:spPr/>
-        <p:txBody>
-          <a:bodyPr/>
+        <p:spPr>
+          <a:xfrm>
+            <a:off x="466722" y="586855"/>
+            <a:ext cx="3324442" cy="3387497"/>
+          </a:xfrm>
+        </p:spPr>
+        <p:txBody>
+          <a:bodyPr anchor="b">
+            <a:normAutofit/>
+          </a:bodyPr>
           <a:lstStyle/>
           <a:p>
-            <a:pPr algn="l" fontAlgn="base"/>
-            <a:r>
-              <a:rPr lang="en-US" i="0" dirty="0">
+            <a:pPr fontAlgn="base"/>
+            <a:r>
+              <a:rPr lang="en-US" sz="4000" i="0" dirty="0">
                 <a:solidFill>
-                  <a:srgbClr val="273239"/>
+                  <a:srgbClr val="FFFFFF"/>
                 </a:solidFill>
                 <a:effectLst/>
                 <a:latin typeface="Arial" panose="020B0604020202020204" pitchFamily="34" charset="0"/>
                 <a:cs typeface="Arial" panose="020B0604020202020204" pitchFamily="34" charset="0"/>
               </a:rPr>
-              <a:t>High Level and Low level language</a:t>
+              <a:t>High Level and Low-level language</a:t>
             </a:r>
           </a:p>
         </p:txBody>
@@ -3454,16 +4091,23 @@
             <p:ph idx="1"/>
           </p:nvPr>
         </p:nvSpPr>
-        <p:spPr/>
-        <p:txBody>
-          <a:bodyPr/>
+        <p:spPr>
+          <a:xfrm>
+            <a:off x="4810259" y="649480"/>
+            <a:ext cx="6555347" cy="5546047"/>
+          </a:xfrm>
+        </p:spPr>
+        <p:txBody>
+          <a:bodyPr anchor="ctr">
+            <a:normAutofit/>
+          </a:bodyPr>
           <a:lstStyle/>
           <a:p>
             <a:pPr marL="0" indent="0">
               <a:buNone/>
             </a:pPr>
             <a:r>
-              <a:rPr lang="en-US" dirty="0">
+              <a:rPr lang="en-US" sz="2000" dirty="0">
                 <a:latin typeface="Arial" panose="020B0604020202020204" pitchFamily="34" charset="0"/>
                 <a:cs typeface="Arial" panose="020B0604020202020204" pitchFamily="34" charset="0"/>
               </a:rPr>
@@ -3475,27 +4119,14 @@
               <a:buNone/>
             </a:pPr>
             <a:r>
-              <a:rPr lang="en-US" dirty="0">
+              <a:rPr lang="en-US" sz="2000" dirty="0">
                 <a:latin typeface="Arial" panose="020B0604020202020204" pitchFamily="34" charset="0"/>
                 <a:cs typeface="Arial" panose="020B0604020202020204" pitchFamily="34" charset="0"/>
               </a:rPr>
-              <a:t>	</a:t>
-            </a:r>
-            <a:r>
-              <a:rPr lang="en-US" dirty="0">
-                <a:solidFill>
-                  <a:srgbClr val="273239"/>
-                </a:solidFill>
-                <a:latin typeface="Arial" panose="020B0604020202020204" pitchFamily="34" charset="0"/>
-                <a:cs typeface="Arial" panose="020B0604020202020204" pitchFamily="34" charset="0"/>
-              </a:rPr>
-              <a:t>P</a:t>
-            </a:r>
-            <a:r>
-              <a:rPr lang="en-US" b="0" i="0" dirty="0">
-                <a:solidFill>
-                  <a:srgbClr val="273239"/>
-                </a:solidFill>
+              <a:t>	P</a:t>
+            </a:r>
+            <a:r>
+              <a:rPr lang="en-US" sz="2000" b="0" i="0" dirty="0">
                 <a:effectLst/>
                 <a:latin typeface="Arial" panose="020B0604020202020204" pitchFamily="34" charset="0"/>
                 <a:cs typeface="Arial" panose="020B0604020202020204" pitchFamily="34" charset="0"/>
@@ -3508,10 +4139,7 @@
               <a:buNone/>
             </a:pPr>
             <a:r>
-              <a:rPr lang="en-US" b="0" i="0" dirty="0">
-                <a:solidFill>
-                  <a:srgbClr val="273239"/>
-                </a:solidFill>
+              <a:rPr lang="en-US" sz="2000" b="0" i="0" dirty="0">
                 <a:effectLst/>
                 <a:latin typeface="Arial" panose="020B0604020202020204" pitchFamily="34" charset="0"/>
                 <a:cs typeface="Arial" panose="020B0604020202020204" pitchFamily="34" charset="0"/>
@@ -3523,10 +4151,7 @@
             <a:pPr marL="0" indent="0">
               <a:buNone/>
             </a:pPr>
-            <a:endParaRPr lang="en-US" dirty="0">
-              <a:solidFill>
-                <a:srgbClr val="273239"/>
-              </a:solidFill>
+            <a:endParaRPr lang="en-US" sz="2000" dirty="0">
               <a:latin typeface="Arial" panose="020B0604020202020204" pitchFamily="34" charset="0"/>
               <a:cs typeface="Arial" panose="020B0604020202020204" pitchFamily="34" charset="0"/>
             </a:endParaRPr>
@@ -3536,10 +4161,7 @@
               <a:buNone/>
             </a:pPr>
             <a:r>
-              <a:rPr lang="en-US" dirty="0">
-                <a:solidFill>
-                  <a:srgbClr val="273239"/>
-                </a:solidFill>
+              <a:rPr lang="en-US" sz="2000" dirty="0">
                 <a:latin typeface="Arial" panose="020B0604020202020204" pitchFamily="34" charset="0"/>
                 <a:cs typeface="Arial" panose="020B0604020202020204" pitchFamily="34" charset="0"/>
               </a:rPr>
@@ -3551,20 +4173,14 @@
               <a:buNone/>
             </a:pPr>
             <a:r>
-              <a:rPr lang="en-US" dirty="0">
-                <a:solidFill>
-                  <a:srgbClr val="273239"/>
-                </a:solidFill>
+              <a:rPr lang="en-US" sz="2000" dirty="0">
                 <a:latin typeface="Arial" panose="020B0604020202020204" pitchFamily="34" charset="0"/>
                 <a:cs typeface="Arial" panose="020B0604020202020204" pitchFamily="34" charset="0"/>
               </a:rPr>
               <a:t>	M</a:t>
             </a:r>
             <a:r>
-              <a:rPr lang="en-US" b="0" i="0" dirty="0">
-                <a:solidFill>
-                  <a:srgbClr val="273239"/>
-                </a:solidFill>
+              <a:rPr lang="en-US" sz="2000" b="0" i="0" dirty="0">
                 <a:effectLst/>
                 <a:latin typeface="Arial" panose="020B0604020202020204" pitchFamily="34" charset="0"/>
                 <a:cs typeface="Arial" panose="020B0604020202020204" pitchFamily="34" charset="0"/>
@@ -3577,20 +4193,14 @@
               <a:buNone/>
             </a:pPr>
             <a:r>
-              <a:rPr lang="en-US" dirty="0">
-                <a:solidFill>
-                  <a:srgbClr val="273239"/>
-                </a:solidFill>
+              <a:rPr lang="en-US" sz="2000" dirty="0">
                 <a:latin typeface="Arial" panose="020B0604020202020204" pitchFamily="34" charset="0"/>
                 <a:cs typeface="Arial" panose="020B0604020202020204" pitchFamily="34" charset="0"/>
               </a:rPr>
               <a:t>	T</a:t>
             </a:r>
             <a:r>
-              <a:rPr lang="en-US" b="0" i="0" dirty="0">
-                <a:solidFill>
-                  <a:srgbClr val="273239"/>
-                </a:solidFill>
+              <a:rPr lang="en-US" sz="2000" b="0" i="0" dirty="0">
                 <a:effectLst/>
                 <a:latin typeface="Arial" panose="020B0604020202020204" pitchFamily="34" charset="0"/>
                 <a:cs typeface="Arial" panose="020B0604020202020204" pitchFamily="34" charset="0"/>
@@ -3598,19 +4208,12 @@
               <a:t>ough to understand</a:t>
             </a:r>
             <a:r>
-              <a:rPr lang="en-US" dirty="0">
-                <a:solidFill>
-                  <a:srgbClr val="273239"/>
-                </a:solidFill>
+              <a:rPr lang="en-US" sz="2000" dirty="0">
                 <a:latin typeface="Arial" panose="020B0604020202020204" pitchFamily="34" charset="0"/>
                 <a:cs typeface="Arial" panose="020B0604020202020204" pitchFamily="34" charset="0"/>
               </a:rPr>
               <a:t>.</a:t>
             </a:r>
-            <a:endParaRPr lang="en-US" dirty="0">
-              <a:latin typeface="Arial" panose="020B0604020202020204" pitchFamily="34" charset="0"/>
-              <a:cs typeface="Arial" panose="020B0604020202020204" pitchFamily="34" charset="0"/>
-            </a:endParaRPr>
           </a:p>
         </p:txBody>
       </p:sp>
@@ -3976,7 +4579,7 @@
               <a:buNone/>
             </a:pPr>
             <a:r>
-              <a:rPr lang="en-US" sz="3200" dirty="0">
+              <a:rPr lang="en-US" sz="3200">
                 <a:solidFill>
                   <a:srgbClr val="333333"/>
                 </a:solidFill>
@@ -3989,7 +4592,7 @@
             </a:r>
           </a:p>
           <a:p>
-            <a:endParaRPr lang="en-US" sz="3200" dirty="0">
+            <a:endParaRPr lang="en-US" sz="3200">
               <a:latin typeface="Arial" panose="020B0604020202020204" pitchFamily="34" charset="0"/>
               <a:cs typeface="Arial" panose="020B0604020202020204" pitchFamily="34" charset="0"/>
             </a:endParaRPr>
@@ -3999,7 +4602,7 @@
               <a:buNone/>
             </a:pPr>
             <a:r>
-              <a:rPr lang="en-US" sz="3200" dirty="0">
+              <a:rPr lang="en-US" sz="3200">
                 <a:latin typeface="Arial" panose="020B0604020202020204" pitchFamily="34" charset="0"/>
                 <a:cs typeface="Arial" panose="020B0604020202020204" pitchFamily="34" charset="0"/>
               </a:rPr>
@@ -4011,7 +4614,7 @@
               <a:buNone/>
             </a:pPr>
             <a:r>
-              <a:rPr lang="en-US" sz="2400" dirty="0">
+              <a:rPr lang="en-US" sz="2400">
                 <a:solidFill>
                   <a:srgbClr val="333333"/>
                 </a:solidFill>
@@ -4023,7 +4626,7 @@
               <a:t>A compiler </a:t>
             </a:r>
             <a:r>
-              <a:rPr lang="en-US" sz="2400" dirty="0">
+              <a:rPr lang="en-US" sz="2400">
                 <a:effectLst/>
                 <a:latin typeface="Arial" panose="020B0604020202020204" pitchFamily="34" charset="0"/>
                 <a:ea typeface="Calibri" panose="020F0502020204030204" pitchFamily="34" charset="0"/>
@@ -4036,7 +4639,7 @@
             <a:pPr marL="0" indent="0">
               <a:buNone/>
             </a:pPr>
-            <a:endParaRPr lang="en-US" sz="1800" dirty="0">
+            <a:endParaRPr lang="en-US" sz="1800">
               <a:latin typeface="Calibri" panose="020F0502020204030204" pitchFamily="34" charset="0"/>
               <a:ea typeface="Calibri" panose="020F0502020204030204" pitchFamily="34" charset="0"/>
               <a:cs typeface="Times New Roman" panose="02020603050405020304" pitchFamily="18" charset="0"/>
@@ -4046,7 +4649,7 @@
             <a:pPr marL="0" indent="0">
               <a:buNone/>
             </a:pPr>
-            <a:endParaRPr lang="en-US" sz="1800" dirty="0">
+            <a:endParaRPr lang="en-US" sz="1800">
               <a:latin typeface="Calibri" panose="020F0502020204030204" pitchFamily="34" charset="0"/>
               <a:ea typeface="Calibri" panose="020F0502020204030204" pitchFamily="34" charset="0"/>
               <a:cs typeface="Times New Roman" panose="02020603050405020304" pitchFamily="18" charset="0"/>
@@ -4057,7 +4660,7 @@
               <a:buNone/>
             </a:pPr>
             <a:r>
-              <a:rPr lang="en-US" sz="3200" dirty="0">
+              <a:rPr lang="en-US" sz="3200">
                 <a:latin typeface="Arial" panose="020B0604020202020204" pitchFamily="34" charset="0"/>
                 <a:cs typeface="Arial" panose="020B0604020202020204" pitchFamily="34" charset="0"/>
               </a:rPr>
@@ -4069,7 +4672,7 @@
               <a:buNone/>
             </a:pPr>
             <a:r>
-              <a:rPr lang="en-US" sz="2400" dirty="0">
+              <a:rPr lang="en-US" sz="2400">
                 <a:solidFill>
                   <a:srgbClr val="333333"/>
                 </a:solidFill>
@@ -4342,6 +4945,14 @@
 <file path=ppt/slides/slide4.xml><?xml version="1.0" encoding="utf-8"?>
 <p:sld xmlns:a="http://schemas.openxmlformats.org/drawingml/2006/main" xmlns:r="http://schemas.openxmlformats.org/officeDocument/2006/relationships" xmlns:p="http://schemas.openxmlformats.org/presentationml/2006/main">
   <p:cSld>
+    <p:bg>
+      <p:bgPr>
+        <a:solidFill>
+          <a:schemeClr val="bg1"/>
+        </a:solidFill>
+        <a:effectLst/>
+      </p:bgPr>
+    </p:bg>
     <p:spTree>
       <p:nvGrpSpPr>
         <p:cNvPr id="1" name=""/>
@@ -4356,6 +4967,628 @@
           <a:chExt cx="0" cy="0"/>
         </a:xfrm>
       </p:grpSpPr>
+      <p:sp useBgFill="1">
+        <p:nvSpPr>
+          <p:cNvPr id="23" name="Rectangle 22">
+            <a:extLst>
+              <a:ext uri="{FF2B5EF4-FFF2-40B4-BE49-F238E27FC236}">
+                <a16:creationId xmlns:a16="http://schemas.microsoft.com/office/drawing/2014/main" id="{09588DA8-065E-4F6F-8EFD-43104AB2E0CF}"/>
+              </a:ext>
+              <a:ext uri="{C183D7F6-B498-43B3-948B-1728B52AA6E4}">
+                <adec:decorative xmlns:adec="http://schemas.microsoft.com/office/drawing/2017/decorative" val="1"/>
+              </a:ext>
+            </a:extLst>
+          </p:cNvPr>
+          <p:cNvSpPr>
+            <a:spLocks noGrp="1" noRot="1" noChangeAspect="1" noMove="1" noResize="1" noEditPoints="1" noAdjustHandles="1" noChangeArrowheads="1" noChangeShapeType="1" noTextEdit="1"/>
+          </p:cNvSpPr>
+          <p:nvPr>
+            <p:extLst>
+              <p:ext uri="{386F3935-93C4-4BCD-93E2-E3B085C9AB24}">
+                <p16:designElem xmlns:p16="http://schemas.microsoft.com/office/powerpoint/2015/main" val="1"/>
+              </p:ext>
+            </p:extLst>
+          </p:nvPr>
+        </p:nvSpPr>
+        <p:spPr>
+          <a:xfrm>
+            <a:off x="0" y="0"/>
+            <a:ext cx="12192000" cy="6858000"/>
+          </a:xfrm>
+          <a:prstGeom prst="rect">
+            <a:avLst/>
+          </a:prstGeom>
+          <a:ln w="12700" cap="flat" cmpd="sng" algn="ctr">
+            <a:noFill/>
+            <a:prstDash val="solid"/>
+            <a:miter lim="800000"/>
+          </a:ln>
+          <a:effectLst/>
+          <a:extLst>
+            <a:ext uri="{91240B29-F687-4F45-9708-019B960494DF}">
+              <a14:hiddenLine xmlns:a14="http://schemas.microsoft.com/office/drawing/2010/main" w="12700" cap="flat" cmpd="sng" algn="ctr">
+                <a:solidFill>
+                  <a:schemeClr val="accent1">
+                    <a:shade val="50000"/>
+                  </a:schemeClr>
+                </a:solidFill>
+                <a:prstDash val="solid"/>
+                <a:miter lim="800000"/>
+              </a14:hiddenLine>
+            </a:ext>
+          </a:extLst>
+        </p:spPr>
+        <p:style>
+          <a:lnRef idx="2">
+            <a:schemeClr val="accent1">
+              <a:shade val="50000"/>
+            </a:schemeClr>
+          </a:lnRef>
+          <a:fillRef idx="1">
+            <a:schemeClr val="accent1"/>
+          </a:fillRef>
+          <a:effectRef idx="0">
+            <a:schemeClr val="accent1"/>
+          </a:effectRef>
+          <a:fontRef idx="minor">
+            <a:schemeClr val="lt1"/>
+          </a:fontRef>
+        </p:style>
+        <p:txBody>
+          <a:bodyPr rtlCol="0" anchor="ctr"/>
+          <a:lstStyle/>
+          <a:p>
+            <a:pPr algn="ctr"/>
+            <a:endParaRPr lang="en-US"/>
+          </a:p>
+        </p:txBody>
+      </p:sp>
+      <p:sp useBgFill="1">
+        <p:nvSpPr>
+          <p:cNvPr id="25" name="Rectangle 24">
+            <a:extLst>
+              <a:ext uri="{FF2B5EF4-FFF2-40B4-BE49-F238E27FC236}">
+                <a16:creationId xmlns:a16="http://schemas.microsoft.com/office/drawing/2014/main" id="{C4285719-470E-454C-AF62-8323075F1F5B}"/>
+              </a:ext>
+              <a:ext uri="{C183D7F6-B498-43B3-948B-1728B52AA6E4}">
+                <adec:decorative xmlns:adec="http://schemas.microsoft.com/office/drawing/2017/decorative" val="1"/>
+              </a:ext>
+            </a:extLst>
+          </p:cNvPr>
+          <p:cNvSpPr>
+            <a:spLocks noGrp="1" noRot="1" noChangeAspect="1" noMove="1" noResize="1" noEditPoints="1" noAdjustHandles="1" noChangeArrowheads="1" noChangeShapeType="1" noTextEdit="1"/>
+          </p:cNvSpPr>
+          <p:nvPr>
+            <p:extLst>
+              <p:ext uri="{386F3935-93C4-4BCD-93E2-E3B085C9AB24}">
+                <p16:designElem xmlns:p16="http://schemas.microsoft.com/office/powerpoint/2015/main" val="1"/>
+              </p:ext>
+            </p:extLst>
+          </p:nvPr>
+        </p:nvSpPr>
+        <p:spPr>
+          <a:xfrm>
+            <a:off x="0" y="0"/>
+            <a:ext cx="12188952" cy="6858000"/>
+          </a:xfrm>
+          <a:prstGeom prst="rect">
+            <a:avLst/>
+          </a:prstGeom>
+          <a:ln w="12700" cap="flat" cmpd="sng" algn="ctr">
+            <a:noFill/>
+            <a:prstDash val="solid"/>
+            <a:miter lim="800000"/>
+          </a:ln>
+          <a:effectLst/>
+          <a:extLst>
+            <a:ext uri="{91240B29-F687-4F45-9708-019B960494DF}">
+              <a14:hiddenLine xmlns:a14="http://schemas.microsoft.com/office/drawing/2010/main" w="12700" cap="flat" cmpd="sng" algn="ctr">
+                <a:solidFill>
+                  <a:schemeClr val="accent1">
+                    <a:shade val="50000"/>
+                  </a:schemeClr>
+                </a:solidFill>
+                <a:prstDash val="solid"/>
+                <a:miter lim="800000"/>
+              </a14:hiddenLine>
+            </a:ext>
+          </a:extLst>
+        </p:spPr>
+        <p:style>
+          <a:lnRef idx="2">
+            <a:schemeClr val="accent1">
+              <a:shade val="50000"/>
+            </a:schemeClr>
+          </a:lnRef>
+          <a:fillRef idx="1">
+            <a:schemeClr val="accent1"/>
+          </a:fillRef>
+          <a:effectRef idx="0">
+            <a:schemeClr val="accent1"/>
+          </a:effectRef>
+          <a:fontRef idx="minor">
+            <a:schemeClr val="lt1"/>
+          </a:fontRef>
+        </p:style>
+        <p:txBody>
+          <a:bodyPr rtlCol="0" anchor="ctr"/>
+          <a:lstStyle/>
+          <a:p>
+            <a:pPr algn="ctr"/>
+            <a:endParaRPr lang="en-US"/>
+          </a:p>
+        </p:txBody>
+      </p:sp>
+      <p:sp>
+        <p:nvSpPr>
+          <p:cNvPr id="27" name="Rectangle 26">
+            <a:extLst>
+              <a:ext uri="{FF2B5EF4-FFF2-40B4-BE49-F238E27FC236}">
+                <a16:creationId xmlns:a16="http://schemas.microsoft.com/office/drawing/2014/main" id="{CD9FE4EF-C4D8-49A0-B2FF-81D8DB7D8A24}"/>
+              </a:ext>
+              <a:ext uri="{C183D7F6-B498-43B3-948B-1728B52AA6E4}">
+                <adec:decorative xmlns:adec="http://schemas.microsoft.com/office/drawing/2017/decorative" val="1"/>
+              </a:ext>
+            </a:extLst>
+          </p:cNvPr>
+          <p:cNvSpPr>
+            <a:spLocks noGrp="1" noRot="1" noChangeAspect="1" noMove="1" noResize="1" noEditPoints="1" noAdjustHandles="1" noChangeArrowheads="1" noChangeShapeType="1" noTextEdit="1"/>
+          </p:cNvSpPr>
+          <p:nvPr>
+            <p:extLst>
+              <p:ext uri="{386F3935-93C4-4BCD-93E2-E3B085C9AB24}">
+                <p16:designElem xmlns:p16="http://schemas.microsoft.com/office/powerpoint/2015/main" val="1"/>
+              </p:ext>
+            </p:extLst>
+          </p:nvPr>
+        </p:nvSpPr>
+        <p:spPr>
+          <a:xfrm rot="5400000" flipH="1">
+            <a:off x="-1410084" y="1410082"/>
+            <a:ext cx="6858000" cy="4037836"/>
+          </a:xfrm>
+          <a:prstGeom prst="rect">
+            <a:avLst/>
+          </a:prstGeom>
+          <a:gradFill>
+            <a:gsLst>
+              <a:gs pos="8000">
+                <a:srgbClr val="000000"/>
+              </a:gs>
+              <a:gs pos="100000">
+                <a:schemeClr val="accent1">
+                  <a:lumMod val="75000"/>
+                </a:schemeClr>
+              </a:gs>
+            </a:gsLst>
+            <a:lin ang="3000000" scaled="0"/>
+          </a:gradFill>
+          <a:ln>
+            <a:noFill/>
+          </a:ln>
+        </p:spPr>
+        <p:style>
+          <a:lnRef idx="2">
+            <a:schemeClr val="accent1">
+              <a:shade val="50000"/>
+            </a:schemeClr>
+          </a:lnRef>
+          <a:fillRef idx="1">
+            <a:schemeClr val="accent1"/>
+          </a:fillRef>
+          <a:effectRef idx="0">
+            <a:schemeClr val="accent1"/>
+          </a:effectRef>
+          <a:fontRef idx="minor">
+            <a:schemeClr val="lt1"/>
+          </a:fontRef>
+        </p:style>
+        <p:txBody>
+          <a:bodyPr rtlCol="0" anchor="ctr"/>
+          <a:lstStyle/>
+          <a:p>
+            <a:pPr algn="ctr"/>
+            <a:endParaRPr lang="en-US"/>
+          </a:p>
+        </p:txBody>
+      </p:sp>
+      <p:sp>
+        <p:nvSpPr>
+          <p:cNvPr id="29" name="Rectangle 28">
+            <a:extLst>
+              <a:ext uri="{FF2B5EF4-FFF2-40B4-BE49-F238E27FC236}">
+                <a16:creationId xmlns:a16="http://schemas.microsoft.com/office/drawing/2014/main" id="{4300840D-0A0B-4512-BACA-B439D5B9C57C}"/>
+              </a:ext>
+              <a:ext uri="{C183D7F6-B498-43B3-948B-1728B52AA6E4}">
+                <adec:decorative xmlns:adec="http://schemas.microsoft.com/office/drawing/2017/decorative" val="1"/>
+              </a:ext>
+            </a:extLst>
+          </p:cNvPr>
+          <p:cNvSpPr>
+            <a:spLocks noGrp="1" noRot="1" noChangeAspect="1" noMove="1" noResize="1" noEditPoints="1" noAdjustHandles="1" noChangeArrowheads="1" noChangeShapeType="1" noTextEdit="1"/>
+          </p:cNvSpPr>
+          <p:nvPr>
+            <p:extLst>
+              <p:ext uri="{386F3935-93C4-4BCD-93E2-E3B085C9AB24}">
+                <p16:designElem xmlns:p16="http://schemas.microsoft.com/office/powerpoint/2015/main" val="1"/>
+              </p:ext>
+            </p:extLst>
+          </p:nvPr>
+        </p:nvSpPr>
+        <p:spPr>
+          <a:xfrm rot="5400000" flipH="1">
+            <a:off x="-1410085" y="1420219"/>
+            <a:ext cx="6857999" cy="4037839"/>
+          </a:xfrm>
+          <a:prstGeom prst="rect">
+            <a:avLst/>
+          </a:prstGeom>
+          <a:gradFill>
+            <a:gsLst>
+              <a:gs pos="0">
+                <a:srgbClr val="000000">
+                  <a:alpha val="0"/>
+                </a:srgbClr>
+              </a:gs>
+              <a:gs pos="99000">
+                <a:schemeClr val="accent1">
+                  <a:alpha val="46000"/>
+                </a:schemeClr>
+              </a:gs>
+            </a:gsLst>
+            <a:lin ang="1800000" scaled="0"/>
+          </a:gradFill>
+          <a:ln>
+            <a:noFill/>
+          </a:ln>
+        </p:spPr>
+        <p:style>
+          <a:lnRef idx="2">
+            <a:schemeClr val="accent1">
+              <a:shade val="50000"/>
+            </a:schemeClr>
+          </a:lnRef>
+          <a:fillRef idx="1">
+            <a:schemeClr val="accent1"/>
+          </a:fillRef>
+          <a:effectRef idx="0">
+            <a:schemeClr val="accent1"/>
+          </a:effectRef>
+          <a:fontRef idx="minor">
+            <a:schemeClr val="lt1"/>
+          </a:fontRef>
+        </p:style>
+        <p:txBody>
+          <a:bodyPr rtlCol="0" anchor="ctr"/>
+          <a:lstStyle/>
+          <a:p>
+            <a:pPr algn="ctr"/>
+            <a:endParaRPr lang="en-US"/>
+          </a:p>
+        </p:txBody>
+      </p:sp>
+      <p:sp>
+        <p:nvSpPr>
+          <p:cNvPr id="31" name="Rectangle 30">
+            <a:extLst>
+              <a:ext uri="{FF2B5EF4-FFF2-40B4-BE49-F238E27FC236}">
+                <a16:creationId xmlns:a16="http://schemas.microsoft.com/office/drawing/2014/main" id="{D2B78728-A580-49A7-84F9-6EF6F583ADE0}"/>
+              </a:ext>
+              <a:ext uri="{C183D7F6-B498-43B3-948B-1728B52AA6E4}">
+                <adec:decorative xmlns:adec="http://schemas.microsoft.com/office/drawing/2017/decorative" val="1"/>
+              </a:ext>
+            </a:extLst>
+          </p:cNvPr>
+          <p:cNvSpPr>
+            <a:spLocks noGrp="1" noRot="1" noChangeAspect="1" noMove="1" noResize="1" noEditPoints="1" noAdjustHandles="1" noChangeArrowheads="1" noChangeShapeType="1" noTextEdit="1"/>
+          </p:cNvSpPr>
+          <p:nvPr>
+            <p:extLst>
+              <p:ext uri="{386F3935-93C4-4BCD-93E2-E3B085C9AB24}">
+                <p16:designElem xmlns:p16="http://schemas.microsoft.com/office/powerpoint/2015/main" val="1"/>
+              </p:ext>
+            </p:extLst>
+          </p:nvPr>
+        </p:nvSpPr>
+        <p:spPr>
+          <a:xfrm rot="5400000" flipH="1">
+            <a:off x="767923" y="3588085"/>
+            <a:ext cx="2501979" cy="4037841"/>
+          </a:xfrm>
+          <a:prstGeom prst="rect">
+            <a:avLst/>
+          </a:prstGeom>
+          <a:gradFill>
+            <a:gsLst>
+              <a:gs pos="2000">
+                <a:schemeClr val="accent1">
+                  <a:alpha val="29000"/>
+                </a:schemeClr>
+              </a:gs>
+              <a:gs pos="100000">
+                <a:srgbClr val="000000">
+                  <a:alpha val="30000"/>
+                </a:srgbClr>
+              </a:gs>
+            </a:gsLst>
+            <a:lin ang="7800000" scaled="0"/>
+          </a:gradFill>
+          <a:ln>
+            <a:noFill/>
+          </a:ln>
+        </p:spPr>
+        <p:style>
+          <a:lnRef idx="2">
+            <a:schemeClr val="accent1">
+              <a:shade val="50000"/>
+            </a:schemeClr>
+          </a:lnRef>
+          <a:fillRef idx="1">
+            <a:schemeClr val="accent1"/>
+          </a:fillRef>
+          <a:effectRef idx="0">
+            <a:schemeClr val="accent1"/>
+          </a:effectRef>
+          <a:fontRef idx="minor">
+            <a:schemeClr val="lt1"/>
+          </a:fontRef>
+        </p:style>
+        <p:txBody>
+          <a:bodyPr rtlCol="0" anchor="ctr"/>
+          <a:lstStyle/>
+          <a:p>
+            <a:pPr algn="ctr"/>
+            <a:endParaRPr lang="en-US" dirty="0"/>
+          </a:p>
+        </p:txBody>
+      </p:sp>
+      <p:sp>
+        <p:nvSpPr>
+          <p:cNvPr id="33" name="Freeform: Shape 32">
+            <a:extLst>
+              <a:ext uri="{FF2B5EF4-FFF2-40B4-BE49-F238E27FC236}">
+                <a16:creationId xmlns:a16="http://schemas.microsoft.com/office/drawing/2014/main" id="{38FAA1A1-D861-433F-88FA-1E9D6FD31D11}"/>
+              </a:ext>
+              <a:ext uri="{C183D7F6-B498-43B3-948B-1728B52AA6E4}">
+                <adec:decorative xmlns:adec="http://schemas.microsoft.com/office/drawing/2017/decorative" val="1"/>
+              </a:ext>
+            </a:extLst>
+          </p:cNvPr>
+          <p:cNvSpPr>
+            <a:spLocks noGrp="1" noRot="1" noChangeAspect="1" noMove="1" noResize="1" noEditPoints="1" noAdjustHandles="1" noChangeArrowheads="1" noChangeShapeType="1" noTextEdit="1"/>
+          </p:cNvSpPr>
+          <p:nvPr>
+            <p:extLst>
+              <p:ext uri="{386F3935-93C4-4BCD-93E2-E3B085C9AB24}">
+                <p16:designElem xmlns:p16="http://schemas.microsoft.com/office/powerpoint/2015/main" val="1"/>
+              </p:ext>
+            </p:extLst>
+          </p:nvPr>
+        </p:nvSpPr>
+        <p:spPr>
+          <a:xfrm rot="20635413">
+            <a:off x="-501737" y="969718"/>
+            <a:ext cx="3900357" cy="4178958"/>
+          </a:xfrm>
+          <a:custGeom>
+            <a:avLst/>
+            <a:gdLst>
+              <a:gd name="connsiteX0" fmla="*/ 2432225 w 3900357"/>
+              <a:gd name="connsiteY0" fmla="*/ 93939 h 4178958"/>
+              <a:gd name="connsiteX1" fmla="*/ 3900357 w 3900357"/>
+              <a:gd name="connsiteY1" fmla="*/ 2089479 h 4178958"/>
+              <a:gd name="connsiteX2" fmla="*/ 1810878 w 3900357"/>
+              <a:gd name="connsiteY2" fmla="*/ 4178958 h 4178958"/>
+              <a:gd name="connsiteX3" fmla="*/ 78249 w 3900357"/>
+              <a:gd name="connsiteY3" fmla="*/ 3257727 h 4178958"/>
+              <a:gd name="connsiteX4" fmla="*/ 0 w 3900357"/>
+              <a:gd name="connsiteY4" fmla="*/ 3128923 h 4178958"/>
+              <a:gd name="connsiteX5" fmla="*/ 831324 w 3900357"/>
+              <a:gd name="connsiteY5" fmla="*/ 244281 h 4178958"/>
+              <a:gd name="connsiteX6" fmla="*/ 997559 w 3900357"/>
+              <a:gd name="connsiteY6" fmla="*/ 164202 h 4178958"/>
+              <a:gd name="connsiteX7" fmla="*/ 1810878 w 3900357"/>
+              <a:gd name="connsiteY7" fmla="*/ 0 h 4178958"/>
+              <a:gd name="connsiteX8" fmla="*/ 2432225 w 3900357"/>
+              <a:gd name="connsiteY8" fmla="*/ 93939 h 4178958"/>
+            </a:gdLst>
+            <a:ahLst/>
+            <a:cxnLst>
+              <a:cxn ang="0">
+                <a:pos x="connsiteX0" y="connsiteY0"/>
+              </a:cxn>
+              <a:cxn ang="0">
+                <a:pos x="connsiteX1" y="connsiteY1"/>
+              </a:cxn>
+              <a:cxn ang="0">
+                <a:pos x="connsiteX2" y="connsiteY2"/>
+              </a:cxn>
+              <a:cxn ang="0">
+                <a:pos x="connsiteX3" y="connsiteY3"/>
+              </a:cxn>
+              <a:cxn ang="0">
+                <a:pos x="connsiteX4" y="connsiteY4"/>
+              </a:cxn>
+              <a:cxn ang="0">
+                <a:pos x="connsiteX5" y="connsiteY5"/>
+              </a:cxn>
+              <a:cxn ang="0">
+                <a:pos x="connsiteX6" y="connsiteY6"/>
+              </a:cxn>
+              <a:cxn ang="0">
+                <a:pos x="connsiteX7" y="connsiteY7"/>
+              </a:cxn>
+              <a:cxn ang="0">
+                <a:pos x="connsiteX8" y="connsiteY8"/>
+              </a:cxn>
+            </a:cxnLst>
+            <a:rect l="l" t="t" r="r" b="b"/>
+            <a:pathLst>
+              <a:path w="3900357" h="4178958">
+                <a:moveTo>
+                  <a:pt x="2432225" y="93939"/>
+                </a:moveTo>
+                <a:cubicBezTo>
+                  <a:pt x="3282786" y="358491"/>
+                  <a:pt x="3900357" y="1151865"/>
+                  <a:pt x="3900357" y="2089479"/>
+                </a:cubicBezTo>
+                <a:cubicBezTo>
+                  <a:pt x="3900357" y="3243466"/>
+                  <a:pt x="2964865" y="4178958"/>
+                  <a:pt x="1810878" y="4178958"/>
+                </a:cubicBezTo>
+                <a:cubicBezTo>
+                  <a:pt x="1089636" y="4178958"/>
+                  <a:pt x="453744" y="3813531"/>
+                  <a:pt x="78249" y="3257727"/>
+                </a:cubicBezTo>
+                <a:lnTo>
+                  <a:pt x="0" y="3128923"/>
+                </a:lnTo>
+                <a:lnTo>
+                  <a:pt x="831324" y="244281"/>
+                </a:lnTo>
+                <a:lnTo>
+                  <a:pt x="997559" y="164202"/>
+                </a:lnTo>
+                <a:cubicBezTo>
+                  <a:pt x="1247540" y="58468"/>
+                  <a:pt x="1522381" y="0"/>
+                  <a:pt x="1810878" y="0"/>
+                </a:cubicBezTo>
+                <a:cubicBezTo>
+                  <a:pt x="2027251" y="0"/>
+                  <a:pt x="2235942" y="32888"/>
+                  <a:pt x="2432225" y="93939"/>
+                </a:cubicBezTo>
+                <a:close/>
+              </a:path>
+            </a:pathLst>
+          </a:custGeom>
+          <a:gradFill>
+            <a:gsLst>
+              <a:gs pos="29000">
+                <a:srgbClr val="000000">
+                  <a:alpha val="0"/>
+                </a:srgbClr>
+              </a:gs>
+              <a:gs pos="100000">
+                <a:schemeClr val="accent1">
+                  <a:alpha val="43000"/>
+                </a:schemeClr>
+              </a:gs>
+            </a:gsLst>
+            <a:lin ang="1800000" scaled="0"/>
+          </a:gradFill>
+          <a:ln>
+            <a:noFill/>
+          </a:ln>
+        </p:spPr>
+        <p:style>
+          <a:lnRef idx="2">
+            <a:schemeClr val="accent1">
+              <a:shade val="50000"/>
+            </a:schemeClr>
+          </a:lnRef>
+          <a:fillRef idx="1">
+            <a:schemeClr val="accent1"/>
+          </a:fillRef>
+          <a:effectRef idx="0">
+            <a:schemeClr val="accent1"/>
+          </a:effectRef>
+          <a:fontRef idx="minor">
+            <a:schemeClr val="lt1"/>
+          </a:fontRef>
+        </p:style>
+        <p:txBody>
+          <a:bodyPr wrap="square" rtlCol="0" anchor="ctr">
+            <a:noAutofit/>
+          </a:bodyPr>
+          <a:lstStyle/>
+          <a:p>
+            <a:pPr algn="ctr"/>
+            <a:endParaRPr lang="en-US" dirty="0"/>
+          </a:p>
+        </p:txBody>
+      </p:sp>
+      <p:sp>
+        <p:nvSpPr>
+          <p:cNvPr id="35" name="Rectangle 34">
+            <a:extLst>
+              <a:ext uri="{FF2B5EF4-FFF2-40B4-BE49-F238E27FC236}">
+                <a16:creationId xmlns:a16="http://schemas.microsoft.com/office/drawing/2014/main" id="{8D71EDA1-87BF-4D5D-AB79-F346FD19278A}"/>
+              </a:ext>
+              <a:ext uri="{C183D7F6-B498-43B3-948B-1728B52AA6E4}">
+                <adec:decorative xmlns:adec="http://schemas.microsoft.com/office/drawing/2017/decorative" val="1"/>
+              </a:ext>
+            </a:extLst>
+          </p:cNvPr>
+          <p:cNvSpPr>
+            <a:spLocks noGrp="1" noRot="1" noChangeAspect="1" noMove="1" noResize="1" noEditPoints="1" noAdjustHandles="1" noChangeArrowheads="1" noChangeShapeType="1" noTextEdit="1"/>
+          </p:cNvSpPr>
+          <p:nvPr>
+            <p:extLst>
+              <p:ext uri="{386F3935-93C4-4BCD-93E2-E3B085C9AB24}">
+                <p16:designElem xmlns:p16="http://schemas.microsoft.com/office/powerpoint/2015/main" val="1"/>
+              </p:ext>
+            </p:extLst>
+          </p:nvPr>
+        </p:nvSpPr>
+        <p:spPr>
+          <a:xfrm rot="5400000" flipH="1">
+            <a:off x="-1410093" y="1399943"/>
+            <a:ext cx="6858003" cy="4037835"/>
+          </a:xfrm>
+          <a:prstGeom prst="rect">
+            <a:avLst/>
+          </a:prstGeom>
+          <a:gradFill>
+            <a:gsLst>
+              <a:gs pos="0">
+                <a:srgbClr val="000000">
+                  <a:alpha val="0"/>
+                </a:srgbClr>
+              </a:gs>
+              <a:gs pos="99000">
+                <a:schemeClr val="accent1">
+                  <a:lumMod val="60000"/>
+                  <a:lumOff val="40000"/>
+                  <a:alpha val="11000"/>
+                </a:schemeClr>
+              </a:gs>
+            </a:gsLst>
+            <a:lin ang="7200000" scaled="0"/>
+          </a:gradFill>
+          <a:ln>
+            <a:noFill/>
+          </a:ln>
+        </p:spPr>
+        <p:style>
+          <a:lnRef idx="2">
+            <a:schemeClr val="accent1">
+              <a:shade val="50000"/>
+            </a:schemeClr>
+          </a:lnRef>
+          <a:fillRef idx="1">
+            <a:schemeClr val="accent1"/>
+          </a:fillRef>
+          <a:effectRef idx="0">
+            <a:schemeClr val="accent1"/>
+          </a:effectRef>
+          <a:fontRef idx="minor">
+            <a:schemeClr val="lt1"/>
+          </a:fontRef>
+        </p:style>
+        <p:txBody>
+          <a:bodyPr rtlCol="0" anchor="ctr"/>
+          <a:lstStyle/>
+          <a:p>
+            <a:pPr algn="ctr"/>
+            <a:endParaRPr lang="en-US"/>
+          </a:p>
+        </p:txBody>
+      </p:sp>
       <p:sp>
         <p:nvSpPr>
           <p:cNvPr id="2" name="Title 1">
@@ -4372,13 +5605,24 @@
             <p:ph type="title"/>
           </p:nvPr>
         </p:nvSpPr>
-        <p:spPr/>
-        <p:txBody>
-          <a:bodyPr/>
+        <p:spPr>
+          <a:xfrm>
+            <a:off x="466722" y="586855"/>
+            <a:ext cx="3201366" cy="3387497"/>
+          </a:xfrm>
+        </p:spPr>
+        <p:txBody>
+          <a:bodyPr anchor="b">
+            <a:normAutofit/>
+          </a:bodyPr>
           <a:lstStyle/>
           <a:p>
-            <a:r>
-              <a:rPr lang="en-US" dirty="0">
+            <a:pPr algn="r"/>
+            <a:r>
+              <a:rPr lang="en-US" sz="4000">
+                <a:solidFill>
+                  <a:srgbClr val="FFFFFF"/>
+                </a:solidFill>
                 <a:latin typeface="Arial" panose="020B0604020202020204" pitchFamily="34" charset="0"/>
                 <a:cs typeface="Arial" panose="020B0604020202020204" pitchFamily="34" charset="0"/>
               </a:rPr>
@@ -4403,16 +5647,23 @@
             <p:ph idx="1"/>
           </p:nvPr>
         </p:nvSpPr>
-        <p:spPr/>
-        <p:txBody>
-          <a:bodyPr/>
+        <p:spPr>
+          <a:xfrm>
+            <a:off x="4810259" y="649480"/>
+            <a:ext cx="6555347" cy="5546047"/>
+          </a:xfrm>
+        </p:spPr>
+        <p:txBody>
+          <a:bodyPr anchor="ctr">
+            <a:normAutofit/>
+          </a:bodyPr>
           <a:lstStyle/>
           <a:p>
             <a:pPr marL="0" indent="0">
               <a:buNone/>
             </a:pPr>
             <a:r>
-              <a:rPr lang="en-US" dirty="0">
+              <a:rPr lang="en-US" sz="2000">
                 <a:latin typeface="Arial" panose="020B0604020202020204" pitchFamily="34" charset="0"/>
                 <a:cs typeface="Arial" panose="020B0604020202020204" pitchFamily="34" charset="0"/>
               </a:rPr>
@@ -4421,7 +5672,7 @@
           </a:p>
           <a:p>
             <a:r>
-              <a:rPr lang="en-US" dirty="0">
+              <a:rPr lang="en-US" sz="2000">
                 <a:latin typeface="Arial" panose="020B0604020202020204" pitchFamily="34" charset="0"/>
                 <a:cs typeface="Arial" panose="020B0604020202020204" pitchFamily="34" charset="0"/>
               </a:rPr>
@@ -4430,7 +5681,7 @@
           </a:p>
           <a:p>
             <a:r>
-              <a:rPr lang="en-US" dirty="0">
+              <a:rPr lang="en-US" sz="2000">
                 <a:latin typeface="Arial" panose="020B0604020202020204" pitchFamily="34" charset="0"/>
                 <a:cs typeface="Arial" panose="020B0604020202020204" pitchFamily="34" charset="0"/>
               </a:rPr>
@@ -4438,13 +5689,13 @@
             </a:r>
           </a:p>
           <a:p>
-            <a:endParaRPr lang="en-US" dirty="0">
+            <a:endParaRPr lang="en-US" sz="2000">
               <a:latin typeface="Arial" panose="020B0604020202020204" pitchFamily="34" charset="0"/>
               <a:cs typeface="Arial" panose="020B0604020202020204" pitchFamily="34" charset="0"/>
             </a:endParaRPr>
           </a:p>
           <a:p>
-            <a:endParaRPr lang="en-US" dirty="0">
+            <a:endParaRPr lang="en-US" sz="2000">
               <a:latin typeface="Arial" panose="020B0604020202020204" pitchFamily="34" charset="0"/>
               <a:cs typeface="Arial" panose="020B0604020202020204" pitchFamily="34" charset="0"/>
             </a:endParaRPr>
@@ -4688,7 +5939,7 @@
               <a:buNone/>
             </a:pPr>
             <a:r>
-              <a:rPr lang="en-US" sz="3200" dirty="0">
+              <a:rPr lang="en-US" sz="3200">
                 <a:latin typeface="Arial" panose="020B0604020202020204" pitchFamily="34" charset="0"/>
                 <a:cs typeface="Arial" panose="020B0604020202020204" pitchFamily="34" charset="0"/>
               </a:rPr>
@@ -4700,7 +5951,7 @@
               <a:buNone/>
             </a:pPr>
             <a:r>
-              <a:rPr lang="en-US" dirty="0">
+              <a:rPr lang="en-US">
                 <a:latin typeface="Arial" panose="020B0604020202020204" pitchFamily="34" charset="0"/>
                 <a:cs typeface="Arial" panose="020B0604020202020204" pitchFamily="34" charset="0"/>
               </a:rPr>
@@ -4712,56 +5963,20 @@
               <a:buNone/>
             </a:pPr>
             <a:r>
-              <a:rPr lang="en-US" sz="2000" dirty="0">
+              <a:rPr lang="en-US" sz="2000">
                 <a:effectLst/>
                 <a:latin typeface="Arial" panose="020B0604020202020204" pitchFamily="34" charset="0"/>
                 <a:ea typeface="Calibri" panose="020F0502020204030204" pitchFamily="34" charset="0"/>
                 <a:cs typeface="Arial" panose="020B0604020202020204" pitchFamily="34" charset="0"/>
               </a:rPr>
-              <a:t>	Ex </a:t>
-            </a:r>
-            <a:r>
-              <a:rPr lang="en-US" sz="2000" dirty="0" err="1">
-                <a:effectLst/>
-                <a:latin typeface="Arial" panose="020B0604020202020204" pitchFamily="34" charset="0"/>
-                <a:ea typeface="Calibri" panose="020F0502020204030204" pitchFamily="34" charset="0"/>
-                <a:cs typeface="Arial" panose="020B0604020202020204" pitchFamily="34" charset="0"/>
-              </a:rPr>
-              <a:t>Room.Java</a:t>
-            </a:r>
-            <a:r>
-              <a:rPr lang="en-US" sz="2000" dirty="0">
-                <a:effectLst/>
-                <a:latin typeface="Arial" panose="020B0604020202020204" pitchFamily="34" charset="0"/>
-                <a:ea typeface="Calibri" panose="020F0502020204030204" pitchFamily="34" charset="0"/>
-                <a:cs typeface="Arial" panose="020B0604020202020204" pitchFamily="34" charset="0"/>
-              </a:rPr>
-              <a:t> is converted into </a:t>
-            </a:r>
-            <a:r>
-              <a:rPr lang="en-US" sz="2000" dirty="0" err="1">
-                <a:effectLst/>
-                <a:latin typeface="Arial" panose="020B0604020202020204" pitchFamily="34" charset="0"/>
-                <a:ea typeface="Calibri" panose="020F0502020204030204" pitchFamily="34" charset="0"/>
-                <a:cs typeface="Arial" panose="020B0604020202020204" pitchFamily="34" charset="0"/>
-              </a:rPr>
-              <a:t>Room.class</a:t>
-            </a:r>
-            <a:r>
-              <a:rPr lang="en-US" sz="2000" dirty="0">
-                <a:effectLst/>
-                <a:latin typeface="Arial" panose="020B0604020202020204" pitchFamily="34" charset="0"/>
-                <a:ea typeface="Calibri" panose="020F0502020204030204" pitchFamily="34" charset="0"/>
-                <a:cs typeface="Arial" panose="020B0604020202020204" pitchFamily="34" charset="0"/>
-              </a:rPr>
-              <a:t> file</a:t>
+              <a:t>	Ex Room.Java is converted into Room.class file</a:t>
             </a:r>
           </a:p>
           <a:p>
             <a:pPr marL="0" indent="0">
               <a:buNone/>
             </a:pPr>
-            <a:endParaRPr lang="en-US" sz="2000" dirty="0">
+            <a:endParaRPr lang="en-US" sz="2000">
               <a:latin typeface="Arial" panose="020B0604020202020204" pitchFamily="34" charset="0"/>
               <a:ea typeface="Calibri" panose="020F0502020204030204" pitchFamily="34" charset="0"/>
               <a:cs typeface="Arial" panose="020B0604020202020204" pitchFamily="34" charset="0"/>
@@ -4772,7 +5987,7 @@
               <a:buNone/>
             </a:pPr>
             <a:r>
-              <a:rPr lang="en-US" sz="3200" dirty="0">
+              <a:rPr lang="en-US" sz="3200">
                 <a:latin typeface="Arial" panose="020B0604020202020204" pitchFamily="34" charset="0"/>
                 <a:cs typeface="Arial" panose="020B0604020202020204" pitchFamily="34" charset="0"/>
               </a:rPr>
@@ -4784,7 +5999,7 @@
               <a:buNone/>
             </a:pPr>
             <a:r>
-              <a:rPr lang="en-US" dirty="0">
+              <a:rPr lang="en-US">
                 <a:latin typeface="Arial" panose="020B0604020202020204" pitchFamily="34" charset="0"/>
                 <a:cs typeface="Arial" panose="020B0604020202020204" pitchFamily="34" charset="0"/>
               </a:rPr>
@@ -5075,6 +6290,14 @@
 <file path=ppt/slides/slide6.xml><?xml version="1.0" encoding="utf-8"?>
 <p:sld xmlns:a="http://schemas.openxmlformats.org/drawingml/2006/main" xmlns:r="http://schemas.openxmlformats.org/officeDocument/2006/relationships" xmlns:p="http://schemas.openxmlformats.org/presentationml/2006/main">
   <p:cSld>
+    <p:bg>
+      <p:bgPr>
+        <a:solidFill>
+          <a:schemeClr val="bg1"/>
+        </a:solidFill>
+        <a:effectLst/>
+      </p:bgPr>
+    </p:bg>
     <p:spTree>
       <p:nvGrpSpPr>
         <p:cNvPr id="1" name=""/>
@@ -5089,6 +6312,552 @@
           <a:chExt cx="0" cy="0"/>
         </a:xfrm>
       </p:grpSpPr>
+      <p:sp useBgFill="1">
+        <p:nvSpPr>
+          <p:cNvPr id="61" name="Rectangle 60">
+            <a:extLst>
+              <a:ext uri="{FF2B5EF4-FFF2-40B4-BE49-F238E27FC236}">
+                <a16:creationId xmlns:a16="http://schemas.microsoft.com/office/drawing/2014/main" id="{C4285719-470E-454C-AF62-8323075F1F5B}"/>
+              </a:ext>
+              <a:ext uri="{C183D7F6-B498-43B3-948B-1728B52AA6E4}">
+                <adec:decorative xmlns:adec="http://schemas.microsoft.com/office/drawing/2017/decorative" val="1"/>
+              </a:ext>
+            </a:extLst>
+          </p:cNvPr>
+          <p:cNvSpPr>
+            <a:spLocks noGrp="1" noRot="1" noChangeAspect="1" noMove="1" noResize="1" noEditPoints="1" noAdjustHandles="1" noChangeArrowheads="1" noChangeShapeType="1" noTextEdit="1"/>
+          </p:cNvSpPr>
+          <p:nvPr>
+            <p:extLst>
+              <p:ext uri="{386F3935-93C4-4BCD-93E2-E3B085C9AB24}">
+                <p16:designElem xmlns:p16="http://schemas.microsoft.com/office/powerpoint/2015/main" val="1"/>
+              </p:ext>
+            </p:extLst>
+          </p:nvPr>
+        </p:nvSpPr>
+        <p:spPr>
+          <a:xfrm>
+            <a:off x="0" y="0"/>
+            <a:ext cx="12188952" cy="6858000"/>
+          </a:xfrm>
+          <a:prstGeom prst="rect">
+            <a:avLst/>
+          </a:prstGeom>
+          <a:ln w="12700" cap="flat" cmpd="sng" algn="ctr">
+            <a:noFill/>
+            <a:prstDash val="solid"/>
+            <a:miter lim="800000"/>
+          </a:ln>
+          <a:effectLst/>
+          <a:extLst>
+            <a:ext uri="{91240B29-F687-4F45-9708-019B960494DF}">
+              <a14:hiddenLine xmlns:a14="http://schemas.microsoft.com/office/drawing/2010/main" w="12700" cap="flat" cmpd="sng" algn="ctr">
+                <a:solidFill>
+                  <a:schemeClr val="accent1">
+                    <a:shade val="50000"/>
+                  </a:schemeClr>
+                </a:solidFill>
+                <a:prstDash val="solid"/>
+                <a:miter lim="800000"/>
+              </a14:hiddenLine>
+            </a:ext>
+          </a:extLst>
+        </p:spPr>
+        <p:style>
+          <a:lnRef idx="2">
+            <a:schemeClr val="accent1">
+              <a:shade val="50000"/>
+            </a:schemeClr>
+          </a:lnRef>
+          <a:fillRef idx="1">
+            <a:schemeClr val="accent1"/>
+          </a:fillRef>
+          <a:effectRef idx="0">
+            <a:schemeClr val="accent1"/>
+          </a:effectRef>
+          <a:fontRef idx="minor">
+            <a:schemeClr val="lt1"/>
+          </a:fontRef>
+        </p:style>
+        <p:txBody>
+          <a:bodyPr rtlCol="0" anchor="ctr"/>
+          <a:lstStyle/>
+          <a:p>
+            <a:pPr algn="ctr"/>
+            <a:endParaRPr lang="en-US"/>
+          </a:p>
+        </p:txBody>
+      </p:sp>
+      <p:sp>
+        <p:nvSpPr>
+          <p:cNvPr id="63" name="Rectangle 62">
+            <a:extLst>
+              <a:ext uri="{FF2B5EF4-FFF2-40B4-BE49-F238E27FC236}">
+                <a16:creationId xmlns:a16="http://schemas.microsoft.com/office/drawing/2014/main" id="{CD9FE4EF-C4D8-49A0-B2FF-81D8DB7D8A24}"/>
+              </a:ext>
+              <a:ext uri="{C183D7F6-B498-43B3-948B-1728B52AA6E4}">
+                <adec:decorative xmlns:adec="http://schemas.microsoft.com/office/drawing/2017/decorative" val="1"/>
+              </a:ext>
+            </a:extLst>
+          </p:cNvPr>
+          <p:cNvSpPr>
+            <a:spLocks noGrp="1" noRot="1" noChangeAspect="1" noMove="1" noResize="1" noEditPoints="1" noAdjustHandles="1" noChangeArrowheads="1" noChangeShapeType="1" noTextEdit="1"/>
+          </p:cNvSpPr>
+          <p:nvPr>
+            <p:extLst>
+              <p:ext uri="{386F3935-93C4-4BCD-93E2-E3B085C9AB24}">
+                <p16:designElem xmlns:p16="http://schemas.microsoft.com/office/powerpoint/2015/main" val="1"/>
+              </p:ext>
+            </p:extLst>
+          </p:nvPr>
+        </p:nvSpPr>
+        <p:spPr>
+          <a:xfrm rot="5400000" flipH="1">
+            <a:off x="-1410084" y="1410082"/>
+            <a:ext cx="6858000" cy="4037836"/>
+          </a:xfrm>
+          <a:prstGeom prst="rect">
+            <a:avLst/>
+          </a:prstGeom>
+          <a:gradFill>
+            <a:gsLst>
+              <a:gs pos="8000">
+                <a:srgbClr val="000000"/>
+              </a:gs>
+              <a:gs pos="100000">
+                <a:schemeClr val="accent1">
+                  <a:lumMod val="75000"/>
+                </a:schemeClr>
+              </a:gs>
+            </a:gsLst>
+            <a:lin ang="3000000" scaled="0"/>
+          </a:gradFill>
+          <a:ln>
+            <a:noFill/>
+          </a:ln>
+        </p:spPr>
+        <p:style>
+          <a:lnRef idx="2">
+            <a:schemeClr val="accent1">
+              <a:shade val="50000"/>
+            </a:schemeClr>
+          </a:lnRef>
+          <a:fillRef idx="1">
+            <a:schemeClr val="accent1"/>
+          </a:fillRef>
+          <a:effectRef idx="0">
+            <a:schemeClr val="accent1"/>
+          </a:effectRef>
+          <a:fontRef idx="minor">
+            <a:schemeClr val="lt1"/>
+          </a:fontRef>
+        </p:style>
+        <p:txBody>
+          <a:bodyPr rtlCol="0" anchor="ctr"/>
+          <a:lstStyle/>
+          <a:p>
+            <a:pPr algn="ctr"/>
+            <a:endParaRPr lang="en-US"/>
+          </a:p>
+        </p:txBody>
+      </p:sp>
+      <p:sp>
+        <p:nvSpPr>
+          <p:cNvPr id="65" name="Rectangle 64">
+            <a:extLst>
+              <a:ext uri="{FF2B5EF4-FFF2-40B4-BE49-F238E27FC236}">
+                <a16:creationId xmlns:a16="http://schemas.microsoft.com/office/drawing/2014/main" id="{4300840D-0A0B-4512-BACA-B439D5B9C57C}"/>
+              </a:ext>
+              <a:ext uri="{C183D7F6-B498-43B3-948B-1728B52AA6E4}">
+                <adec:decorative xmlns:adec="http://schemas.microsoft.com/office/drawing/2017/decorative" val="1"/>
+              </a:ext>
+            </a:extLst>
+          </p:cNvPr>
+          <p:cNvSpPr>
+            <a:spLocks noGrp="1" noRot="1" noChangeAspect="1" noMove="1" noResize="1" noEditPoints="1" noAdjustHandles="1" noChangeArrowheads="1" noChangeShapeType="1" noTextEdit="1"/>
+          </p:cNvSpPr>
+          <p:nvPr>
+            <p:extLst>
+              <p:ext uri="{386F3935-93C4-4BCD-93E2-E3B085C9AB24}">
+                <p16:designElem xmlns:p16="http://schemas.microsoft.com/office/powerpoint/2015/main" val="1"/>
+              </p:ext>
+            </p:extLst>
+          </p:nvPr>
+        </p:nvSpPr>
+        <p:spPr>
+          <a:xfrm rot="5400000" flipH="1">
+            <a:off x="-1410085" y="1420219"/>
+            <a:ext cx="6857999" cy="4037839"/>
+          </a:xfrm>
+          <a:prstGeom prst="rect">
+            <a:avLst/>
+          </a:prstGeom>
+          <a:gradFill>
+            <a:gsLst>
+              <a:gs pos="0">
+                <a:srgbClr val="000000">
+                  <a:alpha val="0"/>
+                </a:srgbClr>
+              </a:gs>
+              <a:gs pos="99000">
+                <a:schemeClr val="accent1">
+                  <a:alpha val="46000"/>
+                </a:schemeClr>
+              </a:gs>
+            </a:gsLst>
+            <a:lin ang="1800000" scaled="0"/>
+          </a:gradFill>
+          <a:ln>
+            <a:noFill/>
+          </a:ln>
+        </p:spPr>
+        <p:style>
+          <a:lnRef idx="2">
+            <a:schemeClr val="accent1">
+              <a:shade val="50000"/>
+            </a:schemeClr>
+          </a:lnRef>
+          <a:fillRef idx="1">
+            <a:schemeClr val="accent1"/>
+          </a:fillRef>
+          <a:effectRef idx="0">
+            <a:schemeClr val="accent1"/>
+          </a:effectRef>
+          <a:fontRef idx="minor">
+            <a:schemeClr val="lt1"/>
+          </a:fontRef>
+        </p:style>
+        <p:txBody>
+          <a:bodyPr rtlCol="0" anchor="ctr"/>
+          <a:lstStyle/>
+          <a:p>
+            <a:pPr algn="ctr"/>
+            <a:endParaRPr lang="en-US"/>
+          </a:p>
+        </p:txBody>
+      </p:sp>
+      <p:sp>
+        <p:nvSpPr>
+          <p:cNvPr id="67" name="Rectangle 66">
+            <a:extLst>
+              <a:ext uri="{FF2B5EF4-FFF2-40B4-BE49-F238E27FC236}">
+                <a16:creationId xmlns:a16="http://schemas.microsoft.com/office/drawing/2014/main" id="{D2B78728-A580-49A7-84F9-6EF6F583ADE0}"/>
+              </a:ext>
+              <a:ext uri="{C183D7F6-B498-43B3-948B-1728B52AA6E4}">
+                <adec:decorative xmlns:adec="http://schemas.microsoft.com/office/drawing/2017/decorative" val="1"/>
+              </a:ext>
+            </a:extLst>
+          </p:cNvPr>
+          <p:cNvSpPr>
+            <a:spLocks noGrp="1" noRot="1" noChangeAspect="1" noMove="1" noResize="1" noEditPoints="1" noAdjustHandles="1" noChangeArrowheads="1" noChangeShapeType="1" noTextEdit="1"/>
+          </p:cNvSpPr>
+          <p:nvPr>
+            <p:extLst>
+              <p:ext uri="{386F3935-93C4-4BCD-93E2-E3B085C9AB24}">
+                <p16:designElem xmlns:p16="http://schemas.microsoft.com/office/powerpoint/2015/main" val="1"/>
+              </p:ext>
+            </p:extLst>
+          </p:nvPr>
+        </p:nvSpPr>
+        <p:spPr>
+          <a:xfrm rot="5400000" flipH="1">
+            <a:off x="767923" y="3588085"/>
+            <a:ext cx="2501979" cy="4037841"/>
+          </a:xfrm>
+          <a:prstGeom prst="rect">
+            <a:avLst/>
+          </a:prstGeom>
+          <a:gradFill>
+            <a:gsLst>
+              <a:gs pos="2000">
+                <a:schemeClr val="accent1">
+                  <a:alpha val="29000"/>
+                </a:schemeClr>
+              </a:gs>
+              <a:gs pos="100000">
+                <a:srgbClr val="000000">
+                  <a:alpha val="30000"/>
+                </a:srgbClr>
+              </a:gs>
+            </a:gsLst>
+            <a:lin ang="7800000" scaled="0"/>
+          </a:gradFill>
+          <a:ln>
+            <a:noFill/>
+          </a:ln>
+        </p:spPr>
+        <p:style>
+          <a:lnRef idx="2">
+            <a:schemeClr val="accent1">
+              <a:shade val="50000"/>
+            </a:schemeClr>
+          </a:lnRef>
+          <a:fillRef idx="1">
+            <a:schemeClr val="accent1"/>
+          </a:fillRef>
+          <a:effectRef idx="0">
+            <a:schemeClr val="accent1"/>
+          </a:effectRef>
+          <a:fontRef idx="minor">
+            <a:schemeClr val="lt1"/>
+          </a:fontRef>
+        </p:style>
+        <p:txBody>
+          <a:bodyPr rtlCol="0" anchor="ctr"/>
+          <a:lstStyle/>
+          <a:p>
+            <a:pPr algn="ctr"/>
+            <a:endParaRPr lang="en-US" dirty="0"/>
+          </a:p>
+        </p:txBody>
+      </p:sp>
+      <p:sp>
+        <p:nvSpPr>
+          <p:cNvPr id="69" name="Freeform: Shape 68">
+            <a:extLst>
+              <a:ext uri="{FF2B5EF4-FFF2-40B4-BE49-F238E27FC236}">
+                <a16:creationId xmlns:a16="http://schemas.microsoft.com/office/drawing/2014/main" id="{38FAA1A1-D861-433F-88FA-1E9D6FD31D11}"/>
+              </a:ext>
+              <a:ext uri="{C183D7F6-B498-43B3-948B-1728B52AA6E4}">
+                <adec:decorative xmlns:adec="http://schemas.microsoft.com/office/drawing/2017/decorative" val="1"/>
+              </a:ext>
+            </a:extLst>
+          </p:cNvPr>
+          <p:cNvSpPr>
+            <a:spLocks noGrp="1" noRot="1" noChangeAspect="1" noMove="1" noResize="1" noEditPoints="1" noAdjustHandles="1" noChangeArrowheads="1" noChangeShapeType="1" noTextEdit="1"/>
+          </p:cNvSpPr>
+          <p:nvPr>
+            <p:extLst>
+              <p:ext uri="{386F3935-93C4-4BCD-93E2-E3B085C9AB24}">
+                <p16:designElem xmlns:p16="http://schemas.microsoft.com/office/powerpoint/2015/main" val="1"/>
+              </p:ext>
+            </p:extLst>
+          </p:nvPr>
+        </p:nvSpPr>
+        <p:spPr>
+          <a:xfrm rot="20635413">
+            <a:off x="-501737" y="969718"/>
+            <a:ext cx="3900357" cy="4178958"/>
+          </a:xfrm>
+          <a:custGeom>
+            <a:avLst/>
+            <a:gdLst>
+              <a:gd name="connsiteX0" fmla="*/ 2432225 w 3900357"/>
+              <a:gd name="connsiteY0" fmla="*/ 93939 h 4178958"/>
+              <a:gd name="connsiteX1" fmla="*/ 3900357 w 3900357"/>
+              <a:gd name="connsiteY1" fmla="*/ 2089479 h 4178958"/>
+              <a:gd name="connsiteX2" fmla="*/ 1810878 w 3900357"/>
+              <a:gd name="connsiteY2" fmla="*/ 4178958 h 4178958"/>
+              <a:gd name="connsiteX3" fmla="*/ 78249 w 3900357"/>
+              <a:gd name="connsiteY3" fmla="*/ 3257727 h 4178958"/>
+              <a:gd name="connsiteX4" fmla="*/ 0 w 3900357"/>
+              <a:gd name="connsiteY4" fmla="*/ 3128923 h 4178958"/>
+              <a:gd name="connsiteX5" fmla="*/ 831324 w 3900357"/>
+              <a:gd name="connsiteY5" fmla="*/ 244281 h 4178958"/>
+              <a:gd name="connsiteX6" fmla="*/ 997559 w 3900357"/>
+              <a:gd name="connsiteY6" fmla="*/ 164202 h 4178958"/>
+              <a:gd name="connsiteX7" fmla="*/ 1810878 w 3900357"/>
+              <a:gd name="connsiteY7" fmla="*/ 0 h 4178958"/>
+              <a:gd name="connsiteX8" fmla="*/ 2432225 w 3900357"/>
+              <a:gd name="connsiteY8" fmla="*/ 93939 h 4178958"/>
+            </a:gdLst>
+            <a:ahLst/>
+            <a:cxnLst>
+              <a:cxn ang="0">
+                <a:pos x="connsiteX0" y="connsiteY0"/>
+              </a:cxn>
+              <a:cxn ang="0">
+                <a:pos x="connsiteX1" y="connsiteY1"/>
+              </a:cxn>
+              <a:cxn ang="0">
+                <a:pos x="connsiteX2" y="connsiteY2"/>
+              </a:cxn>
+              <a:cxn ang="0">
+                <a:pos x="connsiteX3" y="connsiteY3"/>
+              </a:cxn>
+              <a:cxn ang="0">
+                <a:pos x="connsiteX4" y="connsiteY4"/>
+              </a:cxn>
+              <a:cxn ang="0">
+                <a:pos x="connsiteX5" y="connsiteY5"/>
+              </a:cxn>
+              <a:cxn ang="0">
+                <a:pos x="connsiteX6" y="connsiteY6"/>
+              </a:cxn>
+              <a:cxn ang="0">
+                <a:pos x="connsiteX7" y="connsiteY7"/>
+              </a:cxn>
+              <a:cxn ang="0">
+                <a:pos x="connsiteX8" y="connsiteY8"/>
+              </a:cxn>
+            </a:cxnLst>
+            <a:rect l="l" t="t" r="r" b="b"/>
+            <a:pathLst>
+              <a:path w="3900357" h="4178958">
+                <a:moveTo>
+                  <a:pt x="2432225" y="93939"/>
+                </a:moveTo>
+                <a:cubicBezTo>
+                  <a:pt x="3282786" y="358491"/>
+                  <a:pt x="3900357" y="1151865"/>
+                  <a:pt x="3900357" y="2089479"/>
+                </a:cubicBezTo>
+                <a:cubicBezTo>
+                  <a:pt x="3900357" y="3243466"/>
+                  <a:pt x="2964865" y="4178958"/>
+                  <a:pt x="1810878" y="4178958"/>
+                </a:cubicBezTo>
+                <a:cubicBezTo>
+                  <a:pt x="1089636" y="4178958"/>
+                  <a:pt x="453744" y="3813531"/>
+                  <a:pt x="78249" y="3257727"/>
+                </a:cubicBezTo>
+                <a:lnTo>
+                  <a:pt x="0" y="3128923"/>
+                </a:lnTo>
+                <a:lnTo>
+                  <a:pt x="831324" y="244281"/>
+                </a:lnTo>
+                <a:lnTo>
+                  <a:pt x="997559" y="164202"/>
+                </a:lnTo>
+                <a:cubicBezTo>
+                  <a:pt x="1247540" y="58468"/>
+                  <a:pt x="1522381" y="0"/>
+                  <a:pt x="1810878" y="0"/>
+                </a:cubicBezTo>
+                <a:cubicBezTo>
+                  <a:pt x="2027251" y="0"/>
+                  <a:pt x="2235942" y="32888"/>
+                  <a:pt x="2432225" y="93939"/>
+                </a:cubicBezTo>
+                <a:close/>
+              </a:path>
+            </a:pathLst>
+          </a:custGeom>
+          <a:gradFill>
+            <a:gsLst>
+              <a:gs pos="29000">
+                <a:srgbClr val="000000">
+                  <a:alpha val="0"/>
+                </a:srgbClr>
+              </a:gs>
+              <a:gs pos="100000">
+                <a:schemeClr val="accent1">
+                  <a:alpha val="43000"/>
+                </a:schemeClr>
+              </a:gs>
+            </a:gsLst>
+            <a:lin ang="1800000" scaled="0"/>
+          </a:gradFill>
+          <a:ln>
+            <a:noFill/>
+          </a:ln>
+        </p:spPr>
+        <p:style>
+          <a:lnRef idx="2">
+            <a:schemeClr val="accent1">
+              <a:shade val="50000"/>
+            </a:schemeClr>
+          </a:lnRef>
+          <a:fillRef idx="1">
+            <a:schemeClr val="accent1"/>
+          </a:fillRef>
+          <a:effectRef idx="0">
+            <a:schemeClr val="accent1"/>
+          </a:effectRef>
+          <a:fontRef idx="minor">
+            <a:schemeClr val="lt1"/>
+          </a:fontRef>
+        </p:style>
+        <p:txBody>
+          <a:bodyPr wrap="square" rtlCol="0" anchor="ctr">
+            <a:noAutofit/>
+          </a:bodyPr>
+          <a:lstStyle/>
+          <a:p>
+            <a:pPr algn="ctr"/>
+            <a:endParaRPr lang="en-US" dirty="0"/>
+          </a:p>
+        </p:txBody>
+      </p:sp>
+      <p:sp>
+        <p:nvSpPr>
+          <p:cNvPr id="71" name="Rectangle 70">
+            <a:extLst>
+              <a:ext uri="{FF2B5EF4-FFF2-40B4-BE49-F238E27FC236}">
+                <a16:creationId xmlns:a16="http://schemas.microsoft.com/office/drawing/2014/main" id="{8D71EDA1-87BF-4D5D-AB79-F346FD19278A}"/>
+              </a:ext>
+              <a:ext uri="{C183D7F6-B498-43B3-948B-1728B52AA6E4}">
+                <adec:decorative xmlns:adec="http://schemas.microsoft.com/office/drawing/2017/decorative" val="1"/>
+              </a:ext>
+            </a:extLst>
+          </p:cNvPr>
+          <p:cNvSpPr>
+            <a:spLocks noGrp="1" noRot="1" noChangeAspect="1" noMove="1" noResize="1" noEditPoints="1" noAdjustHandles="1" noChangeArrowheads="1" noChangeShapeType="1" noTextEdit="1"/>
+          </p:cNvSpPr>
+          <p:nvPr>
+            <p:extLst>
+              <p:ext uri="{386F3935-93C4-4BCD-93E2-E3B085C9AB24}">
+                <p16:designElem xmlns:p16="http://schemas.microsoft.com/office/powerpoint/2015/main" val="1"/>
+              </p:ext>
+            </p:extLst>
+          </p:nvPr>
+        </p:nvSpPr>
+        <p:spPr>
+          <a:xfrm rot="5400000" flipH="1">
+            <a:off x="-1410093" y="1399943"/>
+            <a:ext cx="6858003" cy="4037835"/>
+          </a:xfrm>
+          <a:prstGeom prst="rect">
+            <a:avLst/>
+          </a:prstGeom>
+          <a:gradFill>
+            <a:gsLst>
+              <a:gs pos="0">
+                <a:srgbClr val="000000">
+                  <a:alpha val="0"/>
+                </a:srgbClr>
+              </a:gs>
+              <a:gs pos="99000">
+                <a:schemeClr val="accent1">
+                  <a:lumMod val="60000"/>
+                  <a:lumOff val="40000"/>
+                  <a:alpha val="11000"/>
+                </a:schemeClr>
+              </a:gs>
+            </a:gsLst>
+            <a:lin ang="7200000" scaled="0"/>
+          </a:gradFill>
+          <a:ln>
+            <a:noFill/>
+          </a:ln>
+        </p:spPr>
+        <p:style>
+          <a:lnRef idx="2">
+            <a:schemeClr val="accent1">
+              <a:shade val="50000"/>
+            </a:schemeClr>
+          </a:lnRef>
+          <a:fillRef idx="1">
+            <a:schemeClr val="accent1"/>
+          </a:fillRef>
+          <a:effectRef idx="0">
+            <a:schemeClr val="accent1"/>
+          </a:effectRef>
+          <a:fontRef idx="minor">
+            <a:schemeClr val="lt1"/>
+          </a:fontRef>
+        </p:style>
+        <p:txBody>
+          <a:bodyPr rtlCol="0" anchor="ctr"/>
+          <a:lstStyle/>
+          <a:p>
+            <a:pPr algn="ctr"/>
+            <a:endParaRPr lang="en-US"/>
+          </a:p>
+        </p:txBody>
+      </p:sp>
       <p:sp>
         <p:nvSpPr>
           <p:cNvPr id="2" name="Title 1">
@@ -5105,22 +6874,34 @@
             <p:ph type="title"/>
           </p:nvPr>
         </p:nvSpPr>
-        <p:spPr/>
-        <p:txBody>
-          <a:bodyPr/>
+        <p:spPr>
+          <a:xfrm>
+            <a:off x="466722" y="586855"/>
+            <a:ext cx="3201366" cy="3387497"/>
+          </a:xfrm>
+        </p:spPr>
+        <p:txBody>
+          <a:bodyPr anchor="b">
+            <a:normAutofit/>
+          </a:bodyPr>
           <a:lstStyle/>
           <a:p>
-            <a:r>
-              <a:rPr lang="en-US" i="0" dirty="0">
+            <a:pPr algn="r"/>
+            <a:r>
+              <a:rPr lang="en-US" sz="4000" i="0" dirty="0">
                 <a:solidFill>
-                  <a:srgbClr val="273239"/>
+                  <a:srgbClr val="FFFFFF"/>
                 </a:solidFill>
                 <a:effectLst/>
                 <a:latin typeface="urw-din"/>
               </a:rPr>
-              <a:t>Step by step Execution of Java Program:</a:t>
-            </a:r>
-            <a:endParaRPr lang="en-US" dirty="0"/>
+              <a:t>Step by step Execution of Java Program</a:t>
+            </a:r>
+            <a:endParaRPr lang="en-US" sz="4000" dirty="0">
+              <a:solidFill>
+                <a:srgbClr val="FFFFFF"/>
+              </a:solidFill>
+            </a:endParaRPr>
           </a:p>
         </p:txBody>
       </p:sp>
@@ -5140,36 +6921,73 @@
             <p:ph idx="1"/>
           </p:nvPr>
         </p:nvSpPr>
-        <p:spPr/>
-        <p:txBody>
-          <a:bodyPr/>
+        <p:spPr>
+          <a:xfrm>
+            <a:off x="4581727" y="649481"/>
+            <a:ext cx="6195864" cy="2779520"/>
+          </a:xfrm>
+        </p:spPr>
+        <p:txBody>
+          <a:bodyPr anchor="ctr">
+            <a:normAutofit/>
+          </a:bodyPr>
           <a:lstStyle/>
           <a:p>
             <a:r>
-              <a:rPr lang="en-US" dirty="0"/>
+              <a:rPr lang="en-US" sz="2000" dirty="0"/>
               <a:t>Write code in Java.</a:t>
             </a:r>
           </a:p>
           <a:p>
             <a:r>
-              <a:rPr lang="en-US" dirty="0"/>
+              <a:rPr lang="en-US" sz="2000" dirty="0"/>
               <a:t>Compile Java code and generate bytecode or .class file.</a:t>
             </a:r>
           </a:p>
           <a:p>
             <a:r>
-              <a:rPr lang="en-US" dirty="0"/>
+              <a:rPr lang="en-US" sz="2000" dirty="0"/>
               <a:t>By using interpreter bytecode is converted to machine code and executed.</a:t>
             </a:r>
           </a:p>
           <a:p>
-            <a:endParaRPr lang="en-US" dirty="0"/>
-          </a:p>
-          <a:p>
-            <a:endParaRPr lang="en-US" dirty="0"/>
-          </a:p>
-        </p:txBody>
-      </p:sp>
+            <a:endParaRPr lang="en-US" sz="2000" dirty="0"/>
+          </a:p>
+          <a:p>
+            <a:endParaRPr lang="en-US" sz="2000" dirty="0"/>
+          </a:p>
+        </p:txBody>
+      </p:sp>
+      <p:pic>
+        <p:nvPicPr>
+          <p:cNvPr id="7" name="Picture 6">
+            <a:extLst>
+              <a:ext uri="{FF2B5EF4-FFF2-40B4-BE49-F238E27FC236}">
+                <a16:creationId xmlns:a16="http://schemas.microsoft.com/office/drawing/2014/main" id="{7B02326B-F816-45DF-9D22-62108AC5BFF3}"/>
+              </a:ext>
+            </a:extLst>
+          </p:cNvPr>
+          <p:cNvPicPr>
+            <a:picLocks noChangeAspect="1"/>
+          </p:cNvPicPr>
+          <p:nvPr/>
+        </p:nvPicPr>
+        <p:blipFill>
+          <a:blip r:embed="rId2"/>
+          <a:stretch>
+            <a:fillRect/>
+          </a:stretch>
+        </p:blipFill>
+        <p:spPr>
+          <a:xfrm>
+            <a:off x="4787757" y="3719245"/>
+            <a:ext cx="6826160" cy="1499840"/>
+          </a:xfrm>
+          <a:prstGeom prst="rect">
+            <a:avLst/>
+          </a:prstGeom>
+        </p:spPr>
+      </p:pic>
     </p:spTree>
     <p:extLst>
       <p:ext uri="{BB962C8B-B14F-4D97-AF65-F5344CB8AC3E}">
@@ -5380,6 +7198,51 @@
                       </p:childTnLst>
                     </p:cTn>
                   </p:par>
+                  <p:par>
+                    <p:cTn id="19" fill="hold">
+                      <p:stCondLst>
+                        <p:cond delay="indefinite"/>
+                      </p:stCondLst>
+                      <p:childTnLst>
+                        <p:par>
+                          <p:cTn id="20" fill="hold">
+                            <p:stCondLst>
+                              <p:cond delay="0"/>
+                            </p:stCondLst>
+                            <p:childTnLst>
+                              <p:par>
+                                <p:cTn id="21" presetID="1" presetClass="entr" presetSubtype="0" fill="hold" nodeType="clickEffect">
+                                  <p:stCondLst>
+                                    <p:cond delay="0"/>
+                                  </p:stCondLst>
+                                  <p:childTnLst>
+                                    <p:set>
+                                      <p:cBhvr>
+                                        <p:cTn id="22" dur="1" fill="hold">
+                                          <p:stCondLst>
+                                            <p:cond delay="0"/>
+                                          </p:stCondLst>
+                                        </p:cTn>
+                                        <p:tgtEl>
+                                          <p:spTgt spid="7"/>
+                                        </p:tgtEl>
+                                        <p:attrNameLst>
+                                          <p:attrName>style.visibility</p:attrName>
+                                        </p:attrNameLst>
+                                      </p:cBhvr>
+                                      <p:to>
+                                        <p:strVal val="visible"/>
+                                      </p:to>
+                                    </p:set>
+                                  </p:childTnLst>
+                                </p:cTn>
+                              </p:par>
+                            </p:childTnLst>
+                          </p:cTn>
+                        </p:par>
+                      </p:childTnLst>
+                    </p:cTn>
+                  </p:par>
                 </p:childTnLst>
               </p:cTn>
               <p:prevCondLst>
@@ -5411,6 +7274,14 @@
 <file path=ppt/slides/slide7.xml><?xml version="1.0" encoding="utf-8"?>
 <p:sld xmlns:a="http://schemas.openxmlformats.org/drawingml/2006/main" xmlns:r="http://schemas.openxmlformats.org/officeDocument/2006/relationships" xmlns:p="http://schemas.openxmlformats.org/presentationml/2006/main">
   <p:cSld>
+    <p:bg>
+      <p:bgPr>
+        <a:solidFill>
+          <a:schemeClr val="bg1"/>
+        </a:solidFill>
+        <a:effectLst/>
+      </p:bgPr>
+    </p:bg>
     <p:spTree>
       <p:nvGrpSpPr>
         <p:cNvPr id="1" name=""/>
@@ -5425,102 +7296,687 @@
           <a:chExt cx="0" cy="0"/>
         </a:xfrm>
       </p:grpSpPr>
-      <p:sp>
-        <p:nvSpPr>
-          <p:cNvPr id="3" name="Content Placeholder 2">
-            <a:extLst>
-              <a:ext uri="{FF2B5EF4-FFF2-40B4-BE49-F238E27FC236}">
-                <a16:creationId xmlns:a16="http://schemas.microsoft.com/office/drawing/2014/main" id="{90551C99-9998-44AA-899A-3E9D47A8AD18}"/>
-              </a:ext>
-            </a:extLst>
-          </p:cNvPr>
-          <p:cNvSpPr>
-            <a:spLocks noGrp="1"/>
-          </p:cNvSpPr>
-          <p:nvPr>
-            <p:ph idx="1"/>
+      <p:sp useBgFill="1">
+        <p:nvSpPr>
+          <p:cNvPr id="8" name="Rectangle 7">
+            <a:extLst>
+              <a:ext uri="{FF2B5EF4-FFF2-40B4-BE49-F238E27FC236}">
+                <a16:creationId xmlns:a16="http://schemas.microsoft.com/office/drawing/2014/main" id="{09588DA8-065E-4F6F-8EFD-43104AB2E0CF}"/>
+              </a:ext>
+              <a:ext uri="{C183D7F6-B498-43B3-948B-1728B52AA6E4}">
+                <adec:decorative xmlns:adec="http://schemas.microsoft.com/office/drawing/2017/decorative" val="1"/>
+              </a:ext>
+            </a:extLst>
+          </p:cNvPr>
+          <p:cNvSpPr>
+            <a:spLocks noGrp="1" noRot="1" noChangeAspect="1" noMove="1" noResize="1" noEditPoints="1" noAdjustHandles="1" noChangeArrowheads="1" noChangeShapeType="1" noTextEdit="1"/>
+          </p:cNvSpPr>
+          <p:nvPr>
+            <p:extLst>
+              <p:ext uri="{386F3935-93C4-4BCD-93E2-E3B085C9AB24}">
+                <p16:designElem xmlns:p16="http://schemas.microsoft.com/office/powerpoint/2015/main" val="1"/>
+              </p:ext>
+            </p:extLst>
           </p:nvPr>
         </p:nvSpPr>
         <p:spPr>
           <a:xfrm>
-            <a:off x="601895" y="900951"/>
-            <a:ext cx="10515600" cy="4351338"/>
+            <a:off x="0" y="0"/>
+            <a:ext cx="12192000" cy="6858000"/>
+          </a:xfrm>
+          <a:prstGeom prst="rect">
+            <a:avLst/>
+          </a:prstGeom>
+          <a:ln w="12700" cap="flat" cmpd="sng" algn="ctr">
+            <a:noFill/>
+            <a:prstDash val="solid"/>
+            <a:miter lim="800000"/>
+          </a:ln>
+          <a:effectLst/>
+          <a:extLst>
+            <a:ext uri="{91240B29-F687-4F45-9708-019B960494DF}">
+              <a14:hiddenLine xmlns:a14="http://schemas.microsoft.com/office/drawing/2010/main" w="12700" cap="flat" cmpd="sng" algn="ctr">
+                <a:solidFill>
+                  <a:schemeClr val="accent1">
+                    <a:shade val="50000"/>
+                  </a:schemeClr>
+                </a:solidFill>
+                <a:prstDash val="solid"/>
+                <a:miter lim="800000"/>
+              </a14:hiddenLine>
+            </a:ext>
+          </a:extLst>
+        </p:spPr>
+        <p:style>
+          <a:lnRef idx="2">
+            <a:schemeClr val="accent1">
+              <a:shade val="50000"/>
+            </a:schemeClr>
+          </a:lnRef>
+          <a:fillRef idx="1">
+            <a:schemeClr val="accent1"/>
+          </a:fillRef>
+          <a:effectRef idx="0">
+            <a:schemeClr val="accent1"/>
+          </a:effectRef>
+          <a:fontRef idx="minor">
+            <a:schemeClr val="lt1"/>
+          </a:fontRef>
+        </p:style>
+        <p:txBody>
+          <a:bodyPr rtlCol="0" anchor="ctr"/>
+          <a:lstStyle/>
+          <a:p>
+            <a:pPr algn="ctr"/>
+            <a:endParaRPr lang="en-US"/>
+          </a:p>
+        </p:txBody>
+      </p:sp>
+      <p:sp useBgFill="1">
+        <p:nvSpPr>
+          <p:cNvPr id="10" name="Rectangle 9">
+            <a:extLst>
+              <a:ext uri="{FF2B5EF4-FFF2-40B4-BE49-F238E27FC236}">
+                <a16:creationId xmlns:a16="http://schemas.microsoft.com/office/drawing/2014/main" id="{C4285719-470E-454C-AF62-8323075F1F5B}"/>
+              </a:ext>
+              <a:ext uri="{C183D7F6-B498-43B3-948B-1728B52AA6E4}">
+                <adec:decorative xmlns:adec="http://schemas.microsoft.com/office/drawing/2017/decorative" val="1"/>
+              </a:ext>
+            </a:extLst>
+          </p:cNvPr>
+          <p:cNvSpPr>
+            <a:spLocks noGrp="1" noRot="1" noChangeAspect="1" noMove="1" noResize="1" noEditPoints="1" noAdjustHandles="1" noChangeArrowheads="1" noChangeShapeType="1" noTextEdit="1"/>
+          </p:cNvSpPr>
+          <p:nvPr>
+            <p:extLst>
+              <p:ext uri="{386F3935-93C4-4BCD-93E2-E3B085C9AB24}">
+                <p16:designElem xmlns:p16="http://schemas.microsoft.com/office/powerpoint/2015/main" val="1"/>
+              </p:ext>
+            </p:extLst>
+          </p:nvPr>
+        </p:nvSpPr>
+        <p:spPr>
+          <a:xfrm>
+            <a:off x="0" y="0"/>
+            <a:ext cx="12188952" cy="6858000"/>
+          </a:xfrm>
+          <a:prstGeom prst="rect">
+            <a:avLst/>
+          </a:prstGeom>
+          <a:ln w="12700" cap="flat" cmpd="sng" algn="ctr">
+            <a:noFill/>
+            <a:prstDash val="solid"/>
+            <a:miter lim="800000"/>
+          </a:ln>
+          <a:effectLst/>
+          <a:extLst>
+            <a:ext uri="{91240B29-F687-4F45-9708-019B960494DF}">
+              <a14:hiddenLine xmlns:a14="http://schemas.microsoft.com/office/drawing/2010/main" w="12700" cap="flat" cmpd="sng" algn="ctr">
+                <a:solidFill>
+                  <a:schemeClr val="accent1">
+                    <a:shade val="50000"/>
+                  </a:schemeClr>
+                </a:solidFill>
+                <a:prstDash val="solid"/>
+                <a:miter lim="800000"/>
+              </a14:hiddenLine>
+            </a:ext>
+          </a:extLst>
+        </p:spPr>
+        <p:style>
+          <a:lnRef idx="2">
+            <a:schemeClr val="accent1">
+              <a:shade val="50000"/>
+            </a:schemeClr>
+          </a:lnRef>
+          <a:fillRef idx="1">
+            <a:schemeClr val="accent1"/>
+          </a:fillRef>
+          <a:effectRef idx="0">
+            <a:schemeClr val="accent1"/>
+          </a:effectRef>
+          <a:fontRef idx="minor">
+            <a:schemeClr val="lt1"/>
+          </a:fontRef>
+        </p:style>
+        <p:txBody>
+          <a:bodyPr rtlCol="0" anchor="ctr"/>
+          <a:lstStyle/>
+          <a:p>
+            <a:pPr algn="ctr"/>
+            <a:endParaRPr lang="en-US"/>
+          </a:p>
+        </p:txBody>
+      </p:sp>
+      <p:sp>
+        <p:nvSpPr>
+          <p:cNvPr id="12" name="Rectangle 11">
+            <a:extLst>
+              <a:ext uri="{FF2B5EF4-FFF2-40B4-BE49-F238E27FC236}">
+                <a16:creationId xmlns:a16="http://schemas.microsoft.com/office/drawing/2014/main" id="{CD9FE4EF-C4D8-49A0-B2FF-81D8DB7D8A24}"/>
+              </a:ext>
+              <a:ext uri="{C183D7F6-B498-43B3-948B-1728B52AA6E4}">
+                <adec:decorative xmlns:adec="http://schemas.microsoft.com/office/drawing/2017/decorative" val="1"/>
+              </a:ext>
+            </a:extLst>
+          </p:cNvPr>
+          <p:cNvSpPr>
+            <a:spLocks noGrp="1" noRot="1" noChangeAspect="1" noMove="1" noResize="1" noEditPoints="1" noAdjustHandles="1" noChangeArrowheads="1" noChangeShapeType="1" noTextEdit="1"/>
+          </p:cNvSpPr>
+          <p:nvPr>
+            <p:extLst>
+              <p:ext uri="{386F3935-93C4-4BCD-93E2-E3B085C9AB24}">
+                <p16:designElem xmlns:p16="http://schemas.microsoft.com/office/powerpoint/2015/main" val="1"/>
+              </p:ext>
+            </p:extLst>
+          </p:nvPr>
+        </p:nvSpPr>
+        <p:spPr>
+          <a:xfrm rot="5400000" flipH="1">
+            <a:off x="-1410084" y="1410082"/>
+            <a:ext cx="6858000" cy="4037836"/>
+          </a:xfrm>
+          <a:prstGeom prst="rect">
+            <a:avLst/>
+          </a:prstGeom>
+          <a:gradFill>
+            <a:gsLst>
+              <a:gs pos="8000">
+                <a:srgbClr val="000000"/>
+              </a:gs>
+              <a:gs pos="100000">
+                <a:schemeClr val="accent1">
+                  <a:lumMod val="75000"/>
+                </a:schemeClr>
+              </a:gs>
+            </a:gsLst>
+            <a:lin ang="3000000" scaled="0"/>
+          </a:gradFill>
+          <a:ln>
+            <a:noFill/>
+          </a:ln>
+        </p:spPr>
+        <p:style>
+          <a:lnRef idx="2">
+            <a:schemeClr val="accent1">
+              <a:shade val="50000"/>
+            </a:schemeClr>
+          </a:lnRef>
+          <a:fillRef idx="1">
+            <a:schemeClr val="accent1"/>
+          </a:fillRef>
+          <a:effectRef idx="0">
+            <a:schemeClr val="accent1"/>
+          </a:effectRef>
+          <a:fontRef idx="minor">
+            <a:schemeClr val="lt1"/>
+          </a:fontRef>
+        </p:style>
+        <p:txBody>
+          <a:bodyPr rtlCol="0" anchor="ctr"/>
+          <a:lstStyle/>
+          <a:p>
+            <a:pPr algn="ctr"/>
+            <a:endParaRPr lang="en-US"/>
+          </a:p>
+        </p:txBody>
+      </p:sp>
+      <p:sp>
+        <p:nvSpPr>
+          <p:cNvPr id="14" name="Rectangle 13">
+            <a:extLst>
+              <a:ext uri="{FF2B5EF4-FFF2-40B4-BE49-F238E27FC236}">
+                <a16:creationId xmlns:a16="http://schemas.microsoft.com/office/drawing/2014/main" id="{4300840D-0A0B-4512-BACA-B439D5B9C57C}"/>
+              </a:ext>
+              <a:ext uri="{C183D7F6-B498-43B3-948B-1728B52AA6E4}">
+                <adec:decorative xmlns:adec="http://schemas.microsoft.com/office/drawing/2017/decorative" val="1"/>
+              </a:ext>
+            </a:extLst>
+          </p:cNvPr>
+          <p:cNvSpPr>
+            <a:spLocks noGrp="1" noRot="1" noChangeAspect="1" noMove="1" noResize="1" noEditPoints="1" noAdjustHandles="1" noChangeArrowheads="1" noChangeShapeType="1" noTextEdit="1"/>
+          </p:cNvSpPr>
+          <p:nvPr>
+            <p:extLst>
+              <p:ext uri="{386F3935-93C4-4BCD-93E2-E3B085C9AB24}">
+                <p16:designElem xmlns:p16="http://schemas.microsoft.com/office/powerpoint/2015/main" val="1"/>
+              </p:ext>
+            </p:extLst>
+          </p:nvPr>
+        </p:nvSpPr>
+        <p:spPr>
+          <a:xfrm rot="5400000" flipH="1">
+            <a:off x="-1410085" y="1420219"/>
+            <a:ext cx="6857999" cy="4037839"/>
+          </a:xfrm>
+          <a:prstGeom prst="rect">
+            <a:avLst/>
+          </a:prstGeom>
+          <a:gradFill>
+            <a:gsLst>
+              <a:gs pos="0">
+                <a:srgbClr val="000000">
+                  <a:alpha val="0"/>
+                </a:srgbClr>
+              </a:gs>
+              <a:gs pos="99000">
+                <a:schemeClr val="accent1">
+                  <a:alpha val="46000"/>
+                </a:schemeClr>
+              </a:gs>
+            </a:gsLst>
+            <a:lin ang="1800000" scaled="0"/>
+          </a:gradFill>
+          <a:ln>
+            <a:noFill/>
+          </a:ln>
+        </p:spPr>
+        <p:style>
+          <a:lnRef idx="2">
+            <a:schemeClr val="accent1">
+              <a:shade val="50000"/>
+            </a:schemeClr>
+          </a:lnRef>
+          <a:fillRef idx="1">
+            <a:schemeClr val="accent1"/>
+          </a:fillRef>
+          <a:effectRef idx="0">
+            <a:schemeClr val="accent1"/>
+          </a:effectRef>
+          <a:fontRef idx="minor">
+            <a:schemeClr val="lt1"/>
+          </a:fontRef>
+        </p:style>
+        <p:txBody>
+          <a:bodyPr rtlCol="0" anchor="ctr"/>
+          <a:lstStyle/>
+          <a:p>
+            <a:pPr algn="ctr"/>
+            <a:endParaRPr lang="en-US"/>
+          </a:p>
+        </p:txBody>
+      </p:sp>
+      <p:sp>
+        <p:nvSpPr>
+          <p:cNvPr id="16" name="Rectangle 15">
+            <a:extLst>
+              <a:ext uri="{FF2B5EF4-FFF2-40B4-BE49-F238E27FC236}">
+                <a16:creationId xmlns:a16="http://schemas.microsoft.com/office/drawing/2014/main" id="{D2B78728-A580-49A7-84F9-6EF6F583ADE0}"/>
+              </a:ext>
+              <a:ext uri="{C183D7F6-B498-43B3-948B-1728B52AA6E4}">
+                <adec:decorative xmlns:adec="http://schemas.microsoft.com/office/drawing/2017/decorative" val="1"/>
+              </a:ext>
+            </a:extLst>
+          </p:cNvPr>
+          <p:cNvSpPr>
+            <a:spLocks noGrp="1" noRot="1" noChangeAspect="1" noMove="1" noResize="1" noEditPoints="1" noAdjustHandles="1" noChangeArrowheads="1" noChangeShapeType="1" noTextEdit="1"/>
+          </p:cNvSpPr>
+          <p:nvPr>
+            <p:extLst>
+              <p:ext uri="{386F3935-93C4-4BCD-93E2-E3B085C9AB24}">
+                <p16:designElem xmlns:p16="http://schemas.microsoft.com/office/powerpoint/2015/main" val="1"/>
+              </p:ext>
+            </p:extLst>
+          </p:nvPr>
+        </p:nvSpPr>
+        <p:spPr>
+          <a:xfrm rot="5400000" flipH="1">
+            <a:off x="767923" y="3588085"/>
+            <a:ext cx="2501979" cy="4037841"/>
+          </a:xfrm>
+          <a:prstGeom prst="rect">
+            <a:avLst/>
+          </a:prstGeom>
+          <a:gradFill>
+            <a:gsLst>
+              <a:gs pos="2000">
+                <a:schemeClr val="accent1">
+                  <a:alpha val="29000"/>
+                </a:schemeClr>
+              </a:gs>
+              <a:gs pos="100000">
+                <a:srgbClr val="000000">
+                  <a:alpha val="30000"/>
+                </a:srgbClr>
+              </a:gs>
+            </a:gsLst>
+            <a:lin ang="7800000" scaled="0"/>
+          </a:gradFill>
+          <a:ln>
+            <a:noFill/>
+          </a:ln>
+        </p:spPr>
+        <p:style>
+          <a:lnRef idx="2">
+            <a:schemeClr val="accent1">
+              <a:shade val="50000"/>
+            </a:schemeClr>
+          </a:lnRef>
+          <a:fillRef idx="1">
+            <a:schemeClr val="accent1"/>
+          </a:fillRef>
+          <a:effectRef idx="0">
+            <a:schemeClr val="accent1"/>
+          </a:effectRef>
+          <a:fontRef idx="minor">
+            <a:schemeClr val="lt1"/>
+          </a:fontRef>
+        </p:style>
+        <p:txBody>
+          <a:bodyPr rtlCol="0" anchor="ctr"/>
+          <a:lstStyle/>
+          <a:p>
+            <a:pPr algn="ctr"/>
+            <a:endParaRPr lang="en-US" dirty="0"/>
+          </a:p>
+        </p:txBody>
+      </p:sp>
+      <p:sp>
+        <p:nvSpPr>
+          <p:cNvPr id="18" name="Freeform: Shape 17">
+            <a:extLst>
+              <a:ext uri="{FF2B5EF4-FFF2-40B4-BE49-F238E27FC236}">
+                <a16:creationId xmlns:a16="http://schemas.microsoft.com/office/drawing/2014/main" id="{38FAA1A1-D861-433F-88FA-1E9D6FD31D11}"/>
+              </a:ext>
+              <a:ext uri="{C183D7F6-B498-43B3-948B-1728B52AA6E4}">
+                <adec:decorative xmlns:adec="http://schemas.microsoft.com/office/drawing/2017/decorative" val="1"/>
+              </a:ext>
+            </a:extLst>
+          </p:cNvPr>
+          <p:cNvSpPr>
+            <a:spLocks noGrp="1" noRot="1" noChangeAspect="1" noMove="1" noResize="1" noEditPoints="1" noAdjustHandles="1" noChangeArrowheads="1" noChangeShapeType="1" noTextEdit="1"/>
+          </p:cNvSpPr>
+          <p:nvPr>
+            <p:extLst>
+              <p:ext uri="{386F3935-93C4-4BCD-93E2-E3B085C9AB24}">
+                <p16:designElem xmlns:p16="http://schemas.microsoft.com/office/powerpoint/2015/main" val="1"/>
+              </p:ext>
+            </p:extLst>
+          </p:nvPr>
+        </p:nvSpPr>
+        <p:spPr>
+          <a:xfrm rot="20635413">
+            <a:off x="-501737" y="969718"/>
+            <a:ext cx="3900357" cy="4178958"/>
+          </a:xfrm>
+          <a:custGeom>
+            <a:avLst/>
+            <a:gdLst>
+              <a:gd name="connsiteX0" fmla="*/ 2432225 w 3900357"/>
+              <a:gd name="connsiteY0" fmla="*/ 93939 h 4178958"/>
+              <a:gd name="connsiteX1" fmla="*/ 3900357 w 3900357"/>
+              <a:gd name="connsiteY1" fmla="*/ 2089479 h 4178958"/>
+              <a:gd name="connsiteX2" fmla="*/ 1810878 w 3900357"/>
+              <a:gd name="connsiteY2" fmla="*/ 4178958 h 4178958"/>
+              <a:gd name="connsiteX3" fmla="*/ 78249 w 3900357"/>
+              <a:gd name="connsiteY3" fmla="*/ 3257727 h 4178958"/>
+              <a:gd name="connsiteX4" fmla="*/ 0 w 3900357"/>
+              <a:gd name="connsiteY4" fmla="*/ 3128923 h 4178958"/>
+              <a:gd name="connsiteX5" fmla="*/ 831324 w 3900357"/>
+              <a:gd name="connsiteY5" fmla="*/ 244281 h 4178958"/>
+              <a:gd name="connsiteX6" fmla="*/ 997559 w 3900357"/>
+              <a:gd name="connsiteY6" fmla="*/ 164202 h 4178958"/>
+              <a:gd name="connsiteX7" fmla="*/ 1810878 w 3900357"/>
+              <a:gd name="connsiteY7" fmla="*/ 0 h 4178958"/>
+              <a:gd name="connsiteX8" fmla="*/ 2432225 w 3900357"/>
+              <a:gd name="connsiteY8" fmla="*/ 93939 h 4178958"/>
+            </a:gdLst>
+            <a:ahLst/>
+            <a:cxnLst>
+              <a:cxn ang="0">
+                <a:pos x="connsiteX0" y="connsiteY0"/>
+              </a:cxn>
+              <a:cxn ang="0">
+                <a:pos x="connsiteX1" y="connsiteY1"/>
+              </a:cxn>
+              <a:cxn ang="0">
+                <a:pos x="connsiteX2" y="connsiteY2"/>
+              </a:cxn>
+              <a:cxn ang="0">
+                <a:pos x="connsiteX3" y="connsiteY3"/>
+              </a:cxn>
+              <a:cxn ang="0">
+                <a:pos x="connsiteX4" y="connsiteY4"/>
+              </a:cxn>
+              <a:cxn ang="0">
+                <a:pos x="connsiteX5" y="connsiteY5"/>
+              </a:cxn>
+              <a:cxn ang="0">
+                <a:pos x="connsiteX6" y="connsiteY6"/>
+              </a:cxn>
+              <a:cxn ang="0">
+                <a:pos x="connsiteX7" y="connsiteY7"/>
+              </a:cxn>
+              <a:cxn ang="0">
+                <a:pos x="connsiteX8" y="connsiteY8"/>
+              </a:cxn>
+            </a:cxnLst>
+            <a:rect l="l" t="t" r="r" b="b"/>
+            <a:pathLst>
+              <a:path w="3900357" h="4178958">
+                <a:moveTo>
+                  <a:pt x="2432225" y="93939"/>
+                </a:moveTo>
+                <a:cubicBezTo>
+                  <a:pt x="3282786" y="358491"/>
+                  <a:pt x="3900357" y="1151865"/>
+                  <a:pt x="3900357" y="2089479"/>
+                </a:cubicBezTo>
+                <a:cubicBezTo>
+                  <a:pt x="3900357" y="3243466"/>
+                  <a:pt x="2964865" y="4178958"/>
+                  <a:pt x="1810878" y="4178958"/>
+                </a:cubicBezTo>
+                <a:cubicBezTo>
+                  <a:pt x="1089636" y="4178958"/>
+                  <a:pt x="453744" y="3813531"/>
+                  <a:pt x="78249" y="3257727"/>
+                </a:cubicBezTo>
+                <a:lnTo>
+                  <a:pt x="0" y="3128923"/>
+                </a:lnTo>
+                <a:lnTo>
+                  <a:pt x="831324" y="244281"/>
+                </a:lnTo>
+                <a:lnTo>
+                  <a:pt x="997559" y="164202"/>
+                </a:lnTo>
+                <a:cubicBezTo>
+                  <a:pt x="1247540" y="58468"/>
+                  <a:pt x="1522381" y="0"/>
+                  <a:pt x="1810878" y="0"/>
+                </a:cubicBezTo>
+                <a:cubicBezTo>
+                  <a:pt x="2027251" y="0"/>
+                  <a:pt x="2235942" y="32888"/>
+                  <a:pt x="2432225" y="93939"/>
+                </a:cubicBezTo>
+                <a:close/>
+              </a:path>
+            </a:pathLst>
+          </a:custGeom>
+          <a:gradFill>
+            <a:gsLst>
+              <a:gs pos="29000">
+                <a:srgbClr val="000000">
+                  <a:alpha val="0"/>
+                </a:srgbClr>
+              </a:gs>
+              <a:gs pos="100000">
+                <a:schemeClr val="accent1">
+                  <a:alpha val="43000"/>
+                </a:schemeClr>
+              </a:gs>
+            </a:gsLst>
+            <a:lin ang="1800000" scaled="0"/>
+          </a:gradFill>
+          <a:ln>
+            <a:noFill/>
+          </a:ln>
+        </p:spPr>
+        <p:style>
+          <a:lnRef idx="2">
+            <a:schemeClr val="accent1">
+              <a:shade val="50000"/>
+            </a:schemeClr>
+          </a:lnRef>
+          <a:fillRef idx="1">
+            <a:schemeClr val="accent1"/>
+          </a:fillRef>
+          <a:effectRef idx="0">
+            <a:schemeClr val="accent1"/>
+          </a:effectRef>
+          <a:fontRef idx="minor">
+            <a:schemeClr val="lt1"/>
+          </a:fontRef>
+        </p:style>
+        <p:txBody>
+          <a:bodyPr wrap="square" rtlCol="0" anchor="ctr">
+            <a:noAutofit/>
+          </a:bodyPr>
+          <a:lstStyle/>
+          <a:p>
+            <a:pPr algn="ctr"/>
+            <a:endParaRPr lang="en-US" dirty="0"/>
+          </a:p>
+        </p:txBody>
+      </p:sp>
+      <p:sp>
+        <p:nvSpPr>
+          <p:cNvPr id="20" name="Rectangle 19">
+            <a:extLst>
+              <a:ext uri="{FF2B5EF4-FFF2-40B4-BE49-F238E27FC236}">
+                <a16:creationId xmlns:a16="http://schemas.microsoft.com/office/drawing/2014/main" id="{8D71EDA1-87BF-4D5D-AB79-F346FD19278A}"/>
+              </a:ext>
+              <a:ext uri="{C183D7F6-B498-43B3-948B-1728B52AA6E4}">
+                <adec:decorative xmlns:adec="http://schemas.microsoft.com/office/drawing/2017/decorative" val="1"/>
+              </a:ext>
+            </a:extLst>
+          </p:cNvPr>
+          <p:cNvSpPr>
+            <a:spLocks noGrp="1" noRot="1" noChangeAspect="1" noMove="1" noResize="1" noEditPoints="1" noAdjustHandles="1" noChangeArrowheads="1" noChangeShapeType="1" noTextEdit="1"/>
+          </p:cNvSpPr>
+          <p:nvPr>
+            <p:extLst>
+              <p:ext uri="{386F3935-93C4-4BCD-93E2-E3B085C9AB24}">
+                <p16:designElem xmlns:p16="http://schemas.microsoft.com/office/powerpoint/2015/main" val="1"/>
+              </p:ext>
+            </p:extLst>
+          </p:nvPr>
+        </p:nvSpPr>
+        <p:spPr>
+          <a:xfrm rot="5400000" flipH="1">
+            <a:off x="-1410093" y="1399943"/>
+            <a:ext cx="6858003" cy="4037835"/>
+          </a:xfrm>
+          <a:prstGeom prst="rect">
+            <a:avLst/>
+          </a:prstGeom>
+          <a:gradFill>
+            <a:gsLst>
+              <a:gs pos="0">
+                <a:srgbClr val="000000">
+                  <a:alpha val="0"/>
+                </a:srgbClr>
+              </a:gs>
+              <a:gs pos="99000">
+                <a:schemeClr val="accent1">
+                  <a:lumMod val="60000"/>
+                  <a:lumOff val="40000"/>
+                  <a:alpha val="11000"/>
+                </a:schemeClr>
+              </a:gs>
+            </a:gsLst>
+            <a:lin ang="7200000" scaled="0"/>
+          </a:gradFill>
+          <a:ln>
+            <a:noFill/>
+          </a:ln>
+        </p:spPr>
+        <p:style>
+          <a:lnRef idx="2">
+            <a:schemeClr val="accent1">
+              <a:shade val="50000"/>
+            </a:schemeClr>
+          </a:lnRef>
+          <a:fillRef idx="1">
+            <a:schemeClr val="accent1"/>
+          </a:fillRef>
+          <a:effectRef idx="0">
+            <a:schemeClr val="accent1"/>
+          </a:effectRef>
+          <a:fontRef idx="minor">
+            <a:schemeClr val="lt1"/>
+          </a:fontRef>
+        </p:style>
+        <p:txBody>
+          <a:bodyPr rtlCol="0" anchor="ctr"/>
+          <a:lstStyle/>
+          <a:p>
+            <a:pPr algn="ctr"/>
+            <a:endParaRPr lang="en-US"/>
+          </a:p>
+        </p:txBody>
+      </p:sp>
+      <p:sp>
+        <p:nvSpPr>
+          <p:cNvPr id="3" name="Content Placeholder 2">
+            <a:extLst>
+              <a:ext uri="{FF2B5EF4-FFF2-40B4-BE49-F238E27FC236}">
+                <a16:creationId xmlns:a16="http://schemas.microsoft.com/office/drawing/2014/main" id="{90551C99-9998-44AA-899A-3E9D47A8AD18}"/>
+              </a:ext>
+            </a:extLst>
+          </p:cNvPr>
+          <p:cNvSpPr>
+            <a:spLocks noGrp="1"/>
+          </p:cNvSpPr>
+          <p:nvPr>
+            <p:ph idx="1"/>
+          </p:nvPr>
+        </p:nvSpPr>
+        <p:spPr>
+          <a:xfrm>
+            <a:off x="4810259" y="649480"/>
+            <a:ext cx="6555347" cy="5546047"/>
           </a:xfrm>
         </p:spPr>
         <p:txBody>
-          <a:bodyPr/>
+          <a:bodyPr anchor="ctr">
+            <a:normAutofit/>
+          </a:bodyPr>
           <a:lstStyle/>
           <a:p>
             <a:pPr marL="0" indent="0">
               <a:buNone/>
             </a:pPr>
             <a:r>
-              <a:rPr lang="en-US" sz="3200" dirty="0">
-                <a:solidFill>
-                  <a:srgbClr val="000000"/>
-                </a:solidFill>
+              <a:rPr lang="en-US" sz="2000"/>
+              <a:t>Write </a:t>
+            </a:r>
+            <a:r>
+              <a:rPr lang="en-US" sz="2000" dirty="0"/>
+              <a:t>code in one platform and execute on any platform.</a:t>
+            </a:r>
+          </a:p>
+          <a:p>
+            <a:pPr marL="0" indent="0">
+              <a:buNone/>
+            </a:pPr>
+            <a:endParaRPr lang="en-US" sz="2000" dirty="0"/>
+          </a:p>
+          <a:p>
+            <a:pPr marL="0" indent="0">
+              <a:buNone/>
+            </a:pPr>
+            <a:r>
+              <a:rPr lang="en-US" sz="2000" dirty="0">
                 <a:latin typeface="Arial" panose="020B0604020202020204" pitchFamily="34" charset="0"/>
                 <a:cs typeface="Arial" panose="020B0604020202020204" pitchFamily="34" charset="0"/>
               </a:rPr>
-              <a:t>P</a:t>
-            </a:r>
-            <a:r>
-              <a:rPr lang="en-US" sz="3200" b="0" i="0" dirty="0">
-                <a:solidFill>
-                  <a:srgbClr val="000000"/>
-                </a:solidFill>
-                <a:effectLst/>
-                <a:latin typeface="Arial" panose="020B0604020202020204" pitchFamily="34" charset="0"/>
-                <a:cs typeface="Arial" panose="020B0604020202020204" pitchFamily="34" charset="0"/>
-              </a:rPr>
-              <a:t>latform-independent</a:t>
-            </a:r>
-            <a:endParaRPr lang="en-US" sz="3200" dirty="0">
-              <a:latin typeface="Arial" panose="020B0604020202020204" pitchFamily="34" charset="0"/>
-              <a:cs typeface="Arial" panose="020B0604020202020204" pitchFamily="34" charset="0"/>
-            </a:endParaRPr>
-          </a:p>
-          <a:p>
-            <a:pPr marL="0" indent="0">
-              <a:buNone/>
-            </a:pPr>
-            <a:r>
-              <a:rPr lang="en-US" dirty="0"/>
-              <a:t>Write code in one platform and execute on any platform.</a:t>
-            </a:r>
-          </a:p>
-          <a:p>
-            <a:pPr marL="0" indent="0">
-              <a:buNone/>
-            </a:pPr>
-            <a:endParaRPr lang="en-US" dirty="0"/>
-          </a:p>
-          <a:p>
-            <a:pPr marL="0" indent="0">
-              <a:buNone/>
-            </a:pPr>
-            <a:r>
-              <a:rPr lang="en-US" sz="3200" dirty="0">
-                <a:latin typeface="Arial" panose="020B0604020202020204" pitchFamily="34" charset="0"/>
-                <a:cs typeface="Arial" panose="020B0604020202020204" pitchFamily="34" charset="0"/>
-              </a:rPr>
-              <a:t>Why Java is </a:t>
-            </a:r>
-            <a:r>
-              <a:rPr lang="en-US" sz="3200" dirty="0">
-                <a:solidFill>
-                  <a:srgbClr val="000000"/>
-                </a:solidFill>
-                <a:latin typeface="Arial" panose="020B0604020202020204" pitchFamily="34" charset="0"/>
-                <a:cs typeface="Arial" panose="020B0604020202020204" pitchFamily="34" charset="0"/>
-              </a:rPr>
-              <a:t>P</a:t>
-            </a:r>
-            <a:r>
-              <a:rPr lang="en-US" sz="3200" b="0" i="0" dirty="0">
-                <a:solidFill>
-                  <a:srgbClr val="000000"/>
-                </a:solidFill>
+              <a:t>Why Java is P</a:t>
+            </a:r>
+            <a:r>
+              <a:rPr lang="en-US" sz="2000" b="0" i="0" dirty="0">
                 <a:effectLst/>
                 <a:latin typeface="Arial" panose="020B0604020202020204" pitchFamily="34" charset="0"/>
                 <a:cs typeface="Arial" panose="020B0604020202020204" pitchFamily="34" charset="0"/>
@@ -5530,10 +7986,7 @@
           </a:p>
           <a:p>
             <a:r>
-              <a:rPr lang="en-US" dirty="0">
-                <a:solidFill>
-                  <a:srgbClr val="000000"/>
-                </a:solidFill>
+              <a:rPr lang="en-US" sz="2000" dirty="0">
                 <a:latin typeface="Arial" panose="020B0604020202020204" pitchFamily="34" charset="0"/>
                 <a:cs typeface="Arial" panose="020B0604020202020204" pitchFamily="34" charset="0"/>
               </a:rPr>
@@ -5542,10 +7995,7 @@
           </a:p>
           <a:p>
             <a:r>
-              <a:rPr lang="en-US" dirty="0">
-                <a:solidFill>
-                  <a:srgbClr val="000000"/>
-                </a:solidFill>
+              <a:rPr lang="en-US" sz="2000" dirty="0">
                 <a:latin typeface="Arial" panose="020B0604020202020204" pitchFamily="34" charset="0"/>
                 <a:cs typeface="Arial" panose="020B0604020202020204" pitchFamily="34" charset="0"/>
               </a:rPr>
@@ -5554,10 +8004,7 @@
           </a:p>
           <a:p>
             <a:r>
-              <a:rPr lang="en-US" dirty="0">
-                <a:solidFill>
-                  <a:srgbClr val="000000"/>
-                </a:solidFill>
+              <a:rPr lang="en-US" sz="2000" dirty="0">
                 <a:latin typeface="Arial" panose="020B0604020202020204" pitchFamily="34" charset="0"/>
                 <a:cs typeface="Arial" panose="020B0604020202020204" pitchFamily="34" charset="0"/>
               </a:rPr>
@@ -5566,10 +8013,7 @@
           </a:p>
           <a:p>
             <a:r>
-              <a:rPr lang="en-US" dirty="0">
-                <a:solidFill>
-                  <a:srgbClr val="000000"/>
-                </a:solidFill>
+              <a:rPr lang="en-US" sz="2000" dirty="0">
                 <a:latin typeface="Arial" panose="020B0604020202020204" pitchFamily="34" charset="0"/>
                 <a:cs typeface="Arial" panose="020B0604020202020204" pitchFamily="34" charset="0"/>
               </a:rPr>
@@ -5580,7 +8024,7 @@
             <a:pPr marL="0" indent="0">
               <a:buNone/>
             </a:pPr>
-            <a:endParaRPr lang="en-US" sz="3200" dirty="0">
+            <a:endParaRPr lang="en-US" sz="2000" dirty="0">
               <a:latin typeface="Arial" panose="020B0604020202020204" pitchFamily="34" charset="0"/>
               <a:cs typeface="Arial" panose="020B0604020202020204" pitchFamily="34" charset="0"/>
             </a:endParaRPr>
@@ -5589,13 +8033,63 @@
             <a:pPr marL="0" indent="0">
               <a:buNone/>
             </a:pPr>
-            <a:endParaRPr lang="en-US" dirty="0"/>
-          </a:p>
-          <a:p>
-            <a:endParaRPr lang="en-US" dirty="0"/>
-          </a:p>
-          <a:p>
-            <a:endParaRPr lang="en-US" dirty="0"/>
+            <a:endParaRPr lang="en-US" sz="2000" dirty="0"/>
+          </a:p>
+          <a:p>
+            <a:endParaRPr lang="en-US" sz="2000" dirty="0"/>
+          </a:p>
+          <a:p>
+            <a:endParaRPr lang="en-US" sz="2000" dirty="0"/>
+          </a:p>
+        </p:txBody>
+      </p:sp>
+      <p:sp>
+        <p:nvSpPr>
+          <p:cNvPr id="11" name="TextBox 10">
+            <a:extLst>
+              <a:ext uri="{FF2B5EF4-FFF2-40B4-BE49-F238E27FC236}">
+                <a16:creationId xmlns:a16="http://schemas.microsoft.com/office/drawing/2014/main" id="{554F8C13-0E6E-4E7F-ABD6-49BDD12C2DF9}"/>
+              </a:ext>
+            </a:extLst>
+          </p:cNvPr>
+          <p:cNvSpPr txBox="1"/>
+          <p:nvPr/>
+        </p:nvSpPr>
+        <p:spPr>
+          <a:xfrm>
+            <a:off x="826393" y="2258351"/>
+            <a:ext cx="3074579" cy="1200329"/>
+          </a:xfrm>
+          <a:prstGeom prst="rect">
+            <a:avLst/>
+          </a:prstGeom>
+          <a:noFill/>
+        </p:spPr>
+        <p:txBody>
+          <a:bodyPr wrap="square">
+            <a:spAutoFit/>
+          </a:bodyPr>
+          <a:lstStyle/>
+          <a:p>
+            <a:pPr marL="0" indent="0" algn="r">
+              <a:lnSpc>
+                <a:spcPct val="90000"/>
+              </a:lnSpc>
+              <a:spcBef>
+                <a:spcPct val="0"/>
+              </a:spcBef>
+            </a:pPr>
+            <a:r>
+              <a:rPr lang="en-US" sz="4000" dirty="0">
+                <a:solidFill>
+                  <a:srgbClr val="FFFFFF"/>
+                </a:solidFill>
+                <a:latin typeface="urw-din"/>
+                <a:ea typeface="+mj-ea"/>
+                <a:cs typeface="+mj-cs"/>
+              </a:rPr>
+              <a:t>Platform-independent</a:t>
+            </a:r>
           </a:p>
         </p:txBody>
       </p:sp>
@@ -5694,7 +8188,7 @@
                                         <p:tgtEl>
                                           <p:spTgt spid="3">
                                             <p:txEl>
-                                              <p:pRg st="1" end="1"/>
+                                              <p:pRg st="2" end="2"/>
                                             </p:txEl>
                                           </p:spTgt>
                                         </p:tgtEl>
@@ -5758,26 +8252,39 @@
                                   </p:childTnLst>
                                 </p:cTn>
                               </p:par>
-                            </p:childTnLst>
-                          </p:cTn>
-                        </p:par>
-                      </p:childTnLst>
-                    </p:cTn>
-                  </p:par>
-                  <p:par>
-                    <p:cTn id="15" fill="hold">
-                      <p:stCondLst>
-                        <p:cond delay="indefinite"/>
-                      </p:stCondLst>
-                      <p:childTnLst>
-                        <p:par>
-                          <p:cTn id="16" fill="hold">
-                            <p:stCondLst>
-                              <p:cond delay="0"/>
-                            </p:stCondLst>
-                            <p:childTnLst>
                               <p:par>
-                                <p:cTn id="17" presetID="1" presetClass="entr" presetSubtype="0" fill="hold" nodeType="clickEffect">
+                                <p:cTn id="15" presetID="1" presetClass="entr" presetSubtype="0" fill="hold" nodeType="withEffect">
+                                  <p:stCondLst>
+                                    <p:cond delay="0"/>
+                                  </p:stCondLst>
+                                  <p:childTnLst>
+                                    <p:set>
+                                      <p:cBhvr>
+                                        <p:cTn id="16" dur="1" fill="hold">
+                                          <p:stCondLst>
+                                            <p:cond delay="0"/>
+                                          </p:stCondLst>
+                                        </p:cTn>
+                                        <p:tgtEl>
+                                          <p:spTgt spid="3">
+                                            <p:txEl>
+                                              <p:pRg st="4" end="4"/>
+                                            </p:txEl>
+                                          </p:spTgt>
+                                        </p:tgtEl>
+                                        <p:attrNameLst>
+                                          <p:attrName>style.visibility</p:attrName>
+                                        </p:attrNameLst>
+                                      </p:cBhvr>
+                                      <p:to>
+                                        <p:strVal val="visible"/>
+                                      </p:to>
+                                    </p:set>
+                                  </p:childTnLst>
+                                </p:cTn>
+                              </p:par>
+                              <p:par>
+                                <p:cTn id="17" presetID="1" presetClass="entr" presetSubtype="0" fill="hold" nodeType="withEffect">
                                   <p:stCondLst>
                                     <p:cond delay="0"/>
                                   </p:stCondLst>
@@ -5792,7 +8299,7 @@
                                         <p:tgtEl>
                                           <p:spTgt spid="3">
                                             <p:txEl>
-                                              <p:pRg st="4" end="4"/>
+                                              <p:pRg st="5" end="5"/>
                                             </p:txEl>
                                           </p:spTgt>
                                         </p:tgtEl>
@@ -5823,69 +8330,7 @@
                                         <p:tgtEl>
                                           <p:spTgt spid="3">
                                             <p:txEl>
-                                              <p:pRg st="5" end="5"/>
-                                            </p:txEl>
-                                          </p:spTgt>
-                                        </p:tgtEl>
-                                        <p:attrNameLst>
-                                          <p:attrName>style.visibility</p:attrName>
-                                        </p:attrNameLst>
-                                      </p:cBhvr>
-                                      <p:to>
-                                        <p:strVal val="visible"/>
-                                      </p:to>
-                                    </p:set>
-                                  </p:childTnLst>
-                                </p:cTn>
-                              </p:par>
-                              <p:par>
-                                <p:cTn id="21" presetID="1" presetClass="entr" presetSubtype="0" fill="hold" nodeType="withEffect">
-                                  <p:stCondLst>
-                                    <p:cond delay="0"/>
-                                  </p:stCondLst>
-                                  <p:childTnLst>
-                                    <p:set>
-                                      <p:cBhvr>
-                                        <p:cTn id="22" dur="1" fill="hold">
-                                          <p:stCondLst>
-                                            <p:cond delay="0"/>
-                                          </p:stCondLst>
-                                        </p:cTn>
-                                        <p:tgtEl>
-                                          <p:spTgt spid="3">
-                                            <p:txEl>
                                               <p:pRg st="6" end="6"/>
-                                            </p:txEl>
-                                          </p:spTgt>
-                                        </p:tgtEl>
-                                        <p:attrNameLst>
-                                          <p:attrName>style.visibility</p:attrName>
-                                        </p:attrNameLst>
-                                      </p:cBhvr>
-                                      <p:to>
-                                        <p:strVal val="visible"/>
-                                      </p:to>
-                                    </p:set>
-                                  </p:childTnLst>
-                                </p:cTn>
-                              </p:par>
-                              <p:par>
-                                <p:cTn id="23" presetID="1" presetClass="entr" presetSubtype="0" fill="hold" nodeType="withEffect">
-                                  <p:stCondLst>
-                                    <p:cond delay="0"/>
-                                  </p:stCondLst>
-                                  <p:childTnLst>
-                                    <p:set>
-                                      <p:cBhvr>
-                                        <p:cTn id="24" dur="1" fill="hold">
-                                          <p:stCondLst>
-                                            <p:cond delay="0"/>
-                                          </p:stCondLst>
-                                        </p:cTn>
-                                        <p:tgtEl>
-                                          <p:spTgt spid="3">
-                                            <p:txEl>
-                                              <p:pRg st="7" end="7"/>
                                             </p:txEl>
                                           </p:spTgt>
                                         </p:tgtEl>

--- a/1.Java Execution/Java Execution.pptx
+++ b/1.Java Execution/Java Execution.pptx
@@ -6,12 +6,13 @@
   </p:sldMasterIdLst>
   <p:sldIdLst>
     <p:sldId id="257" r:id="rId2"/>
-    <p:sldId id="260" r:id="rId3"/>
-    <p:sldId id="261" r:id="rId4"/>
-    <p:sldId id="259" r:id="rId5"/>
-    <p:sldId id="262" r:id="rId6"/>
-    <p:sldId id="258" r:id="rId7"/>
-    <p:sldId id="263" r:id="rId8"/>
+    <p:sldId id="264" r:id="rId3"/>
+    <p:sldId id="265" r:id="rId4"/>
+    <p:sldId id="261" r:id="rId5"/>
+    <p:sldId id="259" r:id="rId6"/>
+    <p:sldId id="262" r:id="rId7"/>
+    <p:sldId id="258" r:id="rId8"/>
+    <p:sldId id="263" r:id="rId9"/>
   </p:sldIdLst>
   <p:sldSz cx="12192000" cy="6858000"/>
   <p:notesSz cx="6858000" cy="9144000"/>
@@ -265,7 +266,7 @@
           <a:p>
             <a:fld id="{89D73432-4D6F-43DD-A87A-F506CD3B0C63}" type="datetimeFigureOut">
               <a:rPr lang="en-US" smtClean="0"/>
-              <a:t>1/24/2023</a:t>
+              <a:t>1/25/2023</a:t>
             </a:fld>
             <a:endParaRPr lang="en-US"/>
           </a:p>
@@ -463,7 +464,7 @@
           <a:p>
             <a:fld id="{89D73432-4D6F-43DD-A87A-F506CD3B0C63}" type="datetimeFigureOut">
               <a:rPr lang="en-US" smtClean="0"/>
-              <a:t>1/24/2023</a:t>
+              <a:t>1/25/2023</a:t>
             </a:fld>
             <a:endParaRPr lang="en-US"/>
           </a:p>
@@ -671,7 +672,7 @@
           <a:p>
             <a:fld id="{89D73432-4D6F-43DD-A87A-F506CD3B0C63}" type="datetimeFigureOut">
               <a:rPr lang="en-US" smtClean="0"/>
-              <a:t>1/24/2023</a:t>
+              <a:t>1/25/2023</a:t>
             </a:fld>
             <a:endParaRPr lang="en-US"/>
           </a:p>
@@ -869,7 +870,7 @@
           <a:p>
             <a:fld id="{89D73432-4D6F-43DD-A87A-F506CD3B0C63}" type="datetimeFigureOut">
               <a:rPr lang="en-US" smtClean="0"/>
-              <a:t>1/24/2023</a:t>
+              <a:t>1/25/2023</a:t>
             </a:fld>
             <a:endParaRPr lang="en-US"/>
           </a:p>
@@ -1144,7 +1145,7 @@
           <a:p>
             <a:fld id="{89D73432-4D6F-43DD-A87A-F506CD3B0C63}" type="datetimeFigureOut">
               <a:rPr lang="en-US" smtClean="0"/>
-              <a:t>1/24/2023</a:t>
+              <a:t>1/25/2023</a:t>
             </a:fld>
             <a:endParaRPr lang="en-US"/>
           </a:p>
@@ -1409,7 +1410,7 @@
           <a:p>
             <a:fld id="{89D73432-4D6F-43DD-A87A-F506CD3B0C63}" type="datetimeFigureOut">
               <a:rPr lang="en-US" smtClean="0"/>
-              <a:t>1/24/2023</a:t>
+              <a:t>1/25/2023</a:t>
             </a:fld>
             <a:endParaRPr lang="en-US"/>
           </a:p>
@@ -1821,7 +1822,7 @@
           <a:p>
             <a:fld id="{89D73432-4D6F-43DD-A87A-F506CD3B0C63}" type="datetimeFigureOut">
               <a:rPr lang="en-US" smtClean="0"/>
-              <a:t>1/24/2023</a:t>
+              <a:t>1/25/2023</a:t>
             </a:fld>
             <a:endParaRPr lang="en-US"/>
           </a:p>
@@ -1962,7 +1963,7 @@
           <a:p>
             <a:fld id="{89D73432-4D6F-43DD-A87A-F506CD3B0C63}" type="datetimeFigureOut">
               <a:rPr lang="en-US" smtClean="0"/>
-              <a:t>1/24/2023</a:t>
+              <a:t>1/25/2023</a:t>
             </a:fld>
             <a:endParaRPr lang="en-US"/>
           </a:p>
@@ -2075,7 +2076,7 @@
           <a:p>
             <a:fld id="{89D73432-4D6F-43DD-A87A-F506CD3B0C63}" type="datetimeFigureOut">
               <a:rPr lang="en-US" smtClean="0"/>
-              <a:t>1/24/2023</a:t>
+              <a:t>1/25/2023</a:t>
             </a:fld>
             <a:endParaRPr lang="en-US"/>
           </a:p>
@@ -2386,7 +2387,7 @@
           <a:p>
             <a:fld id="{89D73432-4D6F-43DD-A87A-F506CD3B0C63}" type="datetimeFigureOut">
               <a:rPr lang="en-US" smtClean="0"/>
-              <a:t>1/24/2023</a:t>
+              <a:t>1/25/2023</a:t>
             </a:fld>
             <a:endParaRPr lang="en-US"/>
           </a:p>
@@ -2674,7 +2675,7 @@
           <a:p>
             <a:fld id="{89D73432-4D6F-43DD-A87A-F506CD3B0C63}" type="datetimeFigureOut">
               <a:rPr lang="en-US" smtClean="0"/>
-              <a:t>1/24/2023</a:t>
+              <a:t>1/25/2023</a:t>
             </a:fld>
             <a:endParaRPr lang="en-US"/>
           </a:p>
@@ -2915,7 +2916,7 @@
           <a:p>
             <a:fld id="{89D73432-4D6F-43DD-A87A-F506CD3B0C63}" type="datetimeFigureOut">
               <a:rPr lang="en-US" smtClean="0"/>
-              <a:t>1/24/2023</a:t>
+              <a:t>1/25/2023</a:t>
             </a:fld>
             <a:endParaRPr lang="en-US"/>
           </a:p>
@@ -3388,14 +3389,6 @@
 <file path=ppt/slides/slide2.xml><?xml version="1.0" encoding="utf-8"?>
 <p:sld xmlns:a="http://schemas.openxmlformats.org/drawingml/2006/main" xmlns:r="http://schemas.openxmlformats.org/officeDocument/2006/relationships" xmlns:p="http://schemas.openxmlformats.org/presentationml/2006/main">
   <p:cSld>
-    <p:bg>
-      <p:bgPr>
-        <a:solidFill>
-          <a:schemeClr val="bg1"/>
-        </a:solidFill>
-        <a:effectLst/>
-      </p:bgPr>
-    </p:bg>
     <p:spTree>
       <p:nvGrpSpPr>
         <p:cNvPr id="1" name=""/>
@@ -3410,817 +3403,87 @@
           <a:chExt cx="0" cy="0"/>
         </a:xfrm>
       </p:grpSpPr>
-      <p:sp useBgFill="1">
-        <p:nvSpPr>
-          <p:cNvPr id="23" name="Rectangle 7">
-            <a:extLst>
-              <a:ext uri="{FF2B5EF4-FFF2-40B4-BE49-F238E27FC236}">
-                <a16:creationId xmlns:a16="http://schemas.microsoft.com/office/drawing/2014/main" id="{09588DA8-065E-4F6F-8EFD-43104AB2E0CF}"/>
-              </a:ext>
-              <a:ext uri="{C183D7F6-B498-43B3-948B-1728B52AA6E4}">
-                <adec:decorative xmlns:adec="http://schemas.microsoft.com/office/drawing/2017/decorative" val="1"/>
-              </a:ext>
-            </a:extLst>
-          </p:cNvPr>
-          <p:cNvSpPr>
-            <a:spLocks noGrp="1" noRot="1" noChangeAspect="1" noMove="1" noResize="1" noEditPoints="1" noAdjustHandles="1" noChangeArrowheads="1" noChangeShapeType="1" noTextEdit="1"/>
-          </p:cNvSpPr>
-          <p:nvPr>
-            <p:extLst>
-              <p:ext uri="{386F3935-93C4-4BCD-93E2-E3B085C9AB24}">
-                <p16:designElem xmlns:p16="http://schemas.microsoft.com/office/powerpoint/2015/main" val="1"/>
-              </p:ext>
-            </p:extLst>
+      <p:sp>
+        <p:nvSpPr>
+          <p:cNvPr id="2" name="Title 1">
+            <a:extLst>
+              <a:ext uri="{FF2B5EF4-FFF2-40B4-BE49-F238E27FC236}">
+                <a16:creationId xmlns:a16="http://schemas.microsoft.com/office/drawing/2014/main" id="{CA0F5111-5997-4373-8E57-0B1E4011FBB1}"/>
+              </a:ext>
+            </a:extLst>
+          </p:cNvPr>
+          <p:cNvSpPr>
+            <a:spLocks noGrp="1"/>
+          </p:cNvSpPr>
+          <p:nvPr>
+            <p:ph type="title"/>
+          </p:nvPr>
+        </p:nvSpPr>
+        <p:spPr/>
+        <p:txBody>
+          <a:bodyPr/>
+          <a:lstStyle/>
+          <a:p>
+            <a:r>
+              <a:rPr lang="en-US" b="1" dirty="0"/>
+              <a:t>Programming Language Levels</a:t>
+            </a:r>
+            <a:endParaRPr lang="en-IN" b="1" dirty="0"/>
+          </a:p>
+        </p:txBody>
+      </p:sp>
+      <p:sp>
+        <p:nvSpPr>
+          <p:cNvPr id="3" name="Content Placeholder 2">
+            <a:extLst>
+              <a:ext uri="{FF2B5EF4-FFF2-40B4-BE49-F238E27FC236}">
+                <a16:creationId xmlns:a16="http://schemas.microsoft.com/office/drawing/2014/main" id="{933760D0-475E-49A9-BF08-BEA9F566F794}"/>
+              </a:ext>
+            </a:extLst>
+          </p:cNvPr>
+          <p:cNvSpPr>
+            <a:spLocks noGrp="1"/>
+          </p:cNvSpPr>
+          <p:nvPr>
+            <p:ph idx="1"/>
           </p:nvPr>
         </p:nvSpPr>
         <p:spPr>
           <a:xfrm>
-            <a:off x="0" y="0"/>
-            <a:ext cx="12192000" cy="6858000"/>
-          </a:xfrm>
-          <a:prstGeom prst="rect">
-            <a:avLst/>
-          </a:prstGeom>
-          <a:ln w="12700" cap="flat" cmpd="sng" algn="ctr">
-            <a:noFill/>
-            <a:prstDash val="solid"/>
-            <a:miter lim="800000"/>
-          </a:ln>
-          <a:effectLst/>
-          <a:extLst>
-            <a:ext uri="{91240B29-F687-4F45-9708-019B960494DF}">
-              <a14:hiddenLine xmlns:a14="http://schemas.microsoft.com/office/drawing/2010/main" w="12700" cap="flat" cmpd="sng" algn="ctr">
-                <a:solidFill>
-                  <a:schemeClr val="accent1">
-                    <a:shade val="50000"/>
-                  </a:schemeClr>
-                </a:solidFill>
-                <a:prstDash val="solid"/>
-                <a:miter lim="800000"/>
-              </a14:hiddenLine>
-            </a:ext>
-          </a:extLst>
-        </p:spPr>
-        <p:style>
-          <a:lnRef idx="2">
-            <a:schemeClr val="accent1">
-              <a:shade val="50000"/>
-            </a:schemeClr>
-          </a:lnRef>
-          <a:fillRef idx="1">
-            <a:schemeClr val="accent1"/>
-          </a:fillRef>
-          <a:effectRef idx="0">
-            <a:schemeClr val="accent1"/>
-          </a:effectRef>
-          <a:fontRef idx="minor">
-            <a:schemeClr val="lt1"/>
-          </a:fontRef>
-        </p:style>
-        <p:txBody>
-          <a:bodyPr rtlCol="0" anchor="ctr"/>
-          <a:lstStyle/>
-          <a:p>
-            <a:pPr algn="ctr"/>
-            <a:endParaRPr lang="en-US"/>
-          </a:p>
-        </p:txBody>
-      </p:sp>
-      <p:sp useBgFill="1">
-        <p:nvSpPr>
-          <p:cNvPr id="24" name="Rectangle 9">
-            <a:extLst>
-              <a:ext uri="{FF2B5EF4-FFF2-40B4-BE49-F238E27FC236}">
-                <a16:creationId xmlns:a16="http://schemas.microsoft.com/office/drawing/2014/main" id="{C4285719-470E-454C-AF62-8323075F1F5B}"/>
-              </a:ext>
-              <a:ext uri="{C183D7F6-B498-43B3-948B-1728B52AA6E4}">
-                <adec:decorative xmlns:adec="http://schemas.microsoft.com/office/drawing/2017/decorative" val="1"/>
-              </a:ext>
-            </a:extLst>
-          </p:cNvPr>
-          <p:cNvSpPr>
-            <a:spLocks noGrp="1" noRot="1" noChangeAspect="1" noMove="1" noResize="1" noEditPoints="1" noAdjustHandles="1" noChangeArrowheads="1" noChangeShapeType="1" noTextEdit="1"/>
-          </p:cNvSpPr>
-          <p:nvPr>
-            <p:extLst>
-              <p:ext uri="{386F3935-93C4-4BCD-93E2-E3B085C9AB24}">
-                <p16:designElem xmlns:p16="http://schemas.microsoft.com/office/powerpoint/2015/main" val="1"/>
-              </p:ext>
-            </p:extLst>
-          </p:nvPr>
-        </p:nvSpPr>
-        <p:spPr>
-          <a:xfrm>
-            <a:off x="0" y="0"/>
-            <a:ext cx="12188952" cy="6858000"/>
-          </a:xfrm>
-          <a:prstGeom prst="rect">
-            <a:avLst/>
-          </a:prstGeom>
-          <a:ln w="12700" cap="flat" cmpd="sng" algn="ctr">
-            <a:noFill/>
-            <a:prstDash val="solid"/>
-            <a:miter lim="800000"/>
-          </a:ln>
-          <a:effectLst/>
-          <a:extLst>
-            <a:ext uri="{91240B29-F687-4F45-9708-019B960494DF}">
-              <a14:hiddenLine xmlns:a14="http://schemas.microsoft.com/office/drawing/2010/main" w="12700" cap="flat" cmpd="sng" algn="ctr">
-                <a:solidFill>
-                  <a:schemeClr val="accent1">
-                    <a:shade val="50000"/>
-                  </a:schemeClr>
-                </a:solidFill>
-                <a:prstDash val="solid"/>
-                <a:miter lim="800000"/>
-              </a14:hiddenLine>
-            </a:ext>
-          </a:extLst>
-        </p:spPr>
-        <p:style>
-          <a:lnRef idx="2">
-            <a:schemeClr val="accent1">
-              <a:shade val="50000"/>
-            </a:schemeClr>
-          </a:lnRef>
-          <a:fillRef idx="1">
-            <a:schemeClr val="accent1"/>
-          </a:fillRef>
-          <a:effectRef idx="0">
-            <a:schemeClr val="accent1"/>
-          </a:effectRef>
-          <a:fontRef idx="minor">
-            <a:schemeClr val="lt1"/>
-          </a:fontRef>
-        </p:style>
-        <p:txBody>
-          <a:bodyPr rtlCol="0" anchor="ctr"/>
-          <a:lstStyle/>
-          <a:p>
-            <a:pPr algn="ctr"/>
-            <a:endParaRPr lang="en-US"/>
-          </a:p>
-        </p:txBody>
-      </p:sp>
-      <p:sp>
-        <p:nvSpPr>
-          <p:cNvPr id="12" name="Rectangle 11">
-            <a:extLst>
-              <a:ext uri="{FF2B5EF4-FFF2-40B4-BE49-F238E27FC236}">
-                <a16:creationId xmlns:a16="http://schemas.microsoft.com/office/drawing/2014/main" id="{CD9FE4EF-C4D8-49A0-B2FF-81D8DB7D8A24}"/>
-              </a:ext>
-              <a:ext uri="{C183D7F6-B498-43B3-948B-1728B52AA6E4}">
-                <adec:decorative xmlns:adec="http://schemas.microsoft.com/office/drawing/2017/decorative" val="1"/>
-              </a:ext>
-            </a:extLst>
-          </p:cNvPr>
-          <p:cNvSpPr>
-            <a:spLocks noGrp="1" noRot="1" noChangeAspect="1" noMove="1" noResize="1" noEditPoints="1" noAdjustHandles="1" noChangeArrowheads="1" noChangeShapeType="1" noTextEdit="1"/>
-          </p:cNvSpPr>
-          <p:nvPr>
-            <p:extLst>
-              <p:ext uri="{386F3935-93C4-4BCD-93E2-E3B085C9AB24}">
-                <p16:designElem xmlns:p16="http://schemas.microsoft.com/office/powerpoint/2015/main" val="1"/>
-              </p:ext>
-            </p:extLst>
-          </p:nvPr>
-        </p:nvSpPr>
-        <p:spPr>
-          <a:xfrm rot="5400000" flipH="1">
-            <a:off x="-1410084" y="1410082"/>
-            <a:ext cx="6858000" cy="4037836"/>
-          </a:xfrm>
-          <a:prstGeom prst="rect">
-            <a:avLst/>
-          </a:prstGeom>
-          <a:gradFill>
-            <a:gsLst>
-              <a:gs pos="8000">
-                <a:srgbClr val="000000"/>
-              </a:gs>
-              <a:gs pos="100000">
-                <a:schemeClr val="accent1">
-                  <a:lumMod val="75000"/>
-                </a:schemeClr>
-              </a:gs>
-            </a:gsLst>
-            <a:lin ang="3000000" scaled="0"/>
-          </a:gradFill>
-          <a:ln>
-            <a:noFill/>
-          </a:ln>
-        </p:spPr>
-        <p:style>
-          <a:lnRef idx="2">
-            <a:schemeClr val="accent1">
-              <a:shade val="50000"/>
-            </a:schemeClr>
-          </a:lnRef>
-          <a:fillRef idx="1">
-            <a:schemeClr val="accent1"/>
-          </a:fillRef>
-          <a:effectRef idx="0">
-            <a:schemeClr val="accent1"/>
-          </a:effectRef>
-          <a:fontRef idx="minor">
-            <a:schemeClr val="lt1"/>
-          </a:fontRef>
-        </p:style>
-        <p:txBody>
-          <a:bodyPr rtlCol="0" anchor="ctr"/>
-          <a:lstStyle/>
-          <a:p>
-            <a:pPr algn="ctr"/>
-            <a:endParaRPr lang="en-US"/>
-          </a:p>
-        </p:txBody>
-      </p:sp>
-      <p:sp>
-        <p:nvSpPr>
-          <p:cNvPr id="14" name="Rectangle 13">
-            <a:extLst>
-              <a:ext uri="{FF2B5EF4-FFF2-40B4-BE49-F238E27FC236}">
-                <a16:creationId xmlns:a16="http://schemas.microsoft.com/office/drawing/2014/main" id="{4300840D-0A0B-4512-BACA-B439D5B9C57C}"/>
-              </a:ext>
-              <a:ext uri="{C183D7F6-B498-43B3-948B-1728B52AA6E4}">
-                <adec:decorative xmlns:adec="http://schemas.microsoft.com/office/drawing/2017/decorative" val="1"/>
-              </a:ext>
-            </a:extLst>
-          </p:cNvPr>
-          <p:cNvSpPr>
-            <a:spLocks noGrp="1" noRot="1" noChangeAspect="1" noMove="1" noResize="1" noEditPoints="1" noAdjustHandles="1" noChangeArrowheads="1" noChangeShapeType="1" noTextEdit="1"/>
-          </p:cNvSpPr>
-          <p:nvPr>
-            <p:extLst>
-              <p:ext uri="{386F3935-93C4-4BCD-93E2-E3B085C9AB24}">
-                <p16:designElem xmlns:p16="http://schemas.microsoft.com/office/powerpoint/2015/main" val="1"/>
-              </p:ext>
-            </p:extLst>
-          </p:nvPr>
-        </p:nvSpPr>
-        <p:spPr>
-          <a:xfrm rot="5400000" flipH="1">
-            <a:off x="-1410085" y="1420219"/>
-            <a:ext cx="6857999" cy="4037839"/>
-          </a:xfrm>
-          <a:prstGeom prst="rect">
-            <a:avLst/>
-          </a:prstGeom>
-          <a:gradFill>
-            <a:gsLst>
-              <a:gs pos="0">
-                <a:srgbClr val="000000">
-                  <a:alpha val="0"/>
-                </a:srgbClr>
-              </a:gs>
-              <a:gs pos="99000">
-                <a:schemeClr val="accent1">
-                  <a:alpha val="46000"/>
-                </a:schemeClr>
-              </a:gs>
-            </a:gsLst>
-            <a:lin ang="1800000" scaled="0"/>
-          </a:gradFill>
-          <a:ln>
-            <a:noFill/>
-          </a:ln>
-        </p:spPr>
-        <p:style>
-          <a:lnRef idx="2">
-            <a:schemeClr val="accent1">
-              <a:shade val="50000"/>
-            </a:schemeClr>
-          </a:lnRef>
-          <a:fillRef idx="1">
-            <a:schemeClr val="accent1"/>
-          </a:fillRef>
-          <a:effectRef idx="0">
-            <a:schemeClr val="accent1"/>
-          </a:effectRef>
-          <a:fontRef idx="minor">
-            <a:schemeClr val="lt1"/>
-          </a:fontRef>
-        </p:style>
-        <p:txBody>
-          <a:bodyPr rtlCol="0" anchor="ctr"/>
-          <a:lstStyle/>
-          <a:p>
-            <a:pPr algn="ctr"/>
-            <a:endParaRPr lang="en-US"/>
-          </a:p>
-        </p:txBody>
-      </p:sp>
-      <p:sp>
-        <p:nvSpPr>
-          <p:cNvPr id="16" name="Rectangle 15">
-            <a:extLst>
-              <a:ext uri="{FF2B5EF4-FFF2-40B4-BE49-F238E27FC236}">
-                <a16:creationId xmlns:a16="http://schemas.microsoft.com/office/drawing/2014/main" id="{D2B78728-A580-49A7-84F9-6EF6F583ADE0}"/>
-              </a:ext>
-              <a:ext uri="{C183D7F6-B498-43B3-948B-1728B52AA6E4}">
-                <adec:decorative xmlns:adec="http://schemas.microsoft.com/office/drawing/2017/decorative" val="1"/>
-              </a:ext>
-            </a:extLst>
-          </p:cNvPr>
-          <p:cNvSpPr>
-            <a:spLocks noGrp="1" noRot="1" noChangeAspect="1" noMove="1" noResize="1" noEditPoints="1" noAdjustHandles="1" noChangeArrowheads="1" noChangeShapeType="1" noTextEdit="1"/>
-          </p:cNvSpPr>
-          <p:nvPr>
-            <p:extLst>
-              <p:ext uri="{386F3935-93C4-4BCD-93E2-E3B085C9AB24}">
-                <p16:designElem xmlns:p16="http://schemas.microsoft.com/office/powerpoint/2015/main" val="1"/>
-              </p:ext>
-            </p:extLst>
-          </p:nvPr>
-        </p:nvSpPr>
-        <p:spPr>
-          <a:xfrm rot="5400000" flipH="1">
-            <a:off x="767923" y="3588085"/>
-            <a:ext cx="2501979" cy="4037841"/>
-          </a:xfrm>
-          <a:prstGeom prst="rect">
-            <a:avLst/>
-          </a:prstGeom>
-          <a:gradFill>
-            <a:gsLst>
-              <a:gs pos="2000">
-                <a:schemeClr val="accent1">
-                  <a:alpha val="29000"/>
-                </a:schemeClr>
-              </a:gs>
-              <a:gs pos="100000">
-                <a:srgbClr val="000000">
-                  <a:alpha val="30000"/>
-                </a:srgbClr>
-              </a:gs>
-            </a:gsLst>
-            <a:lin ang="7800000" scaled="0"/>
-          </a:gradFill>
-          <a:ln>
-            <a:noFill/>
-          </a:ln>
-        </p:spPr>
-        <p:style>
-          <a:lnRef idx="2">
-            <a:schemeClr val="accent1">
-              <a:shade val="50000"/>
-            </a:schemeClr>
-          </a:lnRef>
-          <a:fillRef idx="1">
-            <a:schemeClr val="accent1"/>
-          </a:fillRef>
-          <a:effectRef idx="0">
-            <a:schemeClr val="accent1"/>
-          </a:effectRef>
-          <a:fontRef idx="minor">
-            <a:schemeClr val="lt1"/>
-          </a:fontRef>
-        </p:style>
-        <p:txBody>
-          <a:bodyPr rtlCol="0" anchor="ctr"/>
-          <a:lstStyle/>
-          <a:p>
-            <a:pPr algn="ctr"/>
-            <a:endParaRPr lang="en-US" dirty="0"/>
-          </a:p>
-        </p:txBody>
-      </p:sp>
-      <p:sp>
-        <p:nvSpPr>
-          <p:cNvPr id="18" name="Freeform: Shape 17">
-            <a:extLst>
-              <a:ext uri="{FF2B5EF4-FFF2-40B4-BE49-F238E27FC236}">
-                <a16:creationId xmlns:a16="http://schemas.microsoft.com/office/drawing/2014/main" id="{38FAA1A1-D861-433F-88FA-1E9D6FD31D11}"/>
-              </a:ext>
-              <a:ext uri="{C183D7F6-B498-43B3-948B-1728B52AA6E4}">
-                <adec:decorative xmlns:adec="http://schemas.microsoft.com/office/drawing/2017/decorative" val="1"/>
-              </a:ext>
-            </a:extLst>
-          </p:cNvPr>
-          <p:cNvSpPr>
-            <a:spLocks noGrp="1" noRot="1" noChangeAspect="1" noMove="1" noResize="1" noEditPoints="1" noAdjustHandles="1" noChangeArrowheads="1" noChangeShapeType="1" noTextEdit="1"/>
-          </p:cNvSpPr>
-          <p:nvPr>
-            <p:extLst>
-              <p:ext uri="{386F3935-93C4-4BCD-93E2-E3B085C9AB24}">
-                <p16:designElem xmlns:p16="http://schemas.microsoft.com/office/powerpoint/2015/main" val="1"/>
-              </p:ext>
-            </p:extLst>
-          </p:nvPr>
-        </p:nvSpPr>
-        <p:spPr>
-          <a:xfrm rot="20635413">
-            <a:off x="-501737" y="969718"/>
-            <a:ext cx="3900357" cy="4178958"/>
-          </a:xfrm>
-          <a:custGeom>
-            <a:avLst/>
-            <a:gdLst>
-              <a:gd name="connsiteX0" fmla="*/ 2432225 w 3900357"/>
-              <a:gd name="connsiteY0" fmla="*/ 93939 h 4178958"/>
-              <a:gd name="connsiteX1" fmla="*/ 3900357 w 3900357"/>
-              <a:gd name="connsiteY1" fmla="*/ 2089479 h 4178958"/>
-              <a:gd name="connsiteX2" fmla="*/ 1810878 w 3900357"/>
-              <a:gd name="connsiteY2" fmla="*/ 4178958 h 4178958"/>
-              <a:gd name="connsiteX3" fmla="*/ 78249 w 3900357"/>
-              <a:gd name="connsiteY3" fmla="*/ 3257727 h 4178958"/>
-              <a:gd name="connsiteX4" fmla="*/ 0 w 3900357"/>
-              <a:gd name="connsiteY4" fmla="*/ 3128923 h 4178958"/>
-              <a:gd name="connsiteX5" fmla="*/ 831324 w 3900357"/>
-              <a:gd name="connsiteY5" fmla="*/ 244281 h 4178958"/>
-              <a:gd name="connsiteX6" fmla="*/ 997559 w 3900357"/>
-              <a:gd name="connsiteY6" fmla="*/ 164202 h 4178958"/>
-              <a:gd name="connsiteX7" fmla="*/ 1810878 w 3900357"/>
-              <a:gd name="connsiteY7" fmla="*/ 0 h 4178958"/>
-              <a:gd name="connsiteX8" fmla="*/ 2432225 w 3900357"/>
-              <a:gd name="connsiteY8" fmla="*/ 93939 h 4178958"/>
-            </a:gdLst>
-            <a:ahLst/>
-            <a:cxnLst>
-              <a:cxn ang="0">
-                <a:pos x="connsiteX0" y="connsiteY0"/>
-              </a:cxn>
-              <a:cxn ang="0">
-                <a:pos x="connsiteX1" y="connsiteY1"/>
-              </a:cxn>
-              <a:cxn ang="0">
-                <a:pos x="connsiteX2" y="connsiteY2"/>
-              </a:cxn>
-              <a:cxn ang="0">
-                <a:pos x="connsiteX3" y="connsiteY3"/>
-              </a:cxn>
-              <a:cxn ang="0">
-                <a:pos x="connsiteX4" y="connsiteY4"/>
-              </a:cxn>
-              <a:cxn ang="0">
-                <a:pos x="connsiteX5" y="connsiteY5"/>
-              </a:cxn>
-              <a:cxn ang="0">
-                <a:pos x="connsiteX6" y="connsiteY6"/>
-              </a:cxn>
-              <a:cxn ang="0">
-                <a:pos x="connsiteX7" y="connsiteY7"/>
-              </a:cxn>
-              <a:cxn ang="0">
-                <a:pos x="connsiteX8" y="connsiteY8"/>
-              </a:cxn>
-            </a:cxnLst>
-            <a:rect l="l" t="t" r="r" b="b"/>
-            <a:pathLst>
-              <a:path w="3900357" h="4178958">
-                <a:moveTo>
-                  <a:pt x="2432225" y="93939"/>
-                </a:moveTo>
-                <a:cubicBezTo>
-                  <a:pt x="3282786" y="358491"/>
-                  <a:pt x="3900357" y="1151865"/>
-                  <a:pt x="3900357" y="2089479"/>
-                </a:cubicBezTo>
-                <a:cubicBezTo>
-                  <a:pt x="3900357" y="3243466"/>
-                  <a:pt x="2964865" y="4178958"/>
-                  <a:pt x="1810878" y="4178958"/>
-                </a:cubicBezTo>
-                <a:cubicBezTo>
-                  <a:pt x="1089636" y="4178958"/>
-                  <a:pt x="453744" y="3813531"/>
-                  <a:pt x="78249" y="3257727"/>
-                </a:cubicBezTo>
-                <a:lnTo>
-                  <a:pt x="0" y="3128923"/>
-                </a:lnTo>
-                <a:lnTo>
-                  <a:pt x="831324" y="244281"/>
-                </a:lnTo>
-                <a:lnTo>
-                  <a:pt x="997559" y="164202"/>
-                </a:lnTo>
-                <a:cubicBezTo>
-                  <a:pt x="1247540" y="58468"/>
-                  <a:pt x="1522381" y="0"/>
-                  <a:pt x="1810878" y="0"/>
-                </a:cubicBezTo>
-                <a:cubicBezTo>
-                  <a:pt x="2027251" y="0"/>
-                  <a:pt x="2235942" y="32888"/>
-                  <a:pt x="2432225" y="93939"/>
-                </a:cubicBezTo>
-                <a:close/>
-              </a:path>
-            </a:pathLst>
-          </a:custGeom>
-          <a:gradFill>
-            <a:gsLst>
-              <a:gs pos="29000">
-                <a:srgbClr val="000000">
-                  <a:alpha val="0"/>
-                </a:srgbClr>
-              </a:gs>
-              <a:gs pos="100000">
-                <a:schemeClr val="accent1">
-                  <a:alpha val="43000"/>
-                </a:schemeClr>
-              </a:gs>
-            </a:gsLst>
-            <a:lin ang="1800000" scaled="0"/>
-          </a:gradFill>
-          <a:ln>
-            <a:noFill/>
-          </a:ln>
-        </p:spPr>
-        <p:style>
-          <a:lnRef idx="2">
-            <a:schemeClr val="accent1">
-              <a:shade val="50000"/>
-            </a:schemeClr>
-          </a:lnRef>
-          <a:fillRef idx="1">
-            <a:schemeClr val="accent1"/>
-          </a:fillRef>
-          <a:effectRef idx="0">
-            <a:schemeClr val="accent1"/>
-          </a:effectRef>
-          <a:fontRef idx="minor">
-            <a:schemeClr val="lt1"/>
-          </a:fontRef>
-        </p:style>
-        <p:txBody>
-          <a:bodyPr wrap="square" rtlCol="0" anchor="ctr">
-            <a:noAutofit/>
-          </a:bodyPr>
-          <a:lstStyle/>
-          <a:p>
-            <a:pPr algn="ctr"/>
-            <a:endParaRPr lang="en-US" dirty="0"/>
-          </a:p>
-        </p:txBody>
-      </p:sp>
-      <p:sp>
-        <p:nvSpPr>
-          <p:cNvPr id="25" name="Rectangle 19">
-            <a:extLst>
-              <a:ext uri="{FF2B5EF4-FFF2-40B4-BE49-F238E27FC236}">
-                <a16:creationId xmlns:a16="http://schemas.microsoft.com/office/drawing/2014/main" id="{8D71EDA1-87BF-4D5D-AB79-F346FD19278A}"/>
-              </a:ext>
-              <a:ext uri="{C183D7F6-B498-43B3-948B-1728B52AA6E4}">
-                <adec:decorative xmlns:adec="http://schemas.microsoft.com/office/drawing/2017/decorative" val="1"/>
-              </a:ext>
-            </a:extLst>
-          </p:cNvPr>
-          <p:cNvSpPr>
-            <a:spLocks noGrp="1" noRot="1" noChangeAspect="1" noMove="1" noResize="1" noEditPoints="1" noAdjustHandles="1" noChangeArrowheads="1" noChangeShapeType="1" noTextEdit="1"/>
-          </p:cNvSpPr>
-          <p:nvPr>
-            <p:extLst>
-              <p:ext uri="{386F3935-93C4-4BCD-93E2-E3B085C9AB24}">
-                <p16:designElem xmlns:p16="http://schemas.microsoft.com/office/powerpoint/2015/main" val="1"/>
-              </p:ext>
-            </p:extLst>
-          </p:nvPr>
-        </p:nvSpPr>
-        <p:spPr>
-          <a:xfrm rot="5400000" flipH="1">
-            <a:off x="-1410093" y="1399943"/>
-            <a:ext cx="6858003" cy="4037835"/>
-          </a:xfrm>
-          <a:prstGeom prst="rect">
-            <a:avLst/>
-          </a:prstGeom>
-          <a:gradFill>
-            <a:gsLst>
-              <a:gs pos="0">
-                <a:srgbClr val="000000">
-                  <a:alpha val="0"/>
-                </a:srgbClr>
-              </a:gs>
-              <a:gs pos="99000">
-                <a:schemeClr val="accent1">
-                  <a:lumMod val="60000"/>
-                  <a:lumOff val="40000"/>
-                  <a:alpha val="11000"/>
-                </a:schemeClr>
-              </a:gs>
-            </a:gsLst>
-            <a:lin ang="7200000" scaled="0"/>
-          </a:gradFill>
-          <a:ln>
-            <a:noFill/>
-          </a:ln>
-        </p:spPr>
-        <p:style>
-          <a:lnRef idx="2">
-            <a:schemeClr val="accent1">
-              <a:shade val="50000"/>
-            </a:schemeClr>
-          </a:lnRef>
-          <a:fillRef idx="1">
-            <a:schemeClr val="accent1"/>
-          </a:fillRef>
-          <a:effectRef idx="0">
-            <a:schemeClr val="accent1"/>
-          </a:effectRef>
-          <a:fontRef idx="minor">
-            <a:schemeClr val="lt1"/>
-          </a:fontRef>
-        </p:style>
-        <p:txBody>
-          <a:bodyPr rtlCol="0" anchor="ctr"/>
-          <a:lstStyle/>
-          <a:p>
-            <a:pPr algn="ctr"/>
-            <a:endParaRPr lang="en-US"/>
-          </a:p>
-        </p:txBody>
-      </p:sp>
-      <p:sp>
-        <p:nvSpPr>
-          <p:cNvPr id="2" name="Title 1">
-            <a:extLst>
-              <a:ext uri="{FF2B5EF4-FFF2-40B4-BE49-F238E27FC236}">
-                <a16:creationId xmlns:a16="http://schemas.microsoft.com/office/drawing/2014/main" id="{C0FAC9A7-ED95-4BD3-911A-73A2DB035075}"/>
-              </a:ext>
-            </a:extLst>
-          </p:cNvPr>
-          <p:cNvSpPr>
-            <a:spLocks noGrp="1"/>
-          </p:cNvSpPr>
-          <p:nvPr>
-            <p:ph type="title"/>
-          </p:nvPr>
-        </p:nvSpPr>
-        <p:spPr>
-          <a:xfrm>
-            <a:off x="466722" y="586855"/>
-            <a:ext cx="3324442" cy="3387497"/>
+            <a:off x="418323" y="1834955"/>
+            <a:ext cx="10515600" cy="4351338"/>
           </a:xfrm>
         </p:spPr>
         <p:txBody>
-          <a:bodyPr anchor="b">
-            <a:normAutofit/>
-          </a:bodyPr>
+          <a:bodyPr/>
           <a:lstStyle/>
           <a:p>
-            <a:pPr fontAlgn="base"/>
-            <a:r>
-              <a:rPr lang="en-US" sz="4000" i="0" dirty="0">
-                <a:solidFill>
-                  <a:srgbClr val="FFFFFF"/>
-                </a:solidFill>
-                <a:effectLst/>
-                <a:latin typeface="Arial" panose="020B0604020202020204" pitchFamily="34" charset="0"/>
-                <a:cs typeface="Arial" panose="020B0604020202020204" pitchFamily="34" charset="0"/>
-              </a:rPr>
-              <a:t>High Level and Low-level language</a:t>
-            </a:r>
-          </a:p>
-        </p:txBody>
-      </p:sp>
-      <p:sp>
-        <p:nvSpPr>
-          <p:cNvPr id="3" name="Content Placeholder 2">
-            <a:extLst>
-              <a:ext uri="{FF2B5EF4-FFF2-40B4-BE49-F238E27FC236}">
-                <a16:creationId xmlns:a16="http://schemas.microsoft.com/office/drawing/2014/main" id="{05217AEA-20C0-44DF-8AD3-D34A59166BAD}"/>
-              </a:ext>
-            </a:extLst>
-          </p:cNvPr>
-          <p:cNvSpPr>
-            <a:spLocks noGrp="1"/>
-          </p:cNvSpPr>
-          <p:nvPr>
-            <p:ph idx="1"/>
-          </p:nvPr>
-        </p:nvSpPr>
-        <p:spPr>
-          <a:xfrm>
-            <a:off x="4810259" y="649480"/>
-            <a:ext cx="6555347" cy="5546047"/>
-          </a:xfrm>
-        </p:spPr>
-        <p:txBody>
-          <a:bodyPr anchor="ctr">
-            <a:normAutofit/>
-          </a:bodyPr>
-          <a:lstStyle/>
-          <a:p>
-            <a:pPr marL="0" indent="0">
-              <a:buNone/>
-            </a:pPr>
-            <a:r>
-              <a:rPr lang="en-US" sz="2000" dirty="0">
-                <a:latin typeface="Arial" panose="020B0604020202020204" pitchFamily="34" charset="0"/>
-                <a:cs typeface="Arial" panose="020B0604020202020204" pitchFamily="34" charset="0"/>
-              </a:rPr>
+            <a:r>
+              <a:rPr lang="en-US" dirty="0"/>
               <a:t>High Level</a:t>
             </a:r>
           </a:p>
           <a:p>
-            <a:pPr marL="0" indent="0">
-              <a:buNone/>
-            </a:pPr>
-            <a:r>
-              <a:rPr lang="en-US" sz="2000" dirty="0">
-                <a:latin typeface="Arial" panose="020B0604020202020204" pitchFamily="34" charset="0"/>
-                <a:cs typeface="Arial" panose="020B0604020202020204" pitchFamily="34" charset="0"/>
-              </a:rPr>
-              <a:t>	P</a:t>
-            </a:r>
-            <a:r>
-              <a:rPr lang="en-US" sz="2000" b="0" i="0" dirty="0">
-                <a:effectLst/>
-                <a:latin typeface="Arial" panose="020B0604020202020204" pitchFamily="34" charset="0"/>
-                <a:cs typeface="Arial" panose="020B0604020202020204" pitchFamily="34" charset="0"/>
-              </a:rPr>
-              <a:t>rogrammer friendly language.</a:t>
-            </a:r>
-          </a:p>
-          <a:p>
-            <a:pPr marL="0" indent="0">
-              <a:buNone/>
-            </a:pPr>
-            <a:r>
-              <a:rPr lang="en-US" sz="2000" b="0" i="0" dirty="0">
-                <a:effectLst/>
-                <a:latin typeface="Arial" panose="020B0604020202020204" pitchFamily="34" charset="0"/>
-                <a:cs typeface="Arial" panose="020B0604020202020204" pitchFamily="34" charset="0"/>
-              </a:rPr>
-              <a:t>	Easy to understand.</a:t>
-            </a:r>
-          </a:p>
-          <a:p>
-            <a:pPr marL="0" indent="0">
-              <a:buNone/>
-            </a:pPr>
-            <a:endParaRPr lang="en-US" sz="2000" dirty="0">
-              <a:latin typeface="Arial" panose="020B0604020202020204" pitchFamily="34" charset="0"/>
-              <a:cs typeface="Arial" panose="020B0604020202020204" pitchFamily="34" charset="0"/>
-            </a:endParaRPr>
-          </a:p>
-          <a:p>
-            <a:pPr marL="0" indent="0">
-              <a:buNone/>
-            </a:pPr>
-            <a:r>
-              <a:rPr lang="en-US" sz="2000" dirty="0">
-                <a:latin typeface="Arial" panose="020B0604020202020204" pitchFamily="34" charset="0"/>
-                <a:cs typeface="Arial" panose="020B0604020202020204" pitchFamily="34" charset="0"/>
-              </a:rPr>
-              <a:t>Low Level </a:t>
-            </a:r>
-          </a:p>
-          <a:p>
-            <a:pPr marL="0" indent="0">
-              <a:buNone/>
-            </a:pPr>
-            <a:r>
-              <a:rPr lang="en-US" sz="2000" dirty="0">
-                <a:latin typeface="Arial" panose="020B0604020202020204" pitchFamily="34" charset="0"/>
-                <a:cs typeface="Arial" panose="020B0604020202020204" pitchFamily="34" charset="0"/>
-              </a:rPr>
-              <a:t>	M</a:t>
-            </a:r>
-            <a:r>
-              <a:rPr lang="en-US" sz="2000" b="0" i="0" dirty="0">
-                <a:effectLst/>
-                <a:latin typeface="Arial" panose="020B0604020202020204" pitchFamily="34" charset="0"/>
-                <a:cs typeface="Arial" panose="020B0604020202020204" pitchFamily="34" charset="0"/>
-              </a:rPr>
-              <a:t>achine friendly language.</a:t>
-            </a:r>
-          </a:p>
-          <a:p>
-            <a:pPr marL="0" indent="0">
-              <a:buNone/>
-            </a:pPr>
-            <a:r>
-              <a:rPr lang="en-US" sz="2000" dirty="0">
-                <a:latin typeface="Arial" panose="020B0604020202020204" pitchFamily="34" charset="0"/>
-                <a:cs typeface="Arial" panose="020B0604020202020204" pitchFamily="34" charset="0"/>
-              </a:rPr>
-              <a:t>	T</a:t>
-            </a:r>
-            <a:r>
-              <a:rPr lang="en-US" sz="2000" b="0" i="0" dirty="0">
-                <a:effectLst/>
-                <a:latin typeface="Arial" panose="020B0604020202020204" pitchFamily="34" charset="0"/>
-                <a:cs typeface="Arial" panose="020B0604020202020204" pitchFamily="34" charset="0"/>
-              </a:rPr>
-              <a:t>ough to understand</a:t>
-            </a:r>
-            <a:r>
-              <a:rPr lang="en-US" sz="2000" dirty="0">
-                <a:latin typeface="Arial" panose="020B0604020202020204" pitchFamily="34" charset="0"/>
-                <a:cs typeface="Arial" panose="020B0604020202020204" pitchFamily="34" charset="0"/>
-              </a:rPr>
-              <a:t>.</a:t>
-            </a:r>
+            <a:r>
+              <a:rPr lang="en-US" dirty="0"/>
+              <a:t>Low Level or Machine Level</a:t>
+            </a:r>
+          </a:p>
+          <a:p>
+            <a:r>
+              <a:rPr lang="en-US" dirty="0"/>
+              <a:t>Assembly Level</a:t>
+            </a:r>
+          </a:p>
+          <a:p>
+            <a:endParaRPr lang="en-IN" dirty="0"/>
           </a:p>
         </p:txBody>
       </p:sp>
     </p:spTree>
     <p:extLst>
       <p:ext uri="{BB962C8B-B14F-4D97-AF65-F5344CB8AC3E}">
-        <p14:creationId xmlns:p14="http://schemas.microsoft.com/office/powerpoint/2010/main" val="3418842261"/>
+        <p14:creationId xmlns:p14="http://schemas.microsoft.com/office/powerpoint/2010/main" val="2342115151"/>
       </p:ext>
     </p:extLst>
   </p:cSld>
@@ -4323,39 +3586,26 @@
                                   </p:childTnLst>
                                 </p:cTn>
                               </p:par>
+                            </p:childTnLst>
+                          </p:cTn>
+                        </p:par>
+                      </p:childTnLst>
+                    </p:cTn>
+                  </p:par>
+                  <p:par>
+                    <p:cTn id="11" fill="hold">
+                      <p:stCondLst>
+                        <p:cond delay="indefinite"/>
+                      </p:stCondLst>
+                      <p:childTnLst>
+                        <p:par>
+                          <p:cTn id="12" fill="hold">
+                            <p:stCondLst>
+                              <p:cond delay="0"/>
+                            </p:stCondLst>
+                            <p:childTnLst>
                               <p:par>
-                                <p:cTn id="11" presetID="1" presetClass="entr" presetSubtype="0" fill="hold" nodeType="withEffect">
-                                  <p:stCondLst>
-                                    <p:cond delay="0"/>
-                                  </p:stCondLst>
-                                  <p:childTnLst>
-                                    <p:set>
-                                      <p:cBhvr>
-                                        <p:cTn id="12" dur="1" fill="hold">
-                                          <p:stCondLst>
-                                            <p:cond delay="0"/>
-                                          </p:stCondLst>
-                                        </p:cTn>
-                                        <p:tgtEl>
-                                          <p:spTgt spid="3">
-                                            <p:txEl>
-                                              <p:pRg st="1" end="1"/>
-                                            </p:txEl>
-                                          </p:spTgt>
-                                        </p:tgtEl>
-                                        <p:attrNameLst>
-                                          <p:attrName>style.visibility</p:attrName>
-                                        </p:attrNameLst>
-                                      </p:cBhvr>
-                                      <p:to>
-                                        <p:strVal val="visible"/>
-                                      </p:to>
-                                    </p:set>
-                                  </p:childTnLst>
-                                </p:cTn>
-                              </p:par>
-                              <p:par>
-                                <p:cTn id="13" presetID="1" presetClass="entr" presetSubtype="0" fill="hold" nodeType="withEffect">
+                                <p:cTn id="13" presetID="1" presetClass="entr" presetSubtype="0" fill="hold" nodeType="clickEffect">
                                   <p:stCondLst>
                                     <p:cond delay="0"/>
                                   </p:stCondLst>
@@ -4370,7 +3620,7 @@
                                         <p:tgtEl>
                                           <p:spTgt spid="3">
                                             <p:txEl>
-                                              <p:pRg st="2" end="2"/>
+                                              <p:pRg st="1" end="1"/>
                                             </p:txEl>
                                           </p:spTgt>
                                         </p:tgtEl>
@@ -4419,6 +3669,449 @@
                                         <p:tgtEl>
                                           <p:spTgt spid="3">
                                             <p:txEl>
+                                              <p:pRg st="2" end="2"/>
+                                            </p:txEl>
+                                          </p:spTgt>
+                                        </p:tgtEl>
+                                        <p:attrNameLst>
+                                          <p:attrName>style.visibility</p:attrName>
+                                        </p:attrNameLst>
+                                      </p:cBhvr>
+                                      <p:to>
+                                        <p:strVal val="visible"/>
+                                      </p:to>
+                                    </p:set>
+                                  </p:childTnLst>
+                                </p:cTn>
+                              </p:par>
+                            </p:childTnLst>
+                          </p:cTn>
+                        </p:par>
+                      </p:childTnLst>
+                    </p:cTn>
+                  </p:par>
+                </p:childTnLst>
+              </p:cTn>
+              <p:prevCondLst>
+                <p:cond evt="onPrev" delay="0">
+                  <p:tgtEl>
+                    <p:sldTgt/>
+                  </p:tgtEl>
+                </p:cond>
+              </p:prevCondLst>
+              <p:nextCondLst>
+                <p:cond evt="onNext" delay="0">
+                  <p:tgtEl>
+                    <p:sldTgt/>
+                  </p:tgtEl>
+                </p:cond>
+              </p:nextCondLst>
+            </p:seq>
+          </p:childTnLst>
+        </p:cTn>
+      </p:par>
+    </p:tnLst>
+    <p:bldLst>
+      <p:bldP spid="2" grpId="0"/>
+    </p:bldLst>
+  </p:timing>
+</p:sld>
+</file>
+
+<file path=ppt/slides/slide3.xml><?xml version="1.0" encoding="utf-8"?>
+<p:sld xmlns:a="http://schemas.openxmlformats.org/drawingml/2006/main" xmlns:r="http://schemas.openxmlformats.org/officeDocument/2006/relationships" xmlns:p="http://schemas.openxmlformats.org/presentationml/2006/main">
+  <p:cSld>
+    <p:spTree>
+      <p:nvGrpSpPr>
+        <p:cNvPr id="1" name=""/>
+        <p:cNvGrpSpPr/>
+        <p:nvPr/>
+      </p:nvGrpSpPr>
+      <p:grpSpPr>
+        <a:xfrm>
+          <a:off x="0" y="0"/>
+          <a:ext cx="0" cy="0"/>
+          <a:chOff x="0" y="0"/>
+          <a:chExt cx="0" cy="0"/>
+        </a:xfrm>
+      </p:grpSpPr>
+      <p:sp>
+        <p:nvSpPr>
+          <p:cNvPr id="3" name="Content Placeholder 2">
+            <a:extLst>
+              <a:ext uri="{FF2B5EF4-FFF2-40B4-BE49-F238E27FC236}">
+                <a16:creationId xmlns:a16="http://schemas.microsoft.com/office/drawing/2014/main" id="{9BACD4C8-0E4A-40B9-A69A-9DFD9491E2DD}"/>
+              </a:ext>
+            </a:extLst>
+          </p:cNvPr>
+          <p:cNvSpPr>
+            <a:spLocks noGrp="1"/>
+          </p:cNvSpPr>
+          <p:nvPr>
+            <p:ph idx="1"/>
+          </p:nvPr>
+        </p:nvSpPr>
+        <p:spPr>
+          <a:xfrm>
+            <a:off x="838200" y="1253331"/>
+            <a:ext cx="10515600" cy="4351338"/>
+          </a:xfrm>
+        </p:spPr>
+        <p:txBody>
+          <a:bodyPr>
+            <a:normAutofit lnSpcReduction="10000"/>
+          </a:bodyPr>
+          <a:lstStyle/>
+          <a:p>
+            <a:pPr marL="0" indent="0">
+              <a:buNone/>
+            </a:pPr>
+            <a:r>
+              <a:rPr lang="en-IN" b="1" dirty="0">
+                <a:latin typeface="Arial" panose="020B0604020202020204" pitchFamily="34" charset="0"/>
+                <a:cs typeface="Arial" panose="020B0604020202020204" pitchFamily="34" charset="0"/>
+              </a:rPr>
+              <a:t>High Level</a:t>
+            </a:r>
+          </a:p>
+          <a:p>
+            <a:pPr lvl="1"/>
+            <a:r>
+              <a:rPr lang="en-US" dirty="0">
+                <a:latin typeface="Arial" panose="020B0604020202020204" pitchFamily="34" charset="0"/>
+                <a:cs typeface="Arial" panose="020B0604020202020204" pitchFamily="34" charset="0"/>
+              </a:rPr>
+              <a:t>P</a:t>
+            </a:r>
+            <a:r>
+              <a:rPr lang="en-US" b="0" i="0" dirty="0">
+                <a:effectLst/>
+                <a:latin typeface="Arial" panose="020B0604020202020204" pitchFamily="34" charset="0"/>
+                <a:cs typeface="Arial" panose="020B0604020202020204" pitchFamily="34" charset="0"/>
+              </a:rPr>
+              <a:t>rogrammer friendly language.</a:t>
+            </a:r>
+          </a:p>
+          <a:p>
+            <a:pPr lvl="1"/>
+            <a:r>
+              <a:rPr lang="en-US" b="0" i="0" dirty="0">
+                <a:effectLst/>
+                <a:latin typeface="Arial" panose="020B0604020202020204" pitchFamily="34" charset="0"/>
+                <a:cs typeface="Arial" panose="020B0604020202020204" pitchFamily="34" charset="0"/>
+              </a:rPr>
+              <a:t>Easy to understand.</a:t>
+            </a:r>
+          </a:p>
+          <a:p>
+            <a:endParaRPr lang="en-IN" dirty="0">
+              <a:latin typeface="Arial" panose="020B0604020202020204" pitchFamily="34" charset="0"/>
+              <a:cs typeface="Arial" panose="020B0604020202020204" pitchFamily="34" charset="0"/>
+            </a:endParaRPr>
+          </a:p>
+          <a:p>
+            <a:pPr marL="0" indent="0">
+              <a:buNone/>
+            </a:pPr>
+            <a:r>
+              <a:rPr lang="en-US" sz="2800" b="1" dirty="0">
+                <a:latin typeface="Arial" panose="020B0604020202020204" pitchFamily="34" charset="0"/>
+                <a:cs typeface="Arial" panose="020B0604020202020204" pitchFamily="34" charset="0"/>
+              </a:rPr>
+              <a:t>Low Level </a:t>
+            </a:r>
+          </a:p>
+          <a:p>
+            <a:pPr lvl="1"/>
+            <a:r>
+              <a:rPr lang="en-US" dirty="0">
+                <a:latin typeface="Arial" panose="020B0604020202020204" pitchFamily="34" charset="0"/>
+                <a:cs typeface="Arial" panose="020B0604020202020204" pitchFamily="34" charset="0"/>
+              </a:rPr>
+              <a:t>M</a:t>
+            </a:r>
+            <a:r>
+              <a:rPr lang="en-US" b="0" i="0" dirty="0">
+                <a:effectLst/>
+                <a:latin typeface="Arial" panose="020B0604020202020204" pitchFamily="34" charset="0"/>
+                <a:cs typeface="Arial" panose="020B0604020202020204" pitchFamily="34" charset="0"/>
+              </a:rPr>
+              <a:t>achine friendly language.</a:t>
+            </a:r>
+          </a:p>
+          <a:p>
+            <a:pPr lvl="1"/>
+            <a:r>
+              <a:rPr lang="en-US" dirty="0">
+                <a:latin typeface="Arial" panose="020B0604020202020204" pitchFamily="34" charset="0"/>
+                <a:cs typeface="Arial" panose="020B0604020202020204" pitchFamily="34" charset="0"/>
+              </a:rPr>
+              <a:t>T</a:t>
+            </a:r>
+            <a:r>
+              <a:rPr lang="en-US" b="0" i="0" dirty="0">
+                <a:effectLst/>
+                <a:latin typeface="Arial" panose="020B0604020202020204" pitchFamily="34" charset="0"/>
+                <a:cs typeface="Arial" panose="020B0604020202020204" pitchFamily="34" charset="0"/>
+              </a:rPr>
+              <a:t>ough to understand</a:t>
+            </a:r>
+            <a:r>
+              <a:rPr lang="en-US" dirty="0">
+                <a:latin typeface="Arial" panose="020B0604020202020204" pitchFamily="34" charset="0"/>
+                <a:cs typeface="Arial" panose="020B0604020202020204" pitchFamily="34" charset="0"/>
+              </a:rPr>
+              <a:t>.</a:t>
+            </a:r>
+          </a:p>
+          <a:p>
+            <a:pPr lvl="1"/>
+            <a:endParaRPr lang="en-US" dirty="0">
+              <a:latin typeface="Arial" panose="020B0604020202020204" pitchFamily="34" charset="0"/>
+              <a:cs typeface="Arial" panose="020B0604020202020204" pitchFamily="34" charset="0"/>
+            </a:endParaRPr>
+          </a:p>
+          <a:p>
+            <a:pPr marL="0" indent="0">
+              <a:buNone/>
+            </a:pPr>
+            <a:r>
+              <a:rPr lang="en-IN" b="1" dirty="0">
+                <a:latin typeface="Arial" panose="020B0604020202020204" pitchFamily="34" charset="0"/>
+                <a:cs typeface="Arial" panose="020B0604020202020204" pitchFamily="34" charset="0"/>
+              </a:rPr>
+              <a:t>Assembly Level</a:t>
+            </a:r>
+          </a:p>
+          <a:p>
+            <a:pPr lvl="1"/>
+            <a:r>
+              <a:rPr lang="en-US" dirty="0">
+                <a:latin typeface="Arial" panose="020B0604020202020204" pitchFamily="34" charset="0"/>
+                <a:cs typeface="Arial" panose="020B0604020202020204" pitchFamily="34" charset="0"/>
+              </a:rPr>
+              <a:t>More than Low level and less than High level</a:t>
+            </a:r>
+            <a:r>
+              <a:rPr lang="en-US" b="0" i="0" dirty="0">
+                <a:effectLst/>
+                <a:latin typeface="Arial" panose="020B0604020202020204" pitchFamily="34" charset="0"/>
+                <a:cs typeface="Arial" panose="020B0604020202020204" pitchFamily="34" charset="0"/>
+              </a:rPr>
+              <a:t>.</a:t>
+            </a:r>
+          </a:p>
+          <a:p>
+            <a:pPr lvl="1"/>
+            <a:r>
+              <a:rPr lang="en-US" b="0" i="0" dirty="0">
+                <a:effectLst/>
+                <a:latin typeface="Arial" panose="020B0604020202020204" pitchFamily="34" charset="0"/>
+                <a:cs typeface="Arial" panose="020B0604020202020204" pitchFamily="34" charset="0"/>
+              </a:rPr>
+              <a:t>Contains symbols and </a:t>
+            </a:r>
+            <a:r>
+              <a:rPr lang="en-US" b="0" i="0" dirty="0" err="1">
+                <a:effectLst/>
+                <a:latin typeface="Arial" panose="020B0604020202020204" pitchFamily="34" charset="0"/>
+                <a:cs typeface="Arial" panose="020B0604020202020204" pitchFamily="34" charset="0"/>
+              </a:rPr>
+              <a:t>nnumbers</a:t>
+            </a:r>
+            <a:r>
+              <a:rPr lang="en-US" b="0" i="0" dirty="0">
+                <a:effectLst/>
+                <a:latin typeface="Arial" panose="020B0604020202020204" pitchFamily="34" charset="0"/>
+                <a:cs typeface="Arial" panose="020B0604020202020204" pitchFamily="34" charset="0"/>
+              </a:rPr>
+              <a:t>.</a:t>
+            </a:r>
+          </a:p>
+          <a:p>
+            <a:pPr lvl="1"/>
+            <a:endParaRPr lang="en-US" dirty="0">
+              <a:latin typeface="Arial" panose="020B0604020202020204" pitchFamily="34" charset="0"/>
+              <a:cs typeface="Arial" panose="020B0604020202020204" pitchFamily="34" charset="0"/>
+            </a:endParaRPr>
+          </a:p>
+        </p:txBody>
+      </p:sp>
+    </p:spTree>
+    <p:extLst>
+      <p:ext uri="{BB962C8B-B14F-4D97-AF65-F5344CB8AC3E}">
+        <p14:creationId xmlns:p14="http://schemas.microsoft.com/office/powerpoint/2010/main" val="1520208174"/>
+      </p:ext>
+    </p:extLst>
+  </p:cSld>
+  <p:clrMapOvr>
+    <a:masterClrMapping/>
+  </p:clrMapOvr>
+  <p:timing>
+    <p:tnLst>
+      <p:par>
+        <p:cTn id="1" dur="indefinite" restart="never" nodeType="tmRoot">
+          <p:childTnLst>
+            <p:seq concurrent="1" nextAc="seek">
+              <p:cTn id="2" dur="indefinite" nodeType="mainSeq">
+                <p:childTnLst>
+                  <p:par>
+                    <p:cTn id="3" fill="hold">
+                      <p:stCondLst>
+                        <p:cond delay="indefinite"/>
+                      </p:stCondLst>
+                      <p:childTnLst>
+                        <p:par>
+                          <p:cTn id="4" fill="hold">
+                            <p:stCondLst>
+                              <p:cond delay="0"/>
+                            </p:stCondLst>
+                            <p:childTnLst>
+                              <p:par>
+                                <p:cTn id="5" presetID="1" presetClass="entr" presetSubtype="0" fill="hold" nodeType="clickEffect">
+                                  <p:stCondLst>
+                                    <p:cond delay="0"/>
+                                  </p:stCondLst>
+                                  <p:childTnLst>
+                                    <p:set>
+                                      <p:cBhvr>
+                                        <p:cTn id="6" dur="1" fill="hold">
+                                          <p:stCondLst>
+                                            <p:cond delay="0"/>
+                                          </p:stCondLst>
+                                        </p:cTn>
+                                        <p:tgtEl>
+                                          <p:spTgt spid="3">
+                                            <p:txEl>
+                                              <p:pRg st="0" end="0"/>
+                                            </p:txEl>
+                                          </p:spTgt>
+                                        </p:tgtEl>
+                                        <p:attrNameLst>
+                                          <p:attrName>style.visibility</p:attrName>
+                                        </p:attrNameLst>
+                                      </p:cBhvr>
+                                      <p:to>
+                                        <p:strVal val="visible"/>
+                                      </p:to>
+                                    </p:set>
+                                  </p:childTnLst>
+                                </p:cTn>
+                              </p:par>
+                            </p:childTnLst>
+                          </p:cTn>
+                        </p:par>
+                      </p:childTnLst>
+                    </p:cTn>
+                  </p:par>
+                  <p:par>
+                    <p:cTn id="7" fill="hold">
+                      <p:stCondLst>
+                        <p:cond delay="indefinite"/>
+                      </p:stCondLst>
+                      <p:childTnLst>
+                        <p:par>
+                          <p:cTn id="8" fill="hold">
+                            <p:stCondLst>
+                              <p:cond delay="0"/>
+                            </p:stCondLst>
+                            <p:childTnLst>
+                              <p:par>
+                                <p:cTn id="9" presetID="1" presetClass="entr" presetSubtype="0" fill="hold" nodeType="clickEffect">
+                                  <p:stCondLst>
+                                    <p:cond delay="0"/>
+                                  </p:stCondLst>
+                                  <p:childTnLst>
+                                    <p:set>
+                                      <p:cBhvr>
+                                        <p:cTn id="10" dur="1" fill="hold">
+                                          <p:stCondLst>
+                                            <p:cond delay="0"/>
+                                          </p:stCondLst>
+                                        </p:cTn>
+                                        <p:tgtEl>
+                                          <p:spTgt spid="3">
+                                            <p:txEl>
+                                              <p:pRg st="1" end="1"/>
+                                            </p:txEl>
+                                          </p:spTgt>
+                                        </p:tgtEl>
+                                        <p:attrNameLst>
+                                          <p:attrName>style.visibility</p:attrName>
+                                        </p:attrNameLst>
+                                      </p:cBhvr>
+                                      <p:to>
+                                        <p:strVal val="visible"/>
+                                      </p:to>
+                                    </p:set>
+                                  </p:childTnLst>
+                                </p:cTn>
+                              </p:par>
+                              <p:par>
+                                <p:cTn id="11" presetID="1" presetClass="entr" presetSubtype="0" fill="hold" nodeType="withEffect">
+                                  <p:stCondLst>
+                                    <p:cond delay="0"/>
+                                  </p:stCondLst>
+                                  <p:childTnLst>
+                                    <p:set>
+                                      <p:cBhvr>
+                                        <p:cTn id="12" dur="1" fill="hold">
+                                          <p:stCondLst>
+                                            <p:cond delay="0"/>
+                                          </p:stCondLst>
+                                        </p:cTn>
+                                        <p:tgtEl>
+                                          <p:spTgt spid="3">
+                                            <p:txEl>
+                                              <p:pRg st="2" end="2"/>
+                                            </p:txEl>
+                                          </p:spTgt>
+                                        </p:tgtEl>
+                                        <p:attrNameLst>
+                                          <p:attrName>style.visibility</p:attrName>
+                                        </p:attrNameLst>
+                                      </p:cBhvr>
+                                      <p:to>
+                                        <p:strVal val="visible"/>
+                                      </p:to>
+                                    </p:set>
+                                  </p:childTnLst>
+                                </p:cTn>
+                              </p:par>
+                            </p:childTnLst>
+                          </p:cTn>
+                        </p:par>
+                      </p:childTnLst>
+                    </p:cTn>
+                  </p:par>
+                  <p:par>
+                    <p:cTn id="13" fill="hold">
+                      <p:stCondLst>
+                        <p:cond delay="indefinite"/>
+                      </p:stCondLst>
+                      <p:childTnLst>
+                        <p:par>
+                          <p:cTn id="14" fill="hold">
+                            <p:stCondLst>
+                              <p:cond delay="0"/>
+                            </p:stCondLst>
+                            <p:childTnLst>
+                              <p:par>
+                                <p:cTn id="15" presetID="1" presetClass="entr" presetSubtype="0" fill="hold" nodeType="clickEffect">
+                                  <p:stCondLst>
+                                    <p:cond delay="0"/>
+                                  </p:stCondLst>
+                                  <p:childTnLst>
+                                    <p:set>
+                                      <p:cBhvr>
+                                        <p:cTn id="16" dur="1" fill="hold">
+                                          <p:stCondLst>
+                                            <p:cond delay="0"/>
+                                          </p:stCondLst>
+                                        </p:cTn>
+                                        <p:tgtEl>
+                                          <p:spTgt spid="3">
+                                            <p:txEl>
                                               <p:pRg st="4" end="4"/>
                                             </p:txEl>
                                           </p:spTgt>
@@ -4434,8 +4127,26 @@
                                   </p:childTnLst>
                                 </p:cTn>
                               </p:par>
+                            </p:childTnLst>
+                          </p:cTn>
+                        </p:par>
+                      </p:childTnLst>
+                    </p:cTn>
+                  </p:par>
+                  <p:par>
+                    <p:cTn id="17" fill="hold">
+                      <p:stCondLst>
+                        <p:cond delay="indefinite"/>
+                      </p:stCondLst>
+                      <p:childTnLst>
+                        <p:par>
+                          <p:cTn id="18" fill="hold">
+                            <p:stCondLst>
+                              <p:cond delay="0"/>
+                            </p:stCondLst>
+                            <p:childTnLst>
                               <p:par>
-                                <p:cTn id="19" presetID="1" presetClass="entr" presetSubtype="0" fill="hold" nodeType="withEffect">
+                                <p:cTn id="19" presetID="1" presetClass="entr" presetSubtype="0" fill="hold" nodeType="clickEffect">
                                   <p:stCondLst>
                                     <p:cond delay="0"/>
                                   </p:stCondLst>
@@ -4502,6 +4213,135 @@
                       </p:childTnLst>
                     </p:cTn>
                   </p:par>
+                  <p:par>
+                    <p:cTn id="23" fill="hold">
+                      <p:stCondLst>
+                        <p:cond delay="indefinite"/>
+                      </p:stCondLst>
+                      <p:childTnLst>
+                        <p:par>
+                          <p:cTn id="24" fill="hold">
+                            <p:stCondLst>
+                              <p:cond delay="0"/>
+                            </p:stCondLst>
+                            <p:childTnLst>
+                              <p:par>
+                                <p:cTn id="25" presetID="1" presetClass="entr" presetSubtype="0" fill="hold" nodeType="clickEffect">
+                                  <p:stCondLst>
+                                    <p:cond delay="0"/>
+                                  </p:stCondLst>
+                                  <p:childTnLst>
+                                    <p:set>
+                                      <p:cBhvr>
+                                        <p:cTn id="26" dur="1" fill="hold">
+                                          <p:stCondLst>
+                                            <p:cond delay="0"/>
+                                          </p:stCondLst>
+                                        </p:cTn>
+                                        <p:tgtEl>
+                                          <p:spTgt spid="3">
+                                            <p:txEl>
+                                              <p:pRg st="8" end="8"/>
+                                            </p:txEl>
+                                          </p:spTgt>
+                                        </p:tgtEl>
+                                        <p:attrNameLst>
+                                          <p:attrName>style.visibility</p:attrName>
+                                        </p:attrNameLst>
+                                      </p:cBhvr>
+                                      <p:to>
+                                        <p:strVal val="visible"/>
+                                      </p:to>
+                                    </p:set>
+                                  </p:childTnLst>
+                                </p:cTn>
+                              </p:par>
+                            </p:childTnLst>
+                          </p:cTn>
+                        </p:par>
+                      </p:childTnLst>
+                    </p:cTn>
+                  </p:par>
+                  <p:par>
+                    <p:cTn id="27" fill="hold">
+                      <p:stCondLst>
+                        <p:cond delay="indefinite"/>
+                      </p:stCondLst>
+                      <p:childTnLst>
+                        <p:par>
+                          <p:cTn id="28" fill="hold">
+                            <p:stCondLst>
+                              <p:cond delay="0"/>
+                            </p:stCondLst>
+                            <p:childTnLst>
+                              <p:par>
+                                <p:cTn id="29" presetID="1" presetClass="entr" presetSubtype="0" fill="hold" nodeType="clickEffect">
+                                  <p:stCondLst>
+                                    <p:cond delay="0"/>
+                                  </p:stCondLst>
+                                  <p:childTnLst>
+                                    <p:set>
+                                      <p:cBhvr>
+                                        <p:cTn id="30" dur="1" fill="hold">
+                                          <p:stCondLst>
+                                            <p:cond delay="0"/>
+                                          </p:stCondLst>
+                                        </p:cTn>
+                                        <p:tgtEl>
+                                          <p:spTgt spid="3">
+                                            <p:txEl>
+                                              <p:pRg st="9" end="9"/>
+                                            </p:txEl>
+                                          </p:spTgt>
+                                        </p:tgtEl>
+                                        <p:attrNameLst>
+                                          <p:attrName>style.visibility</p:attrName>
+                                        </p:attrNameLst>
+                                      </p:cBhvr>
+                                      <p:to>
+                                        <p:strVal val="visible"/>
+                                      </p:to>
+                                    </p:set>
+                                  </p:childTnLst>
+                                </p:cTn>
+                              </p:par>
+                              <p:par>
+                                <p:cTn id="31" presetID="1" presetClass="entr" presetSubtype="0" fill="hold" nodeType="withEffect">
+                                  <p:stCondLst>
+                                    <p:cond delay="0"/>
+                                  </p:stCondLst>
+                                  <p:childTnLst>
+                                    <p:set>
+                                      <p:cBhvr>
+                                        <p:cTn id="32" dur="1" fill="hold">
+                                          <p:stCondLst>
+                                            <p:cond delay="0"/>
+                                          </p:stCondLst>
+                                        </p:cTn>
+                                        <p:tgtEl>
+                                          <p:spTgt spid="3">
+                                            <p:txEl>
+                                              <p:pRg st="10" end="10"/>
+                                            </p:txEl>
+                                          </p:spTgt>
+                                        </p:tgtEl>
+                                        <p:attrNameLst>
+                                          <p:attrName>style.visibility</p:attrName>
+                                        </p:attrNameLst>
+                                      </p:cBhvr>
+                                      <p:to>
+                                        <p:strVal val="visible"/>
+                                      </p:to>
+                                    </p:set>
+                                  </p:childTnLst>
+                                </p:cTn>
+                              </p:par>
+                            </p:childTnLst>
+                          </p:cTn>
+                        </p:par>
+                      </p:childTnLst>
+                    </p:cTn>
+                  </p:par>
                 </p:childTnLst>
               </p:cTn>
               <p:prevCondLst>
@@ -4523,14 +4363,11 @@
         </p:cTn>
       </p:par>
     </p:tnLst>
-    <p:bldLst>
-      <p:bldP spid="2" grpId="0"/>
-    </p:bldLst>
   </p:timing>
 </p:sld>
 </file>
 
-<file path=ppt/slides/slide3.xml><?xml version="1.0" encoding="utf-8"?>
+<file path=ppt/slides/slide4.xml><?xml version="1.0" encoding="utf-8"?>
 <p:sld xmlns:a="http://schemas.openxmlformats.org/drawingml/2006/main" xmlns:r="http://schemas.openxmlformats.org/officeDocument/2006/relationships" xmlns:p="http://schemas.openxmlformats.org/presentationml/2006/main">
   <p:cSld>
     <p:spTree>
@@ -4942,7 +4779,7 @@
 </p:sld>
 </file>
 
-<file path=ppt/slides/slide4.xml><?xml version="1.0" encoding="utf-8"?>
+<file path=ppt/slides/slide5.xml><?xml version="1.0" encoding="utf-8"?>
 <p:sld xmlns:a="http://schemas.openxmlformats.org/drawingml/2006/main" xmlns:r="http://schemas.openxmlformats.org/officeDocument/2006/relationships" xmlns:p="http://schemas.openxmlformats.org/presentationml/2006/main">
   <p:cSld>
     <p:bg>
@@ -5892,7 +5729,7 @@
 </p:sld>
 </file>
 
-<file path=ppt/slides/slide5.xml><?xml version="1.0" encoding="utf-8"?>
+<file path=ppt/slides/slide6.xml><?xml version="1.0" encoding="utf-8"?>
 <p:sld xmlns:a="http://schemas.openxmlformats.org/drawingml/2006/main" xmlns:r="http://schemas.openxmlformats.org/officeDocument/2006/relationships" xmlns:p="http://schemas.openxmlformats.org/presentationml/2006/main">
   <p:cSld>
     <p:spTree>
@@ -6287,7 +6124,7 @@
 </p:sld>
 </file>
 
-<file path=ppt/slides/slide6.xml><?xml version="1.0" encoding="utf-8"?>
+<file path=ppt/slides/slide7.xml><?xml version="1.0" encoding="utf-8"?>
 <p:sld xmlns:a="http://schemas.openxmlformats.org/drawingml/2006/main" xmlns:r="http://schemas.openxmlformats.org/officeDocument/2006/relationships" xmlns:p="http://schemas.openxmlformats.org/presentationml/2006/main">
   <p:cSld>
     <p:bg>
@@ -7271,7 +7108,7 @@
 </p:sld>
 </file>
 
-<file path=ppt/slides/slide7.xml><?xml version="1.0" encoding="utf-8"?>
+<file path=ppt/slides/slide8.xml><?xml version="1.0" encoding="utf-8"?>
 <p:sld xmlns:a="http://schemas.openxmlformats.org/drawingml/2006/main" xmlns:r="http://schemas.openxmlformats.org/officeDocument/2006/relationships" xmlns:p="http://schemas.openxmlformats.org/presentationml/2006/main">
   <p:cSld>
     <p:bg>
